--- a/Slides/Chapter06.pptx
+++ b/Slides/Chapter06.pptx
@@ -5,7 +5,7 @@
     <p:sldMasterId id="2147483679" r:id="rId1"/>
   </p:sldMasterIdLst>
   <p:notesMasterIdLst>
-    <p:notesMasterId r:id="rId103"/>
+    <p:notesMasterId r:id="rId104"/>
   </p:notesMasterIdLst>
   <p:sldIdLst>
     <p:sldId id="256" r:id="rId2"/>
@@ -68,47 +68,48 @@
     <p:sldId id="314" r:id="rId59"/>
     <p:sldId id="315" r:id="rId60"/>
     <p:sldId id="316" r:id="rId61"/>
-    <p:sldId id="317" r:id="rId62"/>
-    <p:sldId id="318" r:id="rId63"/>
-    <p:sldId id="319" r:id="rId64"/>
-    <p:sldId id="320" r:id="rId65"/>
-    <p:sldId id="321" r:id="rId66"/>
-    <p:sldId id="322" r:id="rId67"/>
-    <p:sldId id="330" r:id="rId68"/>
-    <p:sldId id="323" r:id="rId69"/>
-    <p:sldId id="324" r:id="rId70"/>
-    <p:sldId id="325" r:id="rId71"/>
-    <p:sldId id="326" r:id="rId72"/>
-    <p:sldId id="355" r:id="rId73"/>
-    <p:sldId id="354" r:id="rId74"/>
-    <p:sldId id="356" r:id="rId75"/>
-    <p:sldId id="357" r:id="rId76"/>
-    <p:sldId id="285" r:id="rId77"/>
-    <p:sldId id="351" r:id="rId78"/>
-    <p:sldId id="358" r:id="rId79"/>
-    <p:sldId id="327" r:id="rId80"/>
-    <p:sldId id="329" r:id="rId81"/>
-    <p:sldId id="328" r:id="rId82"/>
-    <p:sldId id="372" r:id="rId83"/>
-    <p:sldId id="359" r:id="rId84"/>
-    <p:sldId id="369" r:id="rId85"/>
-    <p:sldId id="370" r:id="rId86"/>
-    <p:sldId id="371" r:id="rId87"/>
-    <p:sldId id="361" r:id="rId88"/>
-    <p:sldId id="362" r:id="rId89"/>
-    <p:sldId id="363" r:id="rId90"/>
-    <p:sldId id="364" r:id="rId91"/>
-    <p:sldId id="365" r:id="rId92"/>
-    <p:sldId id="366" r:id="rId93"/>
-    <p:sldId id="367" r:id="rId94"/>
-    <p:sldId id="373" r:id="rId95"/>
-    <p:sldId id="374" r:id="rId96"/>
-    <p:sldId id="375" r:id="rId97"/>
-    <p:sldId id="376" r:id="rId98"/>
-    <p:sldId id="377" r:id="rId99"/>
-    <p:sldId id="378" r:id="rId100"/>
-    <p:sldId id="379" r:id="rId101"/>
-    <p:sldId id="380" r:id="rId102"/>
+    <p:sldId id="381" r:id="rId62"/>
+    <p:sldId id="317" r:id="rId63"/>
+    <p:sldId id="318" r:id="rId64"/>
+    <p:sldId id="319" r:id="rId65"/>
+    <p:sldId id="320" r:id="rId66"/>
+    <p:sldId id="321" r:id="rId67"/>
+    <p:sldId id="322" r:id="rId68"/>
+    <p:sldId id="330" r:id="rId69"/>
+    <p:sldId id="323" r:id="rId70"/>
+    <p:sldId id="324" r:id="rId71"/>
+    <p:sldId id="325" r:id="rId72"/>
+    <p:sldId id="326" r:id="rId73"/>
+    <p:sldId id="355" r:id="rId74"/>
+    <p:sldId id="354" r:id="rId75"/>
+    <p:sldId id="356" r:id="rId76"/>
+    <p:sldId id="357" r:id="rId77"/>
+    <p:sldId id="285" r:id="rId78"/>
+    <p:sldId id="351" r:id="rId79"/>
+    <p:sldId id="358" r:id="rId80"/>
+    <p:sldId id="327" r:id="rId81"/>
+    <p:sldId id="329" r:id="rId82"/>
+    <p:sldId id="328" r:id="rId83"/>
+    <p:sldId id="372" r:id="rId84"/>
+    <p:sldId id="359" r:id="rId85"/>
+    <p:sldId id="369" r:id="rId86"/>
+    <p:sldId id="370" r:id="rId87"/>
+    <p:sldId id="371" r:id="rId88"/>
+    <p:sldId id="361" r:id="rId89"/>
+    <p:sldId id="362" r:id="rId90"/>
+    <p:sldId id="363" r:id="rId91"/>
+    <p:sldId id="364" r:id="rId92"/>
+    <p:sldId id="365" r:id="rId93"/>
+    <p:sldId id="366" r:id="rId94"/>
+    <p:sldId id="367" r:id="rId95"/>
+    <p:sldId id="373" r:id="rId96"/>
+    <p:sldId id="374" r:id="rId97"/>
+    <p:sldId id="375" r:id="rId98"/>
+    <p:sldId id="376" r:id="rId99"/>
+    <p:sldId id="377" r:id="rId100"/>
+    <p:sldId id="378" r:id="rId101"/>
+    <p:sldId id="379" r:id="rId102"/>
+    <p:sldId id="380" r:id="rId103"/>
   </p:sldIdLst>
   <p:sldSz cx="12192000" cy="6858000"/>
   <p:notesSz cx="6858000" cy="9144000"/>
@@ -297,7 +298,7 @@
           <a:p>
             <a:fld id="{ACAFFC25-7D9C-3148-BAE3-9461709ECBC8}" type="datetimeFigureOut">
               <a:rPr lang="en-US" smtClean="0"/>
-              <a:t>11/11/25</a:t>
+              <a:t>11/13/25</a:t>
             </a:fld>
             <a:endParaRPr lang="en-US"/>
           </a:p>
@@ -939,7 +940,7 @@
           <a:p>
             <a:fld id="{6823015E-46F7-BA42-920D-B0F9D08B091E}" type="slidenum">
               <a:rPr lang="en-US" smtClean="0"/>
-              <a:t>84</a:t>
+              <a:t>85</a:t>
             </a:fld>
             <a:endParaRPr lang="en-US"/>
           </a:p>
@@ -1705,7 +1706,7 @@
           <a:p>
             <a:fld id="{6823015E-46F7-BA42-920D-B0F9D08B091E}" type="slidenum">
               <a:rPr lang="en-US" smtClean="0"/>
-              <a:t>63</a:t>
+              <a:t>64</a:t>
             </a:fld>
             <a:endParaRPr lang="en-US"/>
           </a:p>
@@ -1789,7 +1790,7 @@
           <a:p>
             <a:fld id="{6823015E-46F7-BA42-920D-B0F9D08B091E}" type="slidenum">
               <a:rPr lang="en-US" smtClean="0"/>
-              <a:t>66</a:t>
+              <a:t>67</a:t>
             </a:fld>
             <a:endParaRPr lang="en-US"/>
           </a:p>
@@ -2392,7 +2393,7 @@
             <a:fld id="{59E145AF-2465-1345-A673-F2664B07CED8}" type="datetime5">
               <a:rPr lang="en-US" smtClean="0"/>
               <a:pPr/>
-              <a:t>11-Nov-25</a:t>
+              <a:t>13-Nov-25</a:t>
             </a:fld>
             <a:endParaRPr lang="en-US" dirty="0"/>
           </a:p>
@@ -2681,7 +2682,7 @@
             <a:fld id="{59E145AF-2465-1345-A673-F2664B07CED8}" type="datetime5">
               <a:rPr lang="en-US" smtClean="0"/>
               <a:pPr/>
-              <a:t>11-Nov-25</a:t>
+              <a:t>13-Nov-25</a:t>
             </a:fld>
             <a:endParaRPr lang="en-US" dirty="0"/>
           </a:p>
@@ -3009,7 +3010,7 @@
             <a:fld id="{59E145AF-2465-1345-A673-F2664B07CED8}" type="datetime5">
               <a:rPr lang="en-US" smtClean="0"/>
               <a:pPr/>
-              <a:t>11-Nov-25</a:t>
+              <a:t>13-Nov-25</a:t>
             </a:fld>
             <a:endParaRPr lang="en-US" dirty="0"/>
           </a:p>
@@ -3410,7 +3411,7 @@
             <a:fld id="{59E145AF-2465-1345-A673-F2664B07CED8}" type="datetime5">
               <a:rPr lang="en-US" smtClean="0"/>
               <a:pPr/>
-              <a:t>11-Nov-25</a:t>
+              <a:t>13-Nov-25</a:t>
             </a:fld>
             <a:endParaRPr lang="en-US" dirty="0"/>
           </a:p>
@@ -3660,7 +3661,7 @@
             <a:fld id="{59E145AF-2465-1345-A673-F2664B07CED8}" type="datetime5">
               <a:rPr lang="en-US" smtClean="0"/>
               <a:pPr/>
-              <a:t>11-Nov-25</a:t>
+              <a:t>13-Nov-25</a:t>
             </a:fld>
             <a:endParaRPr lang="en-US" dirty="0"/>
           </a:p>
@@ -3804,7 +3805,7 @@
           <a:p>
             <a:fld id="{F7714C69-287E-E443-97C2-5C868A5EEBBE}" type="datetime1">
               <a:rPr lang="en-US" smtClean="0"/>
-              <a:t>11/11/25</a:t>
+              <a:t>11/13/25</a:t>
             </a:fld>
             <a:endParaRPr lang="en-US"/>
           </a:p>
@@ -3914,7 +3915,7 @@
           <a:p>
             <a:fld id="{57E90ECD-9D68-3C44-AA7C-041F4B4B3003}" type="datetime1">
               <a:rPr lang="en-US" smtClean="0"/>
-              <a:t>11/11/25</a:t>
+              <a:t>11/13/25</a:t>
             </a:fld>
             <a:endParaRPr lang="en-US"/>
           </a:p>
@@ -4368,7 +4369,7 @@
           <a:p>
             <a:fld id="{9C9125FC-FC67-7140-8E1A-D6FB4D8643C9}" type="datetime1">
               <a:rPr lang="en-US" smtClean="0"/>
-              <a:t>11/11/25</a:t>
+              <a:t>11/13/25</a:t>
             </a:fld>
             <a:endParaRPr lang="en-US"/>
           </a:p>
@@ -5095,7 +5096,7 @@
           <p:cNvPr id="2" name="Content Placeholder 1">
             <a:extLst>
               <a:ext uri="{FF2B5EF4-FFF2-40B4-BE49-F238E27FC236}">
-                <a16:creationId xmlns:a16="http://schemas.microsoft.com/office/drawing/2014/main" id="{22A64C89-0853-C074-639D-6AB5F7DDECFB}"/>
+                <a16:creationId xmlns:a16="http://schemas.microsoft.com/office/drawing/2014/main" id="{539AD933-415C-BC12-7194-AF4F151BD834}"/>
               </a:ext>
             </a:extLst>
           </p:cNvPr>
@@ -5109,82 +5110,58 @@
         <p:spPr/>
         <p:txBody>
           <a:bodyPr>
-            <a:normAutofit fontScale="77500" lnSpcReduction="20000"/>
+            <a:normAutofit fontScale="92500" lnSpcReduction="10000"/>
           </a:bodyPr>
           <a:lstStyle/>
           <a:p>
             <a:r>
               <a:rPr lang="en-US" dirty="0"/>
-              <a:t>There are tools that help</a:t>
-            </a:r>
-          </a:p>
-          <a:p>
-            <a:r>
-              <a:rPr lang="en-US" dirty="0"/>
-              <a:t>Static Analysis</a:t>
+              <a:t>Same-Origin Policy:</a:t>
             </a:r>
           </a:p>
           <a:p>
             <a:pPr lvl="1"/>
             <a:r>
               <a:rPr lang="en-US" dirty="0"/>
-              <a:t>Brakeman - Rails security scanner</a:t>
+              <a:t>Browsers restrict cross-origin scripts</a:t>
             </a:r>
           </a:p>
           <a:p>
             <a:pPr lvl="1"/>
             <a:r>
-              <a:rPr lang="en-US" dirty="0" err="1"/>
-              <a:t>RuboCop</a:t>
-            </a:r>
-            <a:r>
-              <a:rPr lang="en-US" dirty="0"/>
-              <a:t> - Code quality and security</a:t>
+              <a:rPr lang="en-US" dirty="0"/>
+              <a:t>Necessary for security</a:t>
+            </a:r>
+          </a:p>
+          <a:p>
+            <a:r>
+              <a:rPr lang="en-US" dirty="0"/>
+              <a:t>CORS</a:t>
             </a:r>
           </a:p>
           <a:p>
             <a:pPr lvl="1"/>
             <a:r>
               <a:rPr lang="en-US" dirty="0"/>
-              <a:t>Include in CI/CD</a:t>
-            </a:r>
-          </a:p>
-          <a:p>
-            <a:r>
-              <a:rPr lang="en-US" dirty="0"/>
-              <a:t>Learn More</a:t>
+              <a:t>Allow controlled cross-origin access</a:t>
             </a:r>
           </a:p>
           <a:p>
             <a:pPr lvl="1"/>
             <a:r>
-              <a:rPr lang="en-US" dirty="0">
-                <a:hlinkClick r:id="rId2"/>
-              </a:rPr>
-              <a:t>https://owasp.org/</a:t>
-            </a:r>
-            <a:r>
-              <a:rPr lang="en-US" dirty="0"/>
-              <a:t> </a:t>
+              <a:rPr lang="en-US" dirty="0"/>
+              <a:t>Don't wildcard origins</a:t>
             </a:r>
           </a:p>
           <a:p>
             <a:pPr lvl="1"/>
             <a:r>
               <a:rPr lang="en-US" dirty="0"/>
-              <a:t>ZAP (Zed Attack Proxy)</a:t>
-            </a:r>
-          </a:p>
-          <a:p>
-            <a:pPr lvl="1"/>
-            <a:r>
-              <a:rPr lang="en-US" dirty="0" err="1"/>
-              <a:t>WebGoat</a:t>
-            </a:r>
-            <a:r>
-              <a:rPr lang="en-US" dirty="0"/>
-              <a:t> (practice attacks)</a:t>
-            </a:r>
+              <a:t>Specify exact trusted sources</a:t>
+            </a:r>
+          </a:p>
+          <a:p>
+            <a:endParaRPr lang="en-US" dirty="0"/>
           </a:p>
         </p:txBody>
       </p:sp>
@@ -5193,7 +5170,7 @@
           <p:cNvPr id="3" name="Title 2">
             <a:extLst>
               <a:ext uri="{FF2B5EF4-FFF2-40B4-BE49-F238E27FC236}">
-                <a16:creationId xmlns:a16="http://schemas.microsoft.com/office/drawing/2014/main" id="{A9F07123-4177-68AB-08DE-4269D89339D0}"/>
+                <a16:creationId xmlns:a16="http://schemas.microsoft.com/office/drawing/2014/main" id="{E084D952-9CFB-7FEB-46E1-CF7129B39071}"/>
               </a:ext>
             </a:extLst>
           </p:cNvPr>
@@ -5213,7 +5190,7 @@
           <a:p>
             <a:r>
               <a:rPr lang="en-US" dirty="0"/>
-              <a:t>Tools &amp; Testing</a:t>
+              <a:t>Browser Security</a:t>
             </a:r>
           </a:p>
         </p:txBody>
@@ -5223,7 +5200,7 @@
           <p:cNvPr id="4" name="Footer Placeholder 3">
             <a:extLst>
               <a:ext uri="{FF2B5EF4-FFF2-40B4-BE49-F238E27FC236}">
-                <a16:creationId xmlns:a16="http://schemas.microsoft.com/office/drawing/2014/main" id="{6E065F88-8E15-D00C-E7BD-ECEDF542AEB1}"/>
+                <a16:creationId xmlns:a16="http://schemas.microsoft.com/office/drawing/2014/main" id="{9556E719-F53E-EBDE-AD78-B8F88A8943AA}"/>
               </a:ext>
             </a:extLst>
           </p:cNvPr>
@@ -5251,7 +5228,7 @@
           <p:cNvPr id="5" name="Slide Number Placeholder 4">
             <a:extLst>
               <a:ext uri="{FF2B5EF4-FFF2-40B4-BE49-F238E27FC236}">
-                <a16:creationId xmlns:a16="http://schemas.microsoft.com/office/drawing/2014/main" id="{DFCCA8A9-141A-B994-DD59-9193483F410F}"/>
+                <a16:creationId xmlns:a16="http://schemas.microsoft.com/office/drawing/2014/main" id="{26519438-BB23-8D54-3D24-15E82183909C}"/>
               </a:ext>
             </a:extLst>
           </p:cNvPr>
@@ -5278,7 +5255,7 @@
     </p:spTree>
     <p:extLst>
       <p:ext uri="{BB962C8B-B14F-4D97-AF65-F5344CB8AC3E}">
-        <p14:creationId xmlns:p14="http://schemas.microsoft.com/office/powerpoint/2010/main" val="1368746149"/>
+        <p14:creationId xmlns:p14="http://schemas.microsoft.com/office/powerpoint/2010/main" val="1419615532"/>
       </p:ext>
     </p:extLst>
   </p:cSld>
@@ -5322,6 +5299,233 @@
           <p:cNvPr id="2" name="Content Placeholder 1">
             <a:extLst>
               <a:ext uri="{FF2B5EF4-FFF2-40B4-BE49-F238E27FC236}">
+                <a16:creationId xmlns:a16="http://schemas.microsoft.com/office/drawing/2014/main" id="{22A64C89-0853-C074-639D-6AB5F7DDECFB}"/>
+              </a:ext>
+            </a:extLst>
+          </p:cNvPr>
+          <p:cNvSpPr>
+            <a:spLocks noGrp="1"/>
+          </p:cNvSpPr>
+          <p:nvPr>
+            <p:ph idx="1"/>
+          </p:nvPr>
+        </p:nvSpPr>
+        <p:spPr/>
+        <p:txBody>
+          <a:bodyPr>
+            <a:normAutofit fontScale="77500" lnSpcReduction="20000"/>
+          </a:bodyPr>
+          <a:lstStyle/>
+          <a:p>
+            <a:r>
+              <a:rPr lang="en-US" dirty="0"/>
+              <a:t>There are tools that help</a:t>
+            </a:r>
+          </a:p>
+          <a:p>
+            <a:r>
+              <a:rPr lang="en-US" dirty="0"/>
+              <a:t>Static Analysis</a:t>
+            </a:r>
+          </a:p>
+          <a:p>
+            <a:pPr lvl="1"/>
+            <a:r>
+              <a:rPr lang="en-US" dirty="0"/>
+              <a:t>Brakeman - Rails security scanner</a:t>
+            </a:r>
+          </a:p>
+          <a:p>
+            <a:pPr lvl="1"/>
+            <a:r>
+              <a:rPr lang="en-US" dirty="0" err="1"/>
+              <a:t>RuboCop</a:t>
+            </a:r>
+            <a:r>
+              <a:rPr lang="en-US" dirty="0"/>
+              <a:t> - Code quality and security</a:t>
+            </a:r>
+          </a:p>
+          <a:p>
+            <a:pPr lvl="1"/>
+            <a:r>
+              <a:rPr lang="en-US" dirty="0"/>
+              <a:t>Include in CI/CD</a:t>
+            </a:r>
+          </a:p>
+          <a:p>
+            <a:r>
+              <a:rPr lang="en-US" dirty="0"/>
+              <a:t>Learn More</a:t>
+            </a:r>
+          </a:p>
+          <a:p>
+            <a:pPr lvl="1"/>
+            <a:r>
+              <a:rPr lang="en-US" dirty="0">
+                <a:hlinkClick r:id="rId2"/>
+              </a:rPr>
+              <a:t>https://owasp.org/</a:t>
+            </a:r>
+            <a:r>
+              <a:rPr lang="en-US" dirty="0"/>
+              <a:t> </a:t>
+            </a:r>
+          </a:p>
+          <a:p>
+            <a:pPr lvl="1"/>
+            <a:r>
+              <a:rPr lang="en-US" dirty="0"/>
+              <a:t>ZAP (Zed Attack Proxy)</a:t>
+            </a:r>
+          </a:p>
+          <a:p>
+            <a:pPr lvl="1"/>
+            <a:r>
+              <a:rPr lang="en-US" dirty="0" err="1"/>
+              <a:t>WebGoat</a:t>
+            </a:r>
+            <a:r>
+              <a:rPr lang="en-US" dirty="0"/>
+              <a:t> (practice attacks)</a:t>
+            </a:r>
+          </a:p>
+        </p:txBody>
+      </p:sp>
+      <p:sp>
+        <p:nvSpPr>
+          <p:cNvPr id="3" name="Title 2">
+            <a:extLst>
+              <a:ext uri="{FF2B5EF4-FFF2-40B4-BE49-F238E27FC236}">
+                <a16:creationId xmlns:a16="http://schemas.microsoft.com/office/drawing/2014/main" id="{A9F07123-4177-68AB-08DE-4269D89339D0}"/>
+              </a:ext>
+            </a:extLst>
+          </p:cNvPr>
+          <p:cNvSpPr>
+            <a:spLocks noGrp="1"/>
+          </p:cNvSpPr>
+          <p:nvPr>
+            <p:ph type="title"/>
+          </p:nvPr>
+        </p:nvSpPr>
+        <p:spPr/>
+        <p:txBody>
+          <a:bodyPr>
+            <a:normAutofit/>
+          </a:bodyPr>
+          <a:lstStyle/>
+          <a:p>
+            <a:r>
+              <a:rPr lang="en-US" dirty="0"/>
+              <a:t>Tools &amp; Testing</a:t>
+            </a:r>
+          </a:p>
+        </p:txBody>
+      </p:sp>
+      <p:sp>
+        <p:nvSpPr>
+          <p:cNvPr id="4" name="Footer Placeholder 3">
+            <a:extLst>
+              <a:ext uri="{FF2B5EF4-FFF2-40B4-BE49-F238E27FC236}">
+                <a16:creationId xmlns:a16="http://schemas.microsoft.com/office/drawing/2014/main" id="{6E065F88-8E15-D00C-E7BD-ECEDF542AEB1}"/>
+              </a:ext>
+            </a:extLst>
+          </p:cNvPr>
+          <p:cNvSpPr>
+            <a:spLocks noGrp="1"/>
+          </p:cNvSpPr>
+          <p:nvPr>
+            <p:ph type="ftr" sz="quarter" idx="11"/>
+          </p:nvPr>
+        </p:nvSpPr>
+        <p:spPr/>
+        <p:txBody>
+          <a:bodyPr/>
+          <a:lstStyle/>
+          <a:p>
+            <a:r>
+              <a:rPr lang="en-US"/>
+              <a:t>© Steve Beaty and others as cited</a:t>
+            </a:r>
+          </a:p>
+        </p:txBody>
+      </p:sp>
+      <p:sp>
+        <p:nvSpPr>
+          <p:cNvPr id="5" name="Slide Number Placeholder 4">
+            <a:extLst>
+              <a:ext uri="{FF2B5EF4-FFF2-40B4-BE49-F238E27FC236}">
+                <a16:creationId xmlns:a16="http://schemas.microsoft.com/office/drawing/2014/main" id="{DFCCA8A9-141A-B994-DD59-9193483F410F}"/>
+              </a:ext>
+            </a:extLst>
+          </p:cNvPr>
+          <p:cNvSpPr>
+            <a:spLocks noGrp="1"/>
+          </p:cNvSpPr>
+          <p:nvPr>
+            <p:ph type="sldNum" sz="quarter" idx="12"/>
+          </p:nvPr>
+        </p:nvSpPr>
+        <p:spPr/>
+        <p:txBody>
+          <a:bodyPr/>
+          <a:lstStyle/>
+          <a:p>
+            <a:fld id="{AFE08FFA-7F03-3A4E-B3F8-2C550F8B5FDD}" type="slidenum">
+              <a:rPr lang="en-US" smtClean="0"/>
+              <a:t>101</a:t>
+            </a:fld>
+            <a:endParaRPr lang="en-US"/>
+          </a:p>
+        </p:txBody>
+      </p:sp>
+    </p:spTree>
+    <p:extLst>
+      <p:ext uri="{BB962C8B-B14F-4D97-AF65-F5344CB8AC3E}">
+        <p14:creationId xmlns:p14="http://schemas.microsoft.com/office/powerpoint/2010/main" val="1368746149"/>
+      </p:ext>
+    </p:extLst>
+  </p:cSld>
+  <p:clrMapOvr>
+    <a:masterClrMapping/>
+  </p:clrMapOvr>
+  <mc:AlternateContent xmlns:mc="http://schemas.openxmlformats.org/markup-compatibility/2006" xmlns:p14="http://schemas.microsoft.com/office/powerpoint/2010/main">
+    <mc:Choice Requires="p14">
+      <p:transition spd="slow" p14:dur="1200">
+        <p14:prism/>
+      </p:transition>
+    </mc:Choice>
+    <mc:Fallback xmlns="">
+      <p:transition xmlns:p14="http://schemas.microsoft.com/office/powerpoint/2010/main" spd="slow">
+        <p:fade/>
+      </p:transition>
+    </mc:Fallback>
+  </mc:AlternateContent>
+</p:sld>
+</file>
+
+<file path=ppt/slides/slide102.xml><?xml version="1.0" encoding="utf-8"?>
+<p:sld xmlns:a="http://schemas.openxmlformats.org/drawingml/2006/main" xmlns:r="http://schemas.openxmlformats.org/officeDocument/2006/relationships" xmlns:p="http://schemas.openxmlformats.org/presentationml/2006/main">
+  <p:cSld>
+    <p:spTree>
+      <p:nvGrpSpPr>
+        <p:cNvPr id="1" name=""/>
+        <p:cNvGrpSpPr/>
+        <p:nvPr/>
+      </p:nvGrpSpPr>
+      <p:grpSpPr>
+        <a:xfrm>
+          <a:off x="0" y="0"/>
+          <a:ext cx="0" cy="0"/>
+          <a:chOff x="0" y="0"/>
+          <a:chExt cx="0" cy="0"/>
+        </a:xfrm>
+      </p:grpSpPr>
+      <p:sp>
+        <p:nvSpPr>
+          <p:cNvPr id="2" name="Content Placeholder 1">
+            <a:extLst>
+              <a:ext uri="{FF2B5EF4-FFF2-40B4-BE49-F238E27FC236}">
                 <a16:creationId xmlns:a16="http://schemas.microsoft.com/office/drawing/2014/main" id="{DF196CBC-BCFD-28BF-15BF-C5C51F94941E}"/>
               </a:ext>
             </a:extLst>
@@ -5467,7 +5671,7 @@
           <a:p>
             <a:fld id="{AFE08FFA-7F03-3A4E-B3F8-2C550F8B5FDD}" type="slidenum">
               <a:rPr lang="en-US" smtClean="0"/>
-              <a:t>101</a:t>
+              <a:t>102</a:t>
             </a:fld>
             <a:endParaRPr lang="en-US"/>
           </a:p>
@@ -17995,10 +18199,10 @@
       </p:grpSpPr>
       <p:sp>
         <p:nvSpPr>
-          <p:cNvPr id="2" name="Title 1">
-            <a:extLst>
-              <a:ext uri="{FF2B5EF4-FFF2-40B4-BE49-F238E27FC236}">
-                <a16:creationId xmlns:a16="http://schemas.microsoft.com/office/drawing/2014/main" id="{BC503121-5ECF-F9BB-8300-585E4E4860FD}"/>
+          <p:cNvPr id="3" name="Title 2">
+            <a:extLst>
+              <a:ext uri="{FF2B5EF4-FFF2-40B4-BE49-F238E27FC236}">
+                <a16:creationId xmlns:a16="http://schemas.microsoft.com/office/drawing/2014/main" id="{46D468CA-5B4D-E270-E4D5-17C9E9927A03}"/>
               </a:ext>
             </a:extLst>
           </p:cNvPr>
@@ -18011,24 +18215,22 @@
         </p:nvSpPr>
         <p:spPr/>
         <p:txBody>
-          <a:bodyPr>
-            <a:normAutofit/>
-          </a:bodyPr>
-          <a:lstStyle/>
-          <a:p>
-            <a:r>
-              <a:rPr lang="en-US" dirty="0"/>
-              <a:t>CSRF Attack Example</a:t>
-            </a:r>
-          </a:p>
-        </p:txBody>
-      </p:sp>
-      <p:sp>
-        <p:nvSpPr>
-          <p:cNvPr id="3" name="Content Placeholder 2">
-            <a:extLst>
-              <a:ext uri="{FF2B5EF4-FFF2-40B4-BE49-F238E27FC236}">
-                <a16:creationId xmlns:a16="http://schemas.microsoft.com/office/drawing/2014/main" id="{2955277A-4BD8-D6A2-AD71-A28E8E33BE0B}"/>
+          <a:bodyPr/>
+          <a:lstStyle/>
+          <a:p>
+            <a:r>
+              <a:rPr lang="en-US" dirty="0"/>
+              <a:t>Overriding Rails’ Protection</a:t>
+            </a:r>
+          </a:p>
+        </p:txBody>
+      </p:sp>
+      <p:sp>
+        <p:nvSpPr>
+          <p:cNvPr id="2" name="Content Placeholder 1">
+            <a:extLst>
+              <a:ext uri="{FF2B5EF4-FFF2-40B4-BE49-F238E27FC236}">
+                <a16:creationId xmlns:a16="http://schemas.microsoft.com/office/drawing/2014/main" id="{1D5D4C3C-207A-9AD4-35F9-C69A6813E4BB}"/>
               </a:ext>
             </a:extLst>
           </p:cNvPr>
@@ -18041,189 +18243,32 @@
         </p:nvSpPr>
         <p:spPr/>
         <p:txBody>
-          <a:bodyPr>
-            <a:normAutofit/>
-          </a:bodyPr>
-          <a:lstStyle/>
-          <a:p>
-            <a:r>
-              <a:rPr lang="en-US" dirty="0"/>
-              <a:t>Webpage that auto-submits DELETE:</a:t>
-            </a:r>
-          </a:p>
-          <a:p>
-            <a:pPr marL="533374" lvl="1" indent="0">
-              <a:buNone/>
-            </a:pPr>
-            <a:r>
-              <a:rPr lang="en-US" sz="2000" dirty="0">
-                <a:solidFill>
-                  <a:schemeClr val="accent3"/>
-                </a:solidFill>
-                <a:latin typeface="Menlo" panose="020B0609030804020204" pitchFamily="49" charset="0"/>
-                <a:ea typeface="Menlo" panose="020B0609030804020204" pitchFamily="49" charset="0"/>
-                <a:cs typeface="Menlo" panose="020B0609030804020204" pitchFamily="49" charset="0"/>
-              </a:rPr>
-              <a:t>&lt;!DOCTYPE HTML&gt;</a:t>
-            </a:r>
-          </a:p>
-          <a:p>
-            <a:pPr marL="533374" lvl="1" indent="0">
-              <a:buNone/>
-            </a:pPr>
-            <a:r>
-              <a:rPr lang="en-US" sz="2000" dirty="0">
-                <a:solidFill>
-                  <a:schemeClr val="accent3"/>
-                </a:solidFill>
-                <a:latin typeface="Menlo" panose="020B0609030804020204" pitchFamily="49" charset="0"/>
-                <a:ea typeface="Menlo" panose="020B0609030804020204" pitchFamily="49" charset="0"/>
-                <a:cs typeface="Menlo" panose="020B0609030804020204" pitchFamily="49" charset="0"/>
-              </a:rPr>
-              <a:t>&lt;html&gt;</a:t>
-            </a:r>
-          </a:p>
-          <a:p>
-            <a:pPr marL="533374" lvl="1" indent="0">
-              <a:buNone/>
-            </a:pPr>
-            <a:r>
-              <a:rPr lang="en-US" sz="2000" dirty="0">
-                <a:solidFill>
-                  <a:schemeClr val="accent3"/>
-                </a:solidFill>
-                <a:latin typeface="Menlo" panose="020B0609030804020204" pitchFamily="49" charset="0"/>
-                <a:ea typeface="Menlo" panose="020B0609030804020204" pitchFamily="49" charset="0"/>
-                <a:cs typeface="Menlo" panose="020B0609030804020204" pitchFamily="49" charset="0"/>
-              </a:rPr>
-              <a:t>&lt;head&gt;&lt;title&gt;CSRF&lt;/title&gt;&lt;/head&gt;</a:t>
-            </a:r>
-          </a:p>
-          <a:p>
-            <a:pPr marL="533374" lvl="1" indent="0">
-              <a:buNone/>
-            </a:pPr>
-            <a:r>
-              <a:rPr lang="en-US" sz="2000" dirty="0">
-                <a:solidFill>
-                  <a:schemeClr val="accent3"/>
-                </a:solidFill>
-                <a:latin typeface="Menlo" panose="020B0609030804020204" pitchFamily="49" charset="0"/>
-                <a:ea typeface="Menlo" panose="020B0609030804020204" pitchFamily="49" charset="0"/>
-                <a:cs typeface="Menlo" panose="020B0609030804020204" pitchFamily="49" charset="0"/>
-              </a:rPr>
-              <a:t>&lt;body onload="</a:t>
-            </a:r>
-            <a:r>
-              <a:rPr lang="en-US" sz="2000" dirty="0" err="1">
-                <a:solidFill>
-                  <a:schemeClr val="accent3"/>
-                </a:solidFill>
-                <a:latin typeface="Menlo" panose="020B0609030804020204" pitchFamily="49" charset="0"/>
-                <a:ea typeface="Menlo" panose="020B0609030804020204" pitchFamily="49" charset="0"/>
-                <a:cs typeface="Menlo" panose="020B0609030804020204" pitchFamily="49" charset="0"/>
-              </a:rPr>
-              <a:t>document.forms</a:t>
-            </a:r>
-            <a:r>
-              <a:rPr lang="en-US" sz="2000" dirty="0">
-                <a:solidFill>
-                  <a:schemeClr val="accent3"/>
-                </a:solidFill>
-                <a:latin typeface="Menlo" panose="020B0609030804020204" pitchFamily="49" charset="0"/>
-                <a:ea typeface="Menlo" panose="020B0609030804020204" pitchFamily="49" charset="0"/>
-                <a:cs typeface="Menlo" panose="020B0609030804020204" pitchFamily="49" charset="0"/>
-              </a:rPr>
-              <a:t>[0].submit()"&gt;</a:t>
-            </a:r>
-          </a:p>
-          <a:p>
-            <a:pPr marL="533374" lvl="1" indent="0">
-              <a:buNone/>
-            </a:pPr>
-            <a:r>
-              <a:rPr lang="en-US" sz="2000" dirty="0">
-                <a:solidFill>
-                  <a:schemeClr val="accent3"/>
-                </a:solidFill>
-                <a:latin typeface="Menlo" panose="020B0609030804020204" pitchFamily="49" charset="0"/>
-                <a:ea typeface="Menlo" panose="020B0609030804020204" pitchFamily="49" charset="0"/>
-                <a:cs typeface="Menlo" panose="020B0609030804020204" pitchFamily="49" charset="0"/>
-              </a:rPr>
-              <a:t>  &lt;form action="http://localhost:3000/people/1" method="POST"&gt;</a:t>
-            </a:r>
-          </a:p>
-          <a:p>
-            <a:pPr marL="533374" lvl="1" indent="0">
-              <a:buNone/>
-            </a:pPr>
-            <a:r>
-              <a:rPr lang="en-US" sz="2000" dirty="0">
-                <a:solidFill>
-                  <a:schemeClr val="accent3"/>
-                </a:solidFill>
-                <a:latin typeface="Menlo" panose="020B0609030804020204" pitchFamily="49" charset="0"/>
-                <a:ea typeface="Menlo" panose="020B0609030804020204" pitchFamily="49" charset="0"/>
-                <a:cs typeface="Menlo" panose="020B0609030804020204" pitchFamily="49" charset="0"/>
-              </a:rPr>
-              <a:t>    &lt;input type="hidden" name="_method" value="delete" /&gt;</a:t>
-            </a:r>
-          </a:p>
-          <a:p>
-            <a:pPr marL="533374" lvl="1" indent="0">
-              <a:buNone/>
-            </a:pPr>
-            <a:r>
-              <a:rPr lang="en-US" sz="2000" dirty="0">
-                <a:solidFill>
-                  <a:schemeClr val="accent3"/>
-                </a:solidFill>
-                <a:latin typeface="Menlo" panose="020B0609030804020204" pitchFamily="49" charset="0"/>
-                <a:ea typeface="Menlo" panose="020B0609030804020204" pitchFamily="49" charset="0"/>
-                <a:cs typeface="Menlo" panose="020B0609030804020204" pitchFamily="49" charset="0"/>
-              </a:rPr>
-              <a:t>  &lt;/form&gt;</a:t>
-            </a:r>
-          </a:p>
-          <a:p>
-            <a:pPr marL="533374" lvl="1" indent="0">
-              <a:buNone/>
-            </a:pPr>
-            <a:r>
-              <a:rPr lang="en-US" sz="2000" dirty="0">
-                <a:solidFill>
-                  <a:schemeClr val="accent3"/>
-                </a:solidFill>
-                <a:latin typeface="Menlo" panose="020B0609030804020204" pitchFamily="49" charset="0"/>
-                <a:ea typeface="Menlo" panose="020B0609030804020204" pitchFamily="49" charset="0"/>
-                <a:cs typeface="Menlo" panose="020B0609030804020204" pitchFamily="49" charset="0"/>
-              </a:rPr>
-              <a:t>&lt;/body&gt;</a:t>
-            </a:r>
-          </a:p>
-          <a:p>
-            <a:pPr marL="533374" lvl="1" indent="0">
-              <a:buNone/>
-            </a:pPr>
-            <a:r>
-              <a:rPr lang="en-US" sz="2000" dirty="0">
-                <a:solidFill>
-                  <a:schemeClr val="accent3"/>
-                </a:solidFill>
-                <a:latin typeface="Menlo" panose="020B0609030804020204" pitchFamily="49" charset="0"/>
-                <a:ea typeface="Menlo" panose="020B0609030804020204" pitchFamily="49" charset="0"/>
-                <a:cs typeface="Menlo" panose="020B0609030804020204" pitchFamily="49" charset="0"/>
-              </a:rPr>
-              <a:t>&lt;/html&gt;</a:t>
-            </a:r>
-            <a:endParaRPr lang="en-US" dirty="0">
-              <a:solidFill>
-                <a:schemeClr val="accent3"/>
-              </a:solidFill>
-              <a:latin typeface="Menlo" panose="020B0609030804020204" pitchFamily="49" charset="0"/>
-              <a:ea typeface="Menlo" panose="020B0609030804020204" pitchFamily="49" charset="0"/>
-              <a:cs typeface="Menlo" panose="020B0609030804020204" pitchFamily="49" charset="0"/>
-            </a:endParaRPr>
+          <a:bodyPr/>
+          <a:lstStyle/>
+          <a:p>
+            <a:r>
+              <a:rPr lang="en-US"/>
+              <a:t>skip</a:t>
+            </a:r>
+            <a:r>
+              <a:rPr lang="en-US" dirty="0" err="1"/>
+              <a:t>_forgery_protection</a:t>
+            </a:r>
+            <a:r>
+              <a:rPr lang="en-US" dirty="0"/>
+              <a:t> if </a:t>
+            </a:r>
+            <a:r>
+              <a:rPr lang="en-US" dirty="0" err="1"/>
+              <a:t>Rails.env.development</a:t>
+            </a:r>
+            <a:r>
+              <a:rPr lang="en-US" dirty="0"/>
+              <a:t>?</a:t>
+            </a:r>
+          </a:p>
+          <a:p>
+            <a:endParaRPr lang="en-US" dirty="0"/>
           </a:p>
         </p:txBody>
       </p:sp>
@@ -18232,7 +18277,7 @@
           <p:cNvPr id="4" name="Footer Placeholder 3">
             <a:extLst>
               <a:ext uri="{FF2B5EF4-FFF2-40B4-BE49-F238E27FC236}">
-                <a16:creationId xmlns:a16="http://schemas.microsoft.com/office/drawing/2014/main" id="{7B37B1CC-BCF4-ADCB-7983-996D1CC570FC}"/>
+                <a16:creationId xmlns:a16="http://schemas.microsoft.com/office/drawing/2014/main" id="{9F360243-F096-FDC5-BA91-B14F90363704}"/>
               </a:ext>
             </a:extLst>
           </p:cNvPr>
@@ -18260,7 +18305,7 @@
           <p:cNvPr id="5" name="Slide Number Placeholder 4">
             <a:extLst>
               <a:ext uri="{FF2B5EF4-FFF2-40B4-BE49-F238E27FC236}">
-                <a16:creationId xmlns:a16="http://schemas.microsoft.com/office/drawing/2014/main" id="{E63E9D5B-0C4D-07F0-D5D2-018FA2694830}"/>
+                <a16:creationId xmlns:a16="http://schemas.microsoft.com/office/drawing/2014/main" id="{32F2F7C5-0EDD-81B6-02BA-CCEF819A703C}"/>
               </a:ext>
             </a:extLst>
           </p:cNvPr>
@@ -18287,7 +18332,7 @@
     </p:spTree>
     <p:extLst>
       <p:ext uri="{BB962C8B-B14F-4D97-AF65-F5344CB8AC3E}">
-        <p14:creationId xmlns:p14="http://schemas.microsoft.com/office/powerpoint/2010/main" val="3479562520"/>
+        <p14:creationId xmlns:p14="http://schemas.microsoft.com/office/powerpoint/2010/main" val="2570232459"/>
       </p:ext>
     </p:extLst>
   </p:cSld>
@@ -18331,7 +18376,7 @@
           <p:cNvPr id="2" name="Title 1">
             <a:extLst>
               <a:ext uri="{FF2B5EF4-FFF2-40B4-BE49-F238E27FC236}">
-                <a16:creationId xmlns:a16="http://schemas.microsoft.com/office/drawing/2014/main" id="{17BCE299-8F2C-9C04-6660-DAB99CAA9D6C}"/>
+                <a16:creationId xmlns:a16="http://schemas.microsoft.com/office/drawing/2014/main" id="{BC503121-5ECF-F9BB-8300-585E4E4860FD}"/>
               </a:ext>
             </a:extLst>
           </p:cNvPr>
@@ -18351,7 +18396,7 @@
           <a:p>
             <a:r>
               <a:rPr lang="en-US" dirty="0"/>
-              <a:t>Rails Defense Mechanism</a:t>
+              <a:t>CSRF Attack Example</a:t>
             </a:r>
           </a:p>
         </p:txBody>
@@ -18361,7 +18406,7 @@
           <p:cNvPr id="3" name="Content Placeholder 2">
             <a:extLst>
               <a:ext uri="{FF2B5EF4-FFF2-40B4-BE49-F238E27FC236}">
-                <a16:creationId xmlns:a16="http://schemas.microsoft.com/office/drawing/2014/main" id="{6724E8FD-964F-DBB7-BED2-B63AB509CA7D}"/>
+                <a16:creationId xmlns:a16="http://schemas.microsoft.com/office/drawing/2014/main" id="{2955277A-4BD8-D6A2-AD71-A28E8E33BE0B}"/>
               </a:ext>
             </a:extLst>
           </p:cNvPr>
@@ -18381,7 +18426,7 @@
           <a:p>
             <a:r>
               <a:rPr lang="en-US" dirty="0"/>
-              <a:t>Rails console output:</a:t>
+              <a:t>Webpage that auto-submits DELETE:</a:t>
             </a:r>
           </a:p>
           <a:p>
@@ -18389,7 +18434,7 @@
               <a:buNone/>
             </a:pPr>
             <a:r>
-              <a:rPr lang="en-US" sz="2800" dirty="0">
+              <a:rPr lang="en-US" sz="2000" dirty="0">
                 <a:solidFill>
                   <a:schemeClr val="accent3"/>
                 </a:solidFill>
@@ -18397,7 +18442,7 @@
                 <a:ea typeface="Menlo" panose="020B0609030804020204" pitchFamily="49" charset="0"/>
                 <a:cs typeface="Menlo" panose="020B0609030804020204" pitchFamily="49" charset="0"/>
               </a:rPr>
-              <a:t>Started DELETE "/people/1" for ::1</a:t>
+              <a:t>&lt;!DOCTYPE HTML&gt;</a:t>
             </a:r>
           </a:p>
           <a:p>
@@ -18405,7 +18450,7 @@
               <a:buNone/>
             </a:pPr>
             <a:r>
-              <a:rPr lang="en-US" sz="2800" dirty="0">
+              <a:rPr lang="en-US" sz="2000" dirty="0">
                 <a:solidFill>
                   <a:schemeClr val="accent3"/>
                 </a:solidFill>
@@ -18413,10 +18458,15 @@
                 <a:ea typeface="Menlo" panose="020B0609030804020204" pitchFamily="49" charset="0"/>
                 <a:cs typeface="Menlo" panose="020B0609030804020204" pitchFamily="49" charset="0"/>
               </a:rPr>
-              <a:t>Processing by </a:t>
-            </a:r>
-            <a:r>
-              <a:rPr lang="en-US" sz="2800" dirty="0" err="1">
+              <a:t>&lt;html&gt;</a:t>
+            </a:r>
+          </a:p>
+          <a:p>
+            <a:pPr marL="533374" lvl="1" indent="0">
+              <a:buNone/>
+            </a:pPr>
+            <a:r>
+              <a:rPr lang="en-US" sz="2000" dirty="0">
                 <a:solidFill>
                   <a:schemeClr val="accent3"/>
                 </a:solidFill>
@@ -18424,10 +18474,15 @@
                 <a:ea typeface="Menlo" panose="020B0609030804020204" pitchFamily="49" charset="0"/>
                 <a:cs typeface="Menlo" panose="020B0609030804020204" pitchFamily="49" charset="0"/>
               </a:rPr>
-              <a:t>PeopleController#destroy</a:t>
-            </a:r>
-            <a:r>
-              <a:rPr lang="en-US" sz="2800" dirty="0">
+              <a:t>&lt;head&gt;&lt;title&gt;CSRF&lt;/title&gt;&lt;/head&gt;</a:t>
+            </a:r>
+          </a:p>
+          <a:p>
+            <a:pPr marL="533374" lvl="1" indent="0">
+              <a:buNone/>
+            </a:pPr>
+            <a:r>
+              <a:rPr lang="en-US" sz="2000" dirty="0">
                 <a:solidFill>
                   <a:schemeClr val="accent3"/>
                 </a:solidFill>
@@ -18435,15 +18490,10 @@
                 <a:ea typeface="Menlo" panose="020B0609030804020204" pitchFamily="49" charset="0"/>
                 <a:cs typeface="Menlo" panose="020B0609030804020204" pitchFamily="49" charset="0"/>
               </a:rPr>
-              <a:t> as HTML</a:t>
-            </a:r>
-          </a:p>
-          <a:p>
-            <a:pPr marL="533374" lvl="1" indent="0">
-              <a:buNone/>
-            </a:pPr>
-            <a:r>
-              <a:rPr lang="en-US" sz="2800" dirty="0">
+              <a:t>&lt;body onload="</a:t>
+            </a:r>
+            <a:r>
+              <a:rPr lang="en-US" sz="2000" dirty="0" err="1">
                 <a:solidFill>
                   <a:schemeClr val="accent3"/>
                 </a:solidFill>
@@ -18451,15 +18501,10 @@
                 <a:ea typeface="Menlo" panose="020B0609030804020204" pitchFamily="49" charset="0"/>
                 <a:cs typeface="Menlo" panose="020B0609030804020204" pitchFamily="49" charset="0"/>
               </a:rPr>
-              <a:t>Can't verify CSRF token authenticity.</a:t>
-            </a:r>
-          </a:p>
-          <a:p>
-            <a:pPr marL="533374" lvl="1" indent="0">
-              <a:buNone/>
-            </a:pPr>
-            <a:r>
-              <a:rPr lang="en-US" sz="2800" dirty="0">
+              <a:t>document.forms</a:t>
+            </a:r>
+            <a:r>
+              <a:rPr lang="en-US" sz="2000" dirty="0">
                 <a:solidFill>
                   <a:schemeClr val="accent3"/>
                 </a:solidFill>
@@ -18467,10 +18512,15 @@
                 <a:ea typeface="Menlo" panose="020B0609030804020204" pitchFamily="49" charset="0"/>
                 <a:cs typeface="Menlo" panose="020B0609030804020204" pitchFamily="49" charset="0"/>
               </a:rPr>
-              <a:t>Completed 422 </a:t>
-            </a:r>
-            <a:r>
-              <a:rPr lang="en-US" sz="2800" dirty="0" err="1">
+              <a:t>[0].submit()"&gt;</a:t>
+            </a:r>
+          </a:p>
+          <a:p>
+            <a:pPr marL="533374" lvl="1" indent="0">
+              <a:buNone/>
+            </a:pPr>
+            <a:r>
+              <a:rPr lang="en-US" sz="2000" dirty="0">
                 <a:solidFill>
                   <a:schemeClr val="accent3"/>
                 </a:solidFill>
@@ -18478,10 +18528,15 @@
                 <a:ea typeface="Menlo" panose="020B0609030804020204" pitchFamily="49" charset="0"/>
                 <a:cs typeface="Menlo" panose="020B0609030804020204" pitchFamily="49" charset="0"/>
               </a:rPr>
-              <a:t>Unprocessable</a:t>
-            </a:r>
-            <a:r>
-              <a:rPr lang="en-US" sz="2800" dirty="0">
+              <a:t>  &lt;form action="http://localhost:3000/people/1" method="POST"&gt;</a:t>
+            </a:r>
+          </a:p>
+          <a:p>
+            <a:pPr marL="533374" lvl="1" indent="0">
+              <a:buNone/>
+            </a:pPr>
+            <a:r>
+              <a:rPr lang="en-US" sz="2000" dirty="0">
                 <a:solidFill>
                   <a:schemeClr val="accent3"/>
                 </a:solidFill>
@@ -18489,14 +18544,64 @@
                 <a:ea typeface="Menlo" panose="020B0609030804020204" pitchFamily="49" charset="0"/>
                 <a:cs typeface="Menlo" panose="020B0609030804020204" pitchFamily="49" charset="0"/>
               </a:rPr>
-              <a:t> Entity</a:t>
-            </a:r>
-          </a:p>
-          <a:p>
-            <a:r>
-              <a:rPr lang="en-US" dirty="0"/>
-              <a:t>Why it failed: Rails checks authenticity token</a:t>
-            </a:r>
+              <a:t>    &lt;input type="hidden" name="_method" value="delete" /&gt;</a:t>
+            </a:r>
+          </a:p>
+          <a:p>
+            <a:pPr marL="533374" lvl="1" indent="0">
+              <a:buNone/>
+            </a:pPr>
+            <a:r>
+              <a:rPr lang="en-US" sz="2000" dirty="0">
+                <a:solidFill>
+                  <a:schemeClr val="accent3"/>
+                </a:solidFill>
+                <a:latin typeface="Menlo" panose="020B0609030804020204" pitchFamily="49" charset="0"/>
+                <a:ea typeface="Menlo" panose="020B0609030804020204" pitchFamily="49" charset="0"/>
+                <a:cs typeface="Menlo" panose="020B0609030804020204" pitchFamily="49" charset="0"/>
+              </a:rPr>
+              <a:t>  &lt;/form&gt;</a:t>
+            </a:r>
+          </a:p>
+          <a:p>
+            <a:pPr marL="533374" lvl="1" indent="0">
+              <a:buNone/>
+            </a:pPr>
+            <a:r>
+              <a:rPr lang="en-US" sz="2000" dirty="0">
+                <a:solidFill>
+                  <a:schemeClr val="accent3"/>
+                </a:solidFill>
+                <a:latin typeface="Menlo" panose="020B0609030804020204" pitchFamily="49" charset="0"/>
+                <a:ea typeface="Menlo" panose="020B0609030804020204" pitchFamily="49" charset="0"/>
+                <a:cs typeface="Menlo" panose="020B0609030804020204" pitchFamily="49" charset="0"/>
+              </a:rPr>
+              <a:t>&lt;/body&gt;</a:t>
+            </a:r>
+          </a:p>
+          <a:p>
+            <a:pPr marL="533374" lvl="1" indent="0">
+              <a:buNone/>
+            </a:pPr>
+            <a:r>
+              <a:rPr lang="en-US" sz="2000" dirty="0">
+                <a:solidFill>
+                  <a:schemeClr val="accent3"/>
+                </a:solidFill>
+                <a:latin typeface="Menlo" panose="020B0609030804020204" pitchFamily="49" charset="0"/>
+                <a:ea typeface="Menlo" panose="020B0609030804020204" pitchFamily="49" charset="0"/>
+                <a:cs typeface="Menlo" panose="020B0609030804020204" pitchFamily="49" charset="0"/>
+              </a:rPr>
+              <a:t>&lt;/html&gt;</a:t>
+            </a:r>
+            <a:endParaRPr lang="en-US" dirty="0">
+              <a:solidFill>
+                <a:schemeClr val="accent3"/>
+              </a:solidFill>
+              <a:latin typeface="Menlo" panose="020B0609030804020204" pitchFamily="49" charset="0"/>
+              <a:ea typeface="Menlo" panose="020B0609030804020204" pitchFamily="49" charset="0"/>
+              <a:cs typeface="Menlo" panose="020B0609030804020204" pitchFamily="49" charset="0"/>
+            </a:endParaRPr>
           </a:p>
         </p:txBody>
       </p:sp>
@@ -18505,7 +18610,7 @@
           <p:cNvPr id="4" name="Footer Placeholder 3">
             <a:extLst>
               <a:ext uri="{FF2B5EF4-FFF2-40B4-BE49-F238E27FC236}">
-                <a16:creationId xmlns:a16="http://schemas.microsoft.com/office/drawing/2014/main" id="{8DB44FDE-C5CD-B427-204D-A9DAE5D8EDDC}"/>
+                <a16:creationId xmlns:a16="http://schemas.microsoft.com/office/drawing/2014/main" id="{7B37B1CC-BCF4-ADCB-7983-996D1CC570FC}"/>
               </a:ext>
             </a:extLst>
           </p:cNvPr>
@@ -18533,7 +18638,7 @@
           <p:cNvPr id="5" name="Slide Number Placeholder 4">
             <a:extLst>
               <a:ext uri="{FF2B5EF4-FFF2-40B4-BE49-F238E27FC236}">
-                <a16:creationId xmlns:a16="http://schemas.microsoft.com/office/drawing/2014/main" id="{EF7531B7-F2E7-5B08-E469-77FEA4959CE7}"/>
+                <a16:creationId xmlns:a16="http://schemas.microsoft.com/office/drawing/2014/main" id="{E63E9D5B-0C4D-07F0-D5D2-018FA2694830}"/>
               </a:ext>
             </a:extLst>
           </p:cNvPr>
@@ -18560,7 +18665,7 @@
     </p:spTree>
     <p:extLst>
       <p:ext uri="{BB962C8B-B14F-4D97-AF65-F5344CB8AC3E}">
-        <p14:creationId xmlns:p14="http://schemas.microsoft.com/office/powerpoint/2010/main" val="3855927950"/>
+        <p14:creationId xmlns:p14="http://schemas.microsoft.com/office/powerpoint/2010/main" val="3479562520"/>
       </p:ext>
     </p:extLst>
   </p:cSld>
@@ -18604,7 +18709,7 @@
           <p:cNvPr id="2" name="Title 1">
             <a:extLst>
               <a:ext uri="{FF2B5EF4-FFF2-40B4-BE49-F238E27FC236}">
-                <a16:creationId xmlns:a16="http://schemas.microsoft.com/office/drawing/2014/main" id="{1B5B1AF3-BBA1-62DD-157A-0D95493A79A8}"/>
+                <a16:creationId xmlns:a16="http://schemas.microsoft.com/office/drawing/2014/main" id="{17BCE299-8F2C-9C04-6660-DAB99CAA9D6C}"/>
               </a:ext>
             </a:extLst>
           </p:cNvPr>
@@ -18624,7 +18729,7 @@
           <a:p>
             <a:r>
               <a:rPr lang="en-US" dirty="0"/>
-              <a:t>How Rails Prevents CSRF</a:t>
+              <a:t>Rails Defense Mechanism</a:t>
             </a:r>
           </a:p>
         </p:txBody>
@@ -18634,7 +18739,7 @@
           <p:cNvPr id="3" name="Content Placeholder 2">
             <a:extLst>
               <a:ext uri="{FF2B5EF4-FFF2-40B4-BE49-F238E27FC236}">
-                <a16:creationId xmlns:a16="http://schemas.microsoft.com/office/drawing/2014/main" id="{A0DEA0D2-FA0F-7DCF-758D-EAA320C1A485}"/>
+                <a16:creationId xmlns:a16="http://schemas.microsoft.com/office/drawing/2014/main" id="{6724E8FD-964F-DBB7-BED2-B63AB509CA7D}"/>
               </a:ext>
             </a:extLst>
           </p:cNvPr>
@@ -18648,21 +18753,21 @@
         <p:spPr/>
         <p:txBody>
           <a:bodyPr>
-            <a:normAutofit fontScale="92500" lnSpcReduction="20000"/>
+            <a:normAutofit/>
           </a:bodyPr>
           <a:lstStyle/>
           <a:p>
             <a:r>
               <a:rPr lang="en-US" dirty="0"/>
-              <a:t>Rails adds a hidden authenticity token to forms:</a:t>
-            </a:r>
-          </a:p>
-          <a:p>
-            <a:pPr marL="609569" lvl="1" indent="0">
+              <a:t>Rails console output:</a:t>
+            </a:r>
+          </a:p>
+          <a:p>
+            <a:pPr marL="533374" lvl="1" indent="0">
               <a:buNone/>
             </a:pPr>
             <a:r>
-              <a:rPr lang="en-US" dirty="0">
+              <a:rPr lang="en-US" sz="2800" dirty="0">
                 <a:solidFill>
                   <a:schemeClr val="accent3"/>
                 </a:solidFill>
@@ -18670,15 +18775,15 @@
                 <a:ea typeface="Menlo" panose="020B0609030804020204" pitchFamily="49" charset="0"/>
                 <a:cs typeface="Menlo" panose="020B0609030804020204" pitchFamily="49" charset="0"/>
               </a:rPr>
-              <a:t>&lt;input type="hidden”</a:t>
-            </a:r>
-          </a:p>
-          <a:p>
-            <a:pPr marL="609569" lvl="1" indent="0">
+              <a:t>Started DELETE "/people/1" for ::1</a:t>
+            </a:r>
+          </a:p>
+          <a:p>
+            <a:pPr marL="533374" lvl="1" indent="0">
               <a:buNone/>
             </a:pPr>
             <a:r>
-              <a:rPr lang="en-US" dirty="0">
+              <a:rPr lang="en-US" sz="2800" dirty="0">
                 <a:solidFill>
                   <a:schemeClr val="accent3"/>
                 </a:solidFill>
@@ -18686,10 +18791,10 @@
                 <a:ea typeface="Menlo" panose="020B0609030804020204" pitchFamily="49" charset="0"/>
                 <a:cs typeface="Menlo" panose="020B0609030804020204" pitchFamily="49" charset="0"/>
               </a:rPr>
-              <a:t>  name="</a:t>
-            </a:r>
-            <a:r>
-              <a:rPr lang="en-US" dirty="0" err="1">
+              <a:t>Processing by </a:t>
+            </a:r>
+            <a:r>
+              <a:rPr lang="en-US" sz="2800" dirty="0" err="1">
                 <a:solidFill>
                   <a:schemeClr val="accent3"/>
                 </a:solidFill>
@@ -18697,10 +18802,10 @@
                 <a:ea typeface="Menlo" panose="020B0609030804020204" pitchFamily="49" charset="0"/>
                 <a:cs typeface="Menlo" panose="020B0609030804020204" pitchFamily="49" charset="0"/>
               </a:rPr>
-              <a:t>authenticity_token</a:t>
-            </a:r>
-            <a:r>
-              <a:rPr lang="en-US" dirty="0">
+              <a:t>PeopleController#destroy</a:t>
+            </a:r>
+            <a:r>
+              <a:rPr lang="en-US" sz="2800" dirty="0">
                 <a:solidFill>
                   <a:schemeClr val="accent3"/>
                 </a:solidFill>
@@ -18708,15 +18813,15 @@
                 <a:ea typeface="Menlo" panose="020B0609030804020204" pitchFamily="49" charset="0"/>
                 <a:cs typeface="Menlo" panose="020B0609030804020204" pitchFamily="49" charset="0"/>
               </a:rPr>
-              <a:t>”</a:t>
-            </a:r>
-          </a:p>
-          <a:p>
-            <a:pPr marL="609569" lvl="1" indent="0">
+              <a:t> as HTML</a:t>
+            </a:r>
+          </a:p>
+          <a:p>
+            <a:pPr marL="533374" lvl="1" indent="0">
               <a:buNone/>
             </a:pPr>
             <a:r>
-              <a:rPr lang="en-US" dirty="0">
+              <a:rPr lang="en-US" sz="2800" dirty="0">
                 <a:solidFill>
                   <a:schemeClr val="accent3"/>
                 </a:solidFill>
@@ -18724,15 +18829,15 @@
                 <a:ea typeface="Menlo" panose="020B0609030804020204" pitchFamily="49" charset="0"/>
                 <a:cs typeface="Menlo" panose="020B0609030804020204" pitchFamily="49" charset="0"/>
               </a:rPr>
-              <a:t>  value="CaJ0OO...”</a:t>
-            </a:r>
-          </a:p>
-          <a:p>
-            <a:pPr marL="609569" lvl="1" indent="0">
+              <a:t>Can't verify CSRF token authenticity.</a:t>
+            </a:r>
+          </a:p>
+          <a:p>
+            <a:pPr marL="533374" lvl="1" indent="0">
               <a:buNone/>
             </a:pPr>
             <a:r>
-              <a:rPr lang="en-US" dirty="0">
+              <a:rPr lang="en-US" sz="2800" dirty="0">
                 <a:solidFill>
                   <a:schemeClr val="accent3"/>
                 </a:solidFill>
@@ -18740,29 +18845,36 @@
                 <a:ea typeface="Menlo" panose="020B0609030804020204" pitchFamily="49" charset="0"/>
                 <a:cs typeface="Menlo" panose="020B0609030804020204" pitchFamily="49" charset="0"/>
               </a:rPr>
-              <a:t>  autocomplete="off" /&gt;</a:t>
-            </a:r>
-          </a:p>
-          <a:p>
-            <a:r>
-              <a:rPr lang="en-US" dirty="0"/>
-              <a:t>Token changes each time the form loads</a:t>
-            </a:r>
-          </a:p>
-          <a:p>
-            <a:r>
-              <a:rPr lang="en-US" dirty="0"/>
-              <a:t>Attack sites don't know the token</a:t>
-            </a:r>
-          </a:p>
-          <a:p>
-            <a:r>
-              <a:rPr lang="en-US" dirty="0"/>
-              <a:t>Can't send valid requests without it</a:t>
-            </a:r>
-          </a:p>
-          <a:p>
-            <a:endParaRPr lang="en-US" dirty="0"/>
+              <a:t>Completed 422 </a:t>
+            </a:r>
+            <a:r>
+              <a:rPr lang="en-US" sz="2800" dirty="0" err="1">
+                <a:solidFill>
+                  <a:schemeClr val="accent3"/>
+                </a:solidFill>
+                <a:latin typeface="Menlo" panose="020B0609030804020204" pitchFamily="49" charset="0"/>
+                <a:ea typeface="Menlo" panose="020B0609030804020204" pitchFamily="49" charset="0"/>
+                <a:cs typeface="Menlo" panose="020B0609030804020204" pitchFamily="49" charset="0"/>
+              </a:rPr>
+              <a:t>Unprocessable</a:t>
+            </a:r>
+            <a:r>
+              <a:rPr lang="en-US" sz="2800" dirty="0">
+                <a:solidFill>
+                  <a:schemeClr val="accent3"/>
+                </a:solidFill>
+                <a:latin typeface="Menlo" panose="020B0609030804020204" pitchFamily="49" charset="0"/>
+                <a:ea typeface="Menlo" panose="020B0609030804020204" pitchFamily="49" charset="0"/>
+                <a:cs typeface="Menlo" panose="020B0609030804020204" pitchFamily="49" charset="0"/>
+              </a:rPr>
+              <a:t> Entity</a:t>
+            </a:r>
+          </a:p>
+          <a:p>
+            <a:r>
+              <a:rPr lang="en-US" dirty="0"/>
+              <a:t>Why it failed: Rails checks authenticity token</a:t>
+            </a:r>
           </a:p>
         </p:txBody>
       </p:sp>
@@ -18771,7 +18883,7 @@
           <p:cNvPr id="4" name="Footer Placeholder 3">
             <a:extLst>
               <a:ext uri="{FF2B5EF4-FFF2-40B4-BE49-F238E27FC236}">
-                <a16:creationId xmlns:a16="http://schemas.microsoft.com/office/drawing/2014/main" id="{0CE316CC-780A-38D9-B677-638077279E7C}"/>
+                <a16:creationId xmlns:a16="http://schemas.microsoft.com/office/drawing/2014/main" id="{8DB44FDE-C5CD-B427-204D-A9DAE5D8EDDC}"/>
               </a:ext>
             </a:extLst>
           </p:cNvPr>
@@ -18799,7 +18911,7 @@
           <p:cNvPr id="5" name="Slide Number Placeholder 4">
             <a:extLst>
               <a:ext uri="{FF2B5EF4-FFF2-40B4-BE49-F238E27FC236}">
-                <a16:creationId xmlns:a16="http://schemas.microsoft.com/office/drawing/2014/main" id="{2A90E47F-0C9E-78A9-2B96-ADDAB47D6E15}"/>
+                <a16:creationId xmlns:a16="http://schemas.microsoft.com/office/drawing/2014/main" id="{EF7531B7-F2E7-5B08-E469-77FEA4959CE7}"/>
               </a:ext>
             </a:extLst>
           </p:cNvPr>
@@ -18826,7 +18938,7 @@
     </p:spTree>
     <p:extLst>
       <p:ext uri="{BB962C8B-B14F-4D97-AF65-F5344CB8AC3E}">
-        <p14:creationId xmlns:p14="http://schemas.microsoft.com/office/powerpoint/2010/main" val="3634100191"/>
+        <p14:creationId xmlns:p14="http://schemas.microsoft.com/office/powerpoint/2010/main" val="3855927950"/>
       </p:ext>
     </p:extLst>
   </p:cSld>
@@ -18870,7 +18982,7 @@
           <p:cNvPr id="2" name="Title 1">
             <a:extLst>
               <a:ext uri="{FF2B5EF4-FFF2-40B4-BE49-F238E27FC236}">
-                <a16:creationId xmlns:a16="http://schemas.microsoft.com/office/drawing/2014/main" id="{671287F2-C256-4A56-EA33-AF63059C2B41}"/>
+                <a16:creationId xmlns:a16="http://schemas.microsoft.com/office/drawing/2014/main" id="{1B5B1AF3-BBA1-62DD-157A-0D95493A79A8}"/>
               </a:ext>
             </a:extLst>
           </p:cNvPr>
@@ -18890,7 +19002,7 @@
           <a:p>
             <a:r>
               <a:rPr lang="en-US" dirty="0"/>
-              <a:t>Additional CSRF Defenses</a:t>
+              <a:t>How Rails Prevents CSRF</a:t>
             </a:r>
           </a:p>
         </p:txBody>
@@ -18900,7 +19012,7 @@
           <p:cNvPr id="3" name="Content Placeholder 2">
             <a:extLst>
               <a:ext uri="{FF2B5EF4-FFF2-40B4-BE49-F238E27FC236}">
-                <a16:creationId xmlns:a16="http://schemas.microsoft.com/office/drawing/2014/main" id="{98914F99-5866-202D-E02E-CDAEFCAD578C}"/>
+                <a16:creationId xmlns:a16="http://schemas.microsoft.com/office/drawing/2014/main" id="{A0DEA0D2-FA0F-7DCF-758D-EAA320C1A485}"/>
               </a:ext>
             </a:extLst>
           </p:cNvPr>
@@ -18920,56 +19032,115 @@
           <a:p>
             <a:r>
               <a:rPr lang="en-US" dirty="0"/>
-              <a:t>Sensitive sites use multiple techniques</a:t>
-            </a:r>
-          </a:p>
-          <a:p>
-            <a:pPr lvl="1"/>
-            <a:r>
-              <a:rPr lang="en-US" dirty="0"/>
-              <a:t>Single-use tokens</a:t>
-            </a:r>
-          </a:p>
-          <a:p>
-            <a:pPr lvl="2"/>
-            <a:r>
-              <a:rPr lang="en-US" dirty="0"/>
-              <a:t>“nonce” refers to a single-use value in cryptography</a:t>
-            </a:r>
-          </a:p>
-          <a:p>
-            <a:pPr lvl="1"/>
-            <a:r>
-              <a:rPr lang="en-US" dirty="0"/>
-              <a:t>Encourage logout when done</a:t>
-            </a:r>
-          </a:p>
-          <a:p>
-            <a:pPr lvl="1"/>
-            <a:r>
-              <a:rPr lang="en-US" dirty="0"/>
-              <a:t>Force logout after inactivity</a:t>
-            </a:r>
-          </a:p>
-          <a:p>
-            <a:pPr lvl="1"/>
-            <a:r>
-              <a:rPr lang="en-US" dirty="0"/>
-              <a:t>Session validation</a:t>
-            </a:r>
-          </a:p>
-          <a:p>
-            <a:pPr lvl="1"/>
-            <a:r>
-              <a:rPr lang="en-US" dirty="0"/>
-              <a:t>Transaction confirmation</a:t>
-            </a:r>
-          </a:p>
-          <a:p>
-            <a:r>
-              <a:rPr lang="en-US" dirty="0"/>
-              <a:t>Always log out of sensitive sites</a:t>
-            </a:r>
+              <a:t>Rails adds a hidden authenticity token to forms:</a:t>
+            </a:r>
+          </a:p>
+          <a:p>
+            <a:pPr marL="609569" lvl="1" indent="0">
+              <a:buNone/>
+            </a:pPr>
+            <a:r>
+              <a:rPr lang="en-US" dirty="0">
+                <a:solidFill>
+                  <a:schemeClr val="accent3"/>
+                </a:solidFill>
+                <a:latin typeface="Menlo" panose="020B0609030804020204" pitchFamily="49" charset="0"/>
+                <a:ea typeface="Menlo" panose="020B0609030804020204" pitchFamily="49" charset="0"/>
+                <a:cs typeface="Menlo" panose="020B0609030804020204" pitchFamily="49" charset="0"/>
+              </a:rPr>
+              <a:t>&lt;input type="hidden”</a:t>
+            </a:r>
+          </a:p>
+          <a:p>
+            <a:pPr marL="609569" lvl="1" indent="0">
+              <a:buNone/>
+            </a:pPr>
+            <a:r>
+              <a:rPr lang="en-US" dirty="0">
+                <a:solidFill>
+                  <a:schemeClr val="accent3"/>
+                </a:solidFill>
+                <a:latin typeface="Menlo" panose="020B0609030804020204" pitchFamily="49" charset="0"/>
+                <a:ea typeface="Menlo" panose="020B0609030804020204" pitchFamily="49" charset="0"/>
+                <a:cs typeface="Menlo" panose="020B0609030804020204" pitchFamily="49" charset="0"/>
+              </a:rPr>
+              <a:t>  name="</a:t>
+            </a:r>
+            <a:r>
+              <a:rPr lang="en-US" dirty="0" err="1">
+                <a:solidFill>
+                  <a:schemeClr val="accent3"/>
+                </a:solidFill>
+                <a:latin typeface="Menlo" panose="020B0609030804020204" pitchFamily="49" charset="0"/>
+                <a:ea typeface="Menlo" panose="020B0609030804020204" pitchFamily="49" charset="0"/>
+                <a:cs typeface="Menlo" panose="020B0609030804020204" pitchFamily="49" charset="0"/>
+              </a:rPr>
+              <a:t>authenticity_token</a:t>
+            </a:r>
+            <a:r>
+              <a:rPr lang="en-US" dirty="0">
+                <a:solidFill>
+                  <a:schemeClr val="accent3"/>
+                </a:solidFill>
+                <a:latin typeface="Menlo" panose="020B0609030804020204" pitchFamily="49" charset="0"/>
+                <a:ea typeface="Menlo" panose="020B0609030804020204" pitchFamily="49" charset="0"/>
+                <a:cs typeface="Menlo" panose="020B0609030804020204" pitchFamily="49" charset="0"/>
+              </a:rPr>
+              <a:t>”</a:t>
+            </a:r>
+          </a:p>
+          <a:p>
+            <a:pPr marL="609569" lvl="1" indent="0">
+              <a:buNone/>
+            </a:pPr>
+            <a:r>
+              <a:rPr lang="en-US" dirty="0">
+                <a:solidFill>
+                  <a:schemeClr val="accent3"/>
+                </a:solidFill>
+                <a:latin typeface="Menlo" panose="020B0609030804020204" pitchFamily="49" charset="0"/>
+                <a:ea typeface="Menlo" panose="020B0609030804020204" pitchFamily="49" charset="0"/>
+                <a:cs typeface="Menlo" panose="020B0609030804020204" pitchFamily="49" charset="0"/>
+              </a:rPr>
+              <a:t>  value="CaJ0OO...”</a:t>
+            </a:r>
+          </a:p>
+          <a:p>
+            <a:pPr marL="609569" lvl="1" indent="0">
+              <a:buNone/>
+            </a:pPr>
+            <a:r>
+              <a:rPr lang="en-US" dirty="0">
+                <a:solidFill>
+                  <a:schemeClr val="accent3"/>
+                </a:solidFill>
+                <a:latin typeface="Menlo" panose="020B0609030804020204" pitchFamily="49" charset="0"/>
+                <a:ea typeface="Menlo" panose="020B0609030804020204" pitchFamily="49" charset="0"/>
+                <a:cs typeface="Menlo" panose="020B0609030804020204" pitchFamily="49" charset="0"/>
+              </a:rPr>
+              <a:t>  autocomplete="off" /&gt;</a:t>
+            </a:r>
+          </a:p>
+          <a:p>
+            <a:r>
+              <a:rPr lang="en-US" dirty="0"/>
+              <a:t>Token changes each time the form loads</a:t>
+            </a:r>
+          </a:p>
+          <a:p>
+            <a:r>
+              <a:rPr lang="en-US" dirty="0"/>
+              <a:t>Attack sites don't know the token</a:t>
+            </a:r>
+          </a:p>
+          <a:p>
+            <a:r>
+              <a:rPr lang="en-US" dirty="0"/>
+              <a:t>Can't send valid requests without it</a:t>
+            </a:r>
+          </a:p>
+          <a:p>
+            <a:endParaRPr lang="en-US" dirty="0"/>
           </a:p>
         </p:txBody>
       </p:sp>
@@ -18978,7 +19149,7 @@
           <p:cNvPr id="4" name="Footer Placeholder 3">
             <a:extLst>
               <a:ext uri="{FF2B5EF4-FFF2-40B4-BE49-F238E27FC236}">
-                <a16:creationId xmlns:a16="http://schemas.microsoft.com/office/drawing/2014/main" id="{98EFD9C9-FF79-C631-F110-12646B77BA2C}"/>
+                <a16:creationId xmlns:a16="http://schemas.microsoft.com/office/drawing/2014/main" id="{0CE316CC-780A-38D9-B677-638077279E7C}"/>
               </a:ext>
             </a:extLst>
           </p:cNvPr>
@@ -19006,7 +19177,7 @@
           <p:cNvPr id="5" name="Slide Number Placeholder 4">
             <a:extLst>
               <a:ext uri="{FF2B5EF4-FFF2-40B4-BE49-F238E27FC236}">
-                <a16:creationId xmlns:a16="http://schemas.microsoft.com/office/drawing/2014/main" id="{E6AD4798-B3BD-EBBC-7992-825FB5E812D8}"/>
+                <a16:creationId xmlns:a16="http://schemas.microsoft.com/office/drawing/2014/main" id="{2A90E47F-0C9E-78A9-2B96-ADDAB47D6E15}"/>
               </a:ext>
             </a:extLst>
           </p:cNvPr>
@@ -19033,7 +19204,7 @@
     </p:spTree>
     <p:extLst>
       <p:ext uri="{BB962C8B-B14F-4D97-AF65-F5344CB8AC3E}">
-        <p14:creationId xmlns:p14="http://schemas.microsoft.com/office/powerpoint/2010/main" val="3447579889"/>
+        <p14:creationId xmlns:p14="http://schemas.microsoft.com/office/powerpoint/2010/main" val="3634100191"/>
       </p:ext>
     </p:extLst>
   </p:cSld>
@@ -19074,28 +19245,108 @@
       </p:grpSpPr>
       <p:sp>
         <p:nvSpPr>
-          <p:cNvPr id="6" name="Title 5">
-            <a:extLst>
-              <a:ext uri="{FF2B5EF4-FFF2-40B4-BE49-F238E27FC236}">
-                <a16:creationId xmlns:a16="http://schemas.microsoft.com/office/drawing/2014/main" id="{5C984E07-5861-8843-5470-61E25C26CEA7}"/>
-              </a:ext>
-            </a:extLst>
-          </p:cNvPr>
-          <p:cNvSpPr>
-            <a:spLocks noGrp="1"/>
-          </p:cNvSpPr>
-          <p:nvPr>
-            <p:ph type="ctrTitle"/>
-          </p:nvPr>
-        </p:nvSpPr>
-        <p:spPr/>
-        <p:txBody>
-          <a:bodyPr/>
-          <a:lstStyle/>
-          <a:p>
-            <a:r>
-              <a:rPr lang="en-US" dirty="0"/>
-              <a:t>The Dark Web</a:t>
+          <p:cNvPr id="2" name="Title 1">
+            <a:extLst>
+              <a:ext uri="{FF2B5EF4-FFF2-40B4-BE49-F238E27FC236}">
+                <a16:creationId xmlns:a16="http://schemas.microsoft.com/office/drawing/2014/main" id="{671287F2-C256-4A56-EA33-AF63059C2B41}"/>
+              </a:ext>
+            </a:extLst>
+          </p:cNvPr>
+          <p:cNvSpPr>
+            <a:spLocks noGrp="1"/>
+          </p:cNvSpPr>
+          <p:nvPr>
+            <p:ph type="title"/>
+          </p:nvPr>
+        </p:nvSpPr>
+        <p:spPr/>
+        <p:txBody>
+          <a:bodyPr>
+            <a:normAutofit/>
+          </a:bodyPr>
+          <a:lstStyle/>
+          <a:p>
+            <a:r>
+              <a:rPr lang="en-US" dirty="0"/>
+              <a:t>Additional CSRF Defenses</a:t>
+            </a:r>
+          </a:p>
+        </p:txBody>
+      </p:sp>
+      <p:sp>
+        <p:nvSpPr>
+          <p:cNvPr id="3" name="Content Placeholder 2">
+            <a:extLst>
+              <a:ext uri="{FF2B5EF4-FFF2-40B4-BE49-F238E27FC236}">
+                <a16:creationId xmlns:a16="http://schemas.microsoft.com/office/drawing/2014/main" id="{98914F99-5866-202D-E02E-CDAEFCAD578C}"/>
+              </a:ext>
+            </a:extLst>
+          </p:cNvPr>
+          <p:cNvSpPr>
+            <a:spLocks noGrp="1"/>
+          </p:cNvSpPr>
+          <p:nvPr>
+            <p:ph idx="1"/>
+          </p:nvPr>
+        </p:nvSpPr>
+        <p:spPr/>
+        <p:txBody>
+          <a:bodyPr>
+            <a:normAutofit fontScale="92500" lnSpcReduction="20000"/>
+          </a:bodyPr>
+          <a:lstStyle/>
+          <a:p>
+            <a:r>
+              <a:rPr lang="en-US" dirty="0"/>
+              <a:t>Sensitive sites use multiple techniques</a:t>
+            </a:r>
+          </a:p>
+          <a:p>
+            <a:pPr lvl="1"/>
+            <a:r>
+              <a:rPr lang="en-US" dirty="0"/>
+              <a:t>Single-use tokens</a:t>
+            </a:r>
+          </a:p>
+          <a:p>
+            <a:pPr lvl="2"/>
+            <a:r>
+              <a:rPr lang="en-US" dirty="0"/>
+              <a:t>“nonce” refers to a single-use value in cryptography</a:t>
+            </a:r>
+          </a:p>
+          <a:p>
+            <a:pPr lvl="1"/>
+            <a:r>
+              <a:rPr lang="en-US" dirty="0"/>
+              <a:t>Encourage logout when done</a:t>
+            </a:r>
+          </a:p>
+          <a:p>
+            <a:pPr lvl="1"/>
+            <a:r>
+              <a:rPr lang="en-US" dirty="0"/>
+              <a:t>Force logout after inactivity</a:t>
+            </a:r>
+          </a:p>
+          <a:p>
+            <a:pPr lvl="1"/>
+            <a:r>
+              <a:rPr lang="en-US" dirty="0"/>
+              <a:t>Session validation</a:t>
+            </a:r>
+          </a:p>
+          <a:p>
+            <a:pPr lvl="1"/>
+            <a:r>
+              <a:rPr lang="en-US" dirty="0"/>
+              <a:t>Transaction confirmation</a:t>
+            </a:r>
+          </a:p>
+          <a:p>
+            <a:r>
+              <a:rPr lang="en-US" dirty="0"/>
+              <a:t>Always log out of sensitive sites</a:t>
             </a:r>
           </a:p>
         </p:txBody>
@@ -19105,7 +19356,7 @@
           <p:cNvPr id="4" name="Footer Placeholder 3">
             <a:extLst>
               <a:ext uri="{FF2B5EF4-FFF2-40B4-BE49-F238E27FC236}">
-                <a16:creationId xmlns:a16="http://schemas.microsoft.com/office/drawing/2014/main" id="{AC1C644D-BA57-30BE-628D-C47417BB2EC0}"/>
+                <a16:creationId xmlns:a16="http://schemas.microsoft.com/office/drawing/2014/main" id="{98EFD9C9-FF79-C631-F110-12646B77BA2C}"/>
               </a:ext>
             </a:extLst>
           </p:cNvPr>
@@ -19133,7 +19384,7 @@
           <p:cNvPr id="5" name="Slide Number Placeholder 4">
             <a:extLst>
               <a:ext uri="{FF2B5EF4-FFF2-40B4-BE49-F238E27FC236}">
-                <a16:creationId xmlns:a16="http://schemas.microsoft.com/office/drawing/2014/main" id="{4F0D8643-855B-6196-3D4F-9A22578FA6CD}"/>
+                <a16:creationId xmlns:a16="http://schemas.microsoft.com/office/drawing/2014/main" id="{E6AD4798-B3BD-EBBC-7992-825FB5E812D8}"/>
               </a:ext>
             </a:extLst>
           </p:cNvPr>
@@ -19160,7 +19411,7 @@
     </p:spTree>
     <p:extLst>
       <p:ext uri="{BB962C8B-B14F-4D97-AF65-F5344CB8AC3E}">
-        <p14:creationId xmlns:p14="http://schemas.microsoft.com/office/powerpoint/2010/main" val="939572246"/>
+        <p14:creationId xmlns:p14="http://schemas.microsoft.com/office/powerpoint/2010/main" val="3447579889"/>
       </p:ext>
     </p:extLst>
   </p:cSld>
@@ -19201,131 +19452,38 @@
       </p:grpSpPr>
       <p:sp>
         <p:nvSpPr>
-          <p:cNvPr id="5" name="Title 4">
-            <a:extLst>
-              <a:ext uri="{FF2B5EF4-FFF2-40B4-BE49-F238E27FC236}">
-                <a16:creationId xmlns:a16="http://schemas.microsoft.com/office/drawing/2014/main" id="{7D8B6E3F-53A9-C62F-7D4A-088904EB3A0C}"/>
-              </a:ext>
-            </a:extLst>
-          </p:cNvPr>
-          <p:cNvSpPr>
-            <a:spLocks noGrp="1"/>
-          </p:cNvSpPr>
-          <p:nvPr>
-            <p:ph type="title"/>
-          </p:nvPr>
-        </p:nvSpPr>
-        <p:spPr/>
-        <p:txBody>
-          <a:bodyPr>
-            <a:normAutofit/>
-          </a:bodyPr>
-          <a:lstStyle/>
-          <a:p>
-            <a:r>
-              <a:rPr lang="en-US" dirty="0"/>
-              <a:t>Surface, Deep, and Dark Web</a:t>
-            </a:r>
-          </a:p>
-        </p:txBody>
-      </p:sp>
-      <p:sp>
-        <p:nvSpPr>
-          <p:cNvPr id="6" name="Content Placeholder 5">
-            <a:extLst>
-              <a:ext uri="{FF2B5EF4-FFF2-40B4-BE49-F238E27FC236}">
-                <a16:creationId xmlns:a16="http://schemas.microsoft.com/office/drawing/2014/main" id="{90652AB0-17A2-FBE2-8426-769F86D0B2A2}"/>
-              </a:ext>
-            </a:extLst>
-          </p:cNvPr>
-          <p:cNvSpPr>
-            <a:spLocks noGrp="1"/>
-          </p:cNvSpPr>
-          <p:nvPr>
-            <p:ph idx="1"/>
-          </p:nvPr>
-        </p:nvSpPr>
-        <p:spPr/>
-        <p:txBody>
-          <a:bodyPr>
-            <a:normAutofit fontScale="70000" lnSpcReduction="20000"/>
-          </a:bodyPr>
-          <a:lstStyle/>
-          <a:p>
-            <a:r>
-              <a:rPr lang="en-US" dirty="0"/>
-              <a:t>Surface Web</a:t>
-            </a:r>
-          </a:p>
-          <a:p>
-            <a:pPr lvl="1"/>
-            <a:r>
-              <a:rPr lang="en-US" dirty="0"/>
-              <a:t>Available to everyone</a:t>
-            </a:r>
-          </a:p>
-          <a:p>
-            <a:pPr lvl="1"/>
-            <a:r>
-              <a:rPr lang="en-US" dirty="0"/>
-              <a:t>Indexed by search engines</a:t>
-            </a:r>
-          </a:p>
-          <a:p>
-            <a:r>
-              <a:rPr lang="en-US" dirty="0"/>
-              <a:t>Deep Web</a:t>
-            </a:r>
-          </a:p>
-          <a:p>
-            <a:pPr lvl="1"/>
-            <a:r>
-              <a:rPr lang="en-US" dirty="0"/>
-              <a:t>Requires credentials</a:t>
-            </a:r>
-          </a:p>
-          <a:p>
-            <a:pPr lvl="1"/>
-            <a:r>
-              <a:rPr lang="en-US" dirty="0"/>
-              <a:t>School, financial, and medical accounts</a:t>
-            </a:r>
-          </a:p>
-          <a:p>
-            <a:pPr lvl="1"/>
-            <a:r>
-              <a:rPr lang="en-US" dirty="0"/>
-              <a:t>Larger than the surface web</a:t>
-            </a:r>
-          </a:p>
-          <a:p>
-            <a:r>
-              <a:rPr lang="en-US" dirty="0"/>
-              <a:t>Dark Web:</a:t>
-            </a:r>
-          </a:p>
-          <a:p>
-            <a:pPr lvl="1"/>
-            <a:r>
-              <a:rPr lang="en-US" dirty="0"/>
-              <a:t>Requires a special browser (TOR)</a:t>
-            </a:r>
-          </a:p>
-          <a:p>
-            <a:pPr lvl="1"/>
-            <a:r>
-              <a:rPr lang="en-US" dirty="0"/>
-              <a:t>Anonymous communication</a:t>
-            </a:r>
-          </a:p>
-        </p:txBody>
-      </p:sp>
-      <p:sp>
-        <p:nvSpPr>
-          <p:cNvPr id="3" name="Footer Placeholder 2">
-            <a:extLst>
-              <a:ext uri="{FF2B5EF4-FFF2-40B4-BE49-F238E27FC236}">
-                <a16:creationId xmlns:a16="http://schemas.microsoft.com/office/drawing/2014/main" id="{E1D84E09-AE26-8954-BB00-4F6A31771D39}"/>
+          <p:cNvPr id="6" name="Title 5">
+            <a:extLst>
+              <a:ext uri="{FF2B5EF4-FFF2-40B4-BE49-F238E27FC236}">
+                <a16:creationId xmlns:a16="http://schemas.microsoft.com/office/drawing/2014/main" id="{5C984E07-5861-8843-5470-61E25C26CEA7}"/>
+              </a:ext>
+            </a:extLst>
+          </p:cNvPr>
+          <p:cNvSpPr>
+            <a:spLocks noGrp="1"/>
+          </p:cNvSpPr>
+          <p:nvPr>
+            <p:ph type="ctrTitle"/>
+          </p:nvPr>
+        </p:nvSpPr>
+        <p:spPr/>
+        <p:txBody>
+          <a:bodyPr/>
+          <a:lstStyle/>
+          <a:p>
+            <a:r>
+              <a:rPr lang="en-US" dirty="0"/>
+              <a:t>The Dark Web</a:t>
+            </a:r>
+          </a:p>
+        </p:txBody>
+      </p:sp>
+      <p:sp>
+        <p:nvSpPr>
+          <p:cNvPr id="4" name="Footer Placeholder 3">
+            <a:extLst>
+              <a:ext uri="{FF2B5EF4-FFF2-40B4-BE49-F238E27FC236}">
+                <a16:creationId xmlns:a16="http://schemas.microsoft.com/office/drawing/2014/main" id="{AC1C644D-BA57-30BE-628D-C47417BB2EC0}"/>
               </a:ext>
             </a:extLst>
           </p:cNvPr>
@@ -19350,10 +19508,10 @@
       </p:sp>
       <p:sp>
         <p:nvSpPr>
-          <p:cNvPr id="4" name="Slide Number Placeholder 3">
-            <a:extLst>
-              <a:ext uri="{FF2B5EF4-FFF2-40B4-BE49-F238E27FC236}">
-                <a16:creationId xmlns:a16="http://schemas.microsoft.com/office/drawing/2014/main" id="{997D9B0B-1ADA-2A73-2ECD-062886A46DA9}"/>
+          <p:cNvPr id="5" name="Slide Number Placeholder 4">
+            <a:extLst>
+              <a:ext uri="{FF2B5EF4-FFF2-40B4-BE49-F238E27FC236}">
+                <a16:creationId xmlns:a16="http://schemas.microsoft.com/office/drawing/2014/main" id="{4F0D8643-855B-6196-3D4F-9A22578FA6CD}"/>
               </a:ext>
             </a:extLst>
           </p:cNvPr>
@@ -19380,7 +19538,7 @@
     </p:spTree>
     <p:extLst>
       <p:ext uri="{BB962C8B-B14F-4D97-AF65-F5344CB8AC3E}">
-        <p14:creationId xmlns:p14="http://schemas.microsoft.com/office/powerpoint/2010/main" val="1579598737"/>
+        <p14:creationId xmlns:p14="http://schemas.microsoft.com/office/powerpoint/2010/main" val="939572246"/>
       </p:ext>
     </p:extLst>
   </p:cSld>
@@ -19419,6 +19577,226 @@
           <a:chExt cx="0" cy="0"/>
         </a:xfrm>
       </p:grpSpPr>
+      <p:sp>
+        <p:nvSpPr>
+          <p:cNvPr id="5" name="Title 4">
+            <a:extLst>
+              <a:ext uri="{FF2B5EF4-FFF2-40B4-BE49-F238E27FC236}">
+                <a16:creationId xmlns:a16="http://schemas.microsoft.com/office/drawing/2014/main" id="{7D8B6E3F-53A9-C62F-7D4A-088904EB3A0C}"/>
+              </a:ext>
+            </a:extLst>
+          </p:cNvPr>
+          <p:cNvSpPr>
+            <a:spLocks noGrp="1"/>
+          </p:cNvSpPr>
+          <p:nvPr>
+            <p:ph type="title"/>
+          </p:nvPr>
+        </p:nvSpPr>
+        <p:spPr/>
+        <p:txBody>
+          <a:bodyPr>
+            <a:normAutofit/>
+          </a:bodyPr>
+          <a:lstStyle/>
+          <a:p>
+            <a:r>
+              <a:rPr lang="en-US" dirty="0"/>
+              <a:t>Surface, Deep, and Dark Web</a:t>
+            </a:r>
+          </a:p>
+        </p:txBody>
+      </p:sp>
+      <p:sp>
+        <p:nvSpPr>
+          <p:cNvPr id="6" name="Content Placeholder 5">
+            <a:extLst>
+              <a:ext uri="{FF2B5EF4-FFF2-40B4-BE49-F238E27FC236}">
+                <a16:creationId xmlns:a16="http://schemas.microsoft.com/office/drawing/2014/main" id="{90652AB0-17A2-FBE2-8426-769F86D0B2A2}"/>
+              </a:ext>
+            </a:extLst>
+          </p:cNvPr>
+          <p:cNvSpPr>
+            <a:spLocks noGrp="1"/>
+          </p:cNvSpPr>
+          <p:nvPr>
+            <p:ph idx="1"/>
+          </p:nvPr>
+        </p:nvSpPr>
+        <p:spPr/>
+        <p:txBody>
+          <a:bodyPr>
+            <a:normAutofit fontScale="70000" lnSpcReduction="20000"/>
+          </a:bodyPr>
+          <a:lstStyle/>
+          <a:p>
+            <a:r>
+              <a:rPr lang="en-US" dirty="0"/>
+              <a:t>Surface Web</a:t>
+            </a:r>
+          </a:p>
+          <a:p>
+            <a:pPr lvl="1"/>
+            <a:r>
+              <a:rPr lang="en-US" dirty="0"/>
+              <a:t>Available to everyone</a:t>
+            </a:r>
+          </a:p>
+          <a:p>
+            <a:pPr lvl="1"/>
+            <a:r>
+              <a:rPr lang="en-US" dirty="0"/>
+              <a:t>Indexed by search engines</a:t>
+            </a:r>
+          </a:p>
+          <a:p>
+            <a:r>
+              <a:rPr lang="en-US" dirty="0"/>
+              <a:t>Deep Web</a:t>
+            </a:r>
+          </a:p>
+          <a:p>
+            <a:pPr lvl="1"/>
+            <a:r>
+              <a:rPr lang="en-US" dirty="0"/>
+              <a:t>Requires credentials</a:t>
+            </a:r>
+          </a:p>
+          <a:p>
+            <a:pPr lvl="1"/>
+            <a:r>
+              <a:rPr lang="en-US" dirty="0"/>
+              <a:t>School, financial, and medical accounts</a:t>
+            </a:r>
+          </a:p>
+          <a:p>
+            <a:pPr lvl="1"/>
+            <a:r>
+              <a:rPr lang="en-US" dirty="0"/>
+              <a:t>Larger than the surface web</a:t>
+            </a:r>
+          </a:p>
+          <a:p>
+            <a:r>
+              <a:rPr lang="en-US" dirty="0"/>
+              <a:t>Dark Web:</a:t>
+            </a:r>
+          </a:p>
+          <a:p>
+            <a:pPr lvl="1"/>
+            <a:r>
+              <a:rPr lang="en-US" dirty="0"/>
+              <a:t>Requires a special browser (TOR)</a:t>
+            </a:r>
+          </a:p>
+          <a:p>
+            <a:pPr lvl="1"/>
+            <a:r>
+              <a:rPr lang="en-US" dirty="0"/>
+              <a:t>Anonymous communication</a:t>
+            </a:r>
+          </a:p>
+        </p:txBody>
+      </p:sp>
+      <p:sp>
+        <p:nvSpPr>
+          <p:cNvPr id="3" name="Footer Placeholder 2">
+            <a:extLst>
+              <a:ext uri="{FF2B5EF4-FFF2-40B4-BE49-F238E27FC236}">
+                <a16:creationId xmlns:a16="http://schemas.microsoft.com/office/drawing/2014/main" id="{E1D84E09-AE26-8954-BB00-4F6A31771D39}"/>
+              </a:ext>
+            </a:extLst>
+          </p:cNvPr>
+          <p:cNvSpPr>
+            <a:spLocks noGrp="1"/>
+          </p:cNvSpPr>
+          <p:nvPr>
+            <p:ph type="ftr" sz="quarter" idx="11"/>
+          </p:nvPr>
+        </p:nvSpPr>
+        <p:spPr/>
+        <p:txBody>
+          <a:bodyPr/>
+          <a:lstStyle/>
+          <a:p>
+            <a:r>
+              <a:rPr lang="en-US"/>
+              <a:t>© Steve Beaty and others as cited</a:t>
+            </a:r>
+          </a:p>
+        </p:txBody>
+      </p:sp>
+      <p:sp>
+        <p:nvSpPr>
+          <p:cNvPr id="4" name="Slide Number Placeholder 3">
+            <a:extLst>
+              <a:ext uri="{FF2B5EF4-FFF2-40B4-BE49-F238E27FC236}">
+                <a16:creationId xmlns:a16="http://schemas.microsoft.com/office/drawing/2014/main" id="{997D9B0B-1ADA-2A73-2ECD-062886A46DA9}"/>
+              </a:ext>
+            </a:extLst>
+          </p:cNvPr>
+          <p:cNvSpPr>
+            <a:spLocks noGrp="1"/>
+          </p:cNvSpPr>
+          <p:nvPr>
+            <p:ph type="sldNum" sz="quarter" idx="12"/>
+          </p:nvPr>
+        </p:nvSpPr>
+        <p:spPr/>
+        <p:txBody>
+          <a:bodyPr/>
+          <a:lstStyle/>
+          <a:p>
+            <a:fld id="{AFE08FFA-7F03-3A4E-B3F8-2C550F8B5FDD}" type="slidenum">
+              <a:rPr lang="en-US" smtClean="0"/>
+              <a:t>67</a:t>
+            </a:fld>
+            <a:endParaRPr lang="en-US"/>
+          </a:p>
+        </p:txBody>
+      </p:sp>
+    </p:spTree>
+    <p:extLst>
+      <p:ext uri="{BB962C8B-B14F-4D97-AF65-F5344CB8AC3E}">
+        <p14:creationId xmlns:p14="http://schemas.microsoft.com/office/powerpoint/2010/main" val="1579598737"/>
+      </p:ext>
+    </p:extLst>
+  </p:cSld>
+  <p:clrMapOvr>
+    <a:masterClrMapping/>
+  </p:clrMapOvr>
+  <mc:AlternateContent xmlns:mc="http://schemas.openxmlformats.org/markup-compatibility/2006" xmlns:p14="http://schemas.microsoft.com/office/powerpoint/2010/main">
+    <mc:Choice Requires="p14">
+      <p:transition spd="slow" p14:dur="1200">
+        <p14:prism/>
+      </p:transition>
+    </mc:Choice>
+    <mc:Fallback xmlns="">
+      <p:transition xmlns:p14="http://schemas.microsoft.com/office/powerpoint/2010/main" spd="slow">
+        <p:fade/>
+      </p:transition>
+    </mc:Fallback>
+  </mc:AlternateContent>
+</p:sld>
+</file>
+
+<file path=ppt/slides/slide68.xml><?xml version="1.0" encoding="utf-8"?>
+<p:sld xmlns:a="http://schemas.openxmlformats.org/drawingml/2006/main" xmlns:r="http://schemas.openxmlformats.org/officeDocument/2006/relationships" xmlns:p="http://schemas.openxmlformats.org/presentationml/2006/main">
+  <p:cSld>
+    <p:spTree>
+      <p:nvGrpSpPr>
+        <p:cNvPr id="1" name=""/>
+        <p:cNvGrpSpPr/>
+        <p:nvPr/>
+      </p:nvGrpSpPr>
+      <p:grpSpPr>
+        <a:xfrm>
+          <a:off x="0" y="0"/>
+          <a:ext cx="0" cy="0"/>
+          <a:chOff x="0" y="0"/>
+          <a:chExt cx="0" cy="0"/>
+        </a:xfrm>
+      </p:grpSpPr>
       <p:pic>
         <p:nvPicPr>
           <p:cNvPr id="4" name="Picture 3"/>
@@ -19477,7 +19855,7 @@
             </a:pPr>
             <a:fld id="{86CB4B4D-7CA3-9044-876B-883B54F8677D}" type="slidenum">
               <a:rPr lang="en-US" smtClean="0"/>
-              <a:t>67</a:t>
+              <a:t>68</a:t>
             </a:fld>
             <a:endParaRPr lang="en-US"/>
           </a:p>
@@ -19508,173 +19886,6 @@
 </p:sld>
 </file>
 
-<file path=ppt/slides/slide68.xml><?xml version="1.0" encoding="utf-8"?>
-<p:sld xmlns:a="http://schemas.openxmlformats.org/drawingml/2006/main" xmlns:r="http://schemas.openxmlformats.org/officeDocument/2006/relationships" xmlns:p="http://schemas.openxmlformats.org/presentationml/2006/main">
-  <p:cSld>
-    <p:spTree>
-      <p:nvGrpSpPr>
-        <p:cNvPr id="1" name=""/>
-        <p:cNvGrpSpPr/>
-        <p:nvPr/>
-      </p:nvGrpSpPr>
-      <p:grpSpPr>
-        <a:xfrm>
-          <a:off x="0" y="0"/>
-          <a:ext cx="0" cy="0"/>
-          <a:chOff x="0" y="0"/>
-          <a:chExt cx="0" cy="0"/>
-        </a:xfrm>
-      </p:grpSpPr>
-      <p:sp>
-        <p:nvSpPr>
-          <p:cNvPr id="2" name="Title 1">
-            <a:extLst>
-              <a:ext uri="{FF2B5EF4-FFF2-40B4-BE49-F238E27FC236}">
-                <a16:creationId xmlns:a16="http://schemas.microsoft.com/office/drawing/2014/main" id="{0DFEB8EF-DA16-505D-C17C-559E1727227E}"/>
-              </a:ext>
-            </a:extLst>
-          </p:cNvPr>
-          <p:cNvSpPr>
-            <a:spLocks noGrp="1"/>
-          </p:cNvSpPr>
-          <p:nvPr>
-            <p:ph type="title"/>
-          </p:nvPr>
-        </p:nvSpPr>
-        <p:spPr/>
-        <p:txBody>
-          <a:bodyPr/>
-          <a:lstStyle/>
-          <a:p>
-            <a:r>
-              <a:rPr lang="en-US" dirty="0"/>
-              <a:t>TOR = The Onion Router</a:t>
-            </a:r>
-          </a:p>
-        </p:txBody>
-      </p:sp>
-      <p:sp>
-        <p:nvSpPr>
-          <p:cNvPr id="3" name="Content Placeholder 2">
-            <a:extLst>
-              <a:ext uri="{FF2B5EF4-FFF2-40B4-BE49-F238E27FC236}">
-                <a16:creationId xmlns:a16="http://schemas.microsoft.com/office/drawing/2014/main" id="{0EFFEDF1-3124-AB8C-354E-936BB1F36A6D}"/>
-              </a:ext>
-            </a:extLst>
-          </p:cNvPr>
-          <p:cNvSpPr>
-            <a:spLocks noGrp="1"/>
-          </p:cNvSpPr>
-          <p:nvPr>
-            <p:ph idx="1"/>
-          </p:nvPr>
-        </p:nvSpPr>
-        <p:spPr/>
-        <p:txBody>
-          <a:bodyPr/>
-          <a:lstStyle/>
-          <a:p>
-            <a:r>
-              <a:rPr lang="en-US" dirty="0">
-                <a:hlinkClick r:id="rId2"/>
-              </a:rPr>
-              <a:t>https://www.torproject.org/download/</a:t>
-            </a:r>
-            <a:r>
-              <a:rPr lang="en-US" dirty="0"/>
-              <a:t> </a:t>
-            </a:r>
-          </a:p>
-          <a:p>
-            <a:r>
-              <a:rPr lang="en-US" dirty="0"/>
-              <a:t>Site blocked at MSU Denver</a:t>
-            </a:r>
-          </a:p>
-        </p:txBody>
-      </p:sp>
-      <p:sp>
-        <p:nvSpPr>
-          <p:cNvPr id="4" name="Footer Placeholder 3">
-            <a:extLst>
-              <a:ext uri="{FF2B5EF4-FFF2-40B4-BE49-F238E27FC236}">
-                <a16:creationId xmlns:a16="http://schemas.microsoft.com/office/drawing/2014/main" id="{BE21EA26-9D8A-BD6E-2F5D-7DBD84B0E321}"/>
-              </a:ext>
-            </a:extLst>
-          </p:cNvPr>
-          <p:cNvSpPr>
-            <a:spLocks noGrp="1"/>
-          </p:cNvSpPr>
-          <p:nvPr>
-            <p:ph type="ftr" sz="quarter" idx="11"/>
-          </p:nvPr>
-        </p:nvSpPr>
-        <p:spPr/>
-        <p:txBody>
-          <a:bodyPr/>
-          <a:lstStyle/>
-          <a:p>
-            <a:r>
-              <a:rPr lang="en-US"/>
-              <a:t>© Steve Beaty and others as cited</a:t>
-            </a:r>
-          </a:p>
-        </p:txBody>
-      </p:sp>
-      <p:sp>
-        <p:nvSpPr>
-          <p:cNvPr id="5" name="Slide Number Placeholder 4">
-            <a:extLst>
-              <a:ext uri="{FF2B5EF4-FFF2-40B4-BE49-F238E27FC236}">
-                <a16:creationId xmlns:a16="http://schemas.microsoft.com/office/drawing/2014/main" id="{D32F95DC-4BC8-9451-1204-DE86621D729D}"/>
-              </a:ext>
-            </a:extLst>
-          </p:cNvPr>
-          <p:cNvSpPr>
-            <a:spLocks noGrp="1"/>
-          </p:cNvSpPr>
-          <p:nvPr>
-            <p:ph type="sldNum" sz="quarter" idx="12"/>
-          </p:nvPr>
-        </p:nvSpPr>
-        <p:spPr/>
-        <p:txBody>
-          <a:bodyPr/>
-          <a:lstStyle/>
-          <a:p>
-            <a:fld id="{AFE08FFA-7F03-3A4E-B3F8-2C550F8B5FDD}" type="slidenum">
-              <a:rPr lang="en-US" smtClean="0"/>
-              <a:t>68</a:t>
-            </a:fld>
-            <a:endParaRPr lang="en-US"/>
-          </a:p>
-        </p:txBody>
-      </p:sp>
-    </p:spTree>
-    <p:extLst>
-      <p:ext uri="{BB962C8B-B14F-4D97-AF65-F5344CB8AC3E}">
-        <p14:creationId xmlns:p14="http://schemas.microsoft.com/office/powerpoint/2010/main" val="73769865"/>
-      </p:ext>
-    </p:extLst>
-  </p:cSld>
-  <p:clrMapOvr>
-    <a:masterClrMapping/>
-  </p:clrMapOvr>
-  <mc:AlternateContent xmlns:mc="http://schemas.openxmlformats.org/markup-compatibility/2006" xmlns:p14="http://schemas.microsoft.com/office/powerpoint/2010/main">
-    <mc:Choice Requires="p14">
-      <p:transition spd="slow" p14:dur="1200">
-        <p14:prism/>
-      </p:transition>
-    </mc:Choice>
-    <mc:Fallback xmlns="">
-      <p:transition xmlns:p14="http://schemas.microsoft.com/office/powerpoint/2010/main" spd="slow">
-        <p:fade/>
-      </p:transition>
-    </mc:Fallback>
-  </mc:AlternateContent>
-</p:sld>
-</file>
-
 <file path=ppt/slides/slide69.xml><?xml version="1.0" encoding="utf-8"?>
 <p:sld xmlns:a="http://schemas.openxmlformats.org/drawingml/2006/main" xmlns:r="http://schemas.openxmlformats.org/officeDocument/2006/relationships" xmlns:p="http://schemas.openxmlformats.org/presentationml/2006/main">
   <p:cSld>
@@ -19697,7 +19908,7 @@
           <p:cNvPr id="2" name="Title 1">
             <a:extLst>
               <a:ext uri="{FF2B5EF4-FFF2-40B4-BE49-F238E27FC236}">
-                <a16:creationId xmlns:a16="http://schemas.microsoft.com/office/drawing/2014/main" id="{54A0EC64-6759-FD1C-B75F-CDEA98BC60D2}"/>
+                <a16:creationId xmlns:a16="http://schemas.microsoft.com/office/drawing/2014/main" id="{0DFEB8EF-DA16-505D-C17C-559E1727227E}"/>
               </a:ext>
             </a:extLst>
           </p:cNvPr>
@@ -19715,7 +19926,7 @@
           <a:p>
             <a:r>
               <a:rPr lang="en-US" dirty="0"/>
-              <a:t>Purpose</a:t>
+              <a:t>TOR = The Onion Router</a:t>
             </a:r>
           </a:p>
         </p:txBody>
@@ -19725,7 +19936,7 @@
           <p:cNvPr id="3" name="Content Placeholder 2">
             <a:extLst>
               <a:ext uri="{FF2B5EF4-FFF2-40B4-BE49-F238E27FC236}">
-                <a16:creationId xmlns:a16="http://schemas.microsoft.com/office/drawing/2014/main" id="{80595F3A-A6D3-87A5-8663-741F65D9FEF0}"/>
+                <a16:creationId xmlns:a16="http://schemas.microsoft.com/office/drawing/2014/main" id="{0EFFEDF1-3124-AB8C-354E-936BB1F36A6D}"/>
               </a:ext>
             </a:extLst>
           </p:cNvPr>
@@ -19742,18 +19953,21 @@
           <a:lstStyle/>
           <a:p>
             <a:r>
-              <a:rPr lang="en-US" dirty="0"/>
-              <a:t>Send information through multiple machines to anonymize communication</a:t>
-            </a:r>
-          </a:p>
-          <a:p>
-            <a:r>
-              <a:rPr lang="en-US" dirty="0"/>
-              <a:t>An overlay network on top of the regular internet</a:t>
-            </a:r>
-          </a:p>
-          <a:p>
-            <a:endParaRPr lang="en-US" dirty="0"/>
+              <a:rPr lang="en-US" dirty="0">
+                <a:hlinkClick r:id="rId2"/>
+              </a:rPr>
+              <a:t>https://www.torproject.org/download/</a:t>
+            </a:r>
+            <a:r>
+              <a:rPr lang="en-US" dirty="0"/>
+              <a:t> </a:t>
+            </a:r>
+          </a:p>
+          <a:p>
+            <a:r>
+              <a:rPr lang="en-US" dirty="0"/>
+              <a:t>Site blocked at MSU Denver</a:t>
+            </a:r>
           </a:p>
         </p:txBody>
       </p:sp>
@@ -19762,7 +19976,7 @@
           <p:cNvPr id="4" name="Footer Placeholder 3">
             <a:extLst>
               <a:ext uri="{FF2B5EF4-FFF2-40B4-BE49-F238E27FC236}">
-                <a16:creationId xmlns:a16="http://schemas.microsoft.com/office/drawing/2014/main" id="{F24CC329-555C-8030-C640-A52A0CCDAF55}"/>
+                <a16:creationId xmlns:a16="http://schemas.microsoft.com/office/drawing/2014/main" id="{BE21EA26-9D8A-BD6E-2F5D-7DBD84B0E321}"/>
               </a:ext>
             </a:extLst>
           </p:cNvPr>
@@ -19790,7 +20004,7 @@
           <p:cNvPr id="5" name="Slide Number Placeholder 4">
             <a:extLst>
               <a:ext uri="{FF2B5EF4-FFF2-40B4-BE49-F238E27FC236}">
-                <a16:creationId xmlns:a16="http://schemas.microsoft.com/office/drawing/2014/main" id="{50975749-34B1-5D0A-59A2-4C786A36A19D}"/>
+                <a16:creationId xmlns:a16="http://schemas.microsoft.com/office/drawing/2014/main" id="{D32F95DC-4BC8-9451-1204-DE86621D729D}"/>
               </a:ext>
             </a:extLst>
           </p:cNvPr>
@@ -19817,7 +20031,7 @@
     </p:spTree>
     <p:extLst>
       <p:ext uri="{BB962C8B-B14F-4D97-AF65-F5344CB8AC3E}">
-        <p14:creationId xmlns:p14="http://schemas.microsoft.com/office/powerpoint/2010/main" val="1047881992"/>
+        <p14:creationId xmlns:p14="http://schemas.microsoft.com/office/powerpoint/2010/main" val="73769865"/>
       </p:ext>
     </p:extLst>
   </p:cSld>
@@ -19988,7 +20202,7 @@
           <p:cNvPr id="2" name="Title 1">
             <a:extLst>
               <a:ext uri="{FF2B5EF4-FFF2-40B4-BE49-F238E27FC236}">
-                <a16:creationId xmlns:a16="http://schemas.microsoft.com/office/drawing/2014/main" id="{6DFEBD09-7841-070A-52F4-6F84C20BE456}"/>
+                <a16:creationId xmlns:a16="http://schemas.microsoft.com/office/drawing/2014/main" id="{54A0EC64-6759-FD1C-B75F-CDEA98BC60D2}"/>
               </a:ext>
             </a:extLst>
           </p:cNvPr>
@@ -20006,7 +20220,7 @@
           <a:p>
             <a:r>
               <a:rPr lang="en-US" dirty="0"/>
-              <a:t>Architecture</a:t>
+              <a:t>Purpose</a:t>
             </a:r>
           </a:p>
         </p:txBody>
@@ -20016,7 +20230,7 @@
           <p:cNvPr id="3" name="Content Placeholder 2">
             <a:extLst>
               <a:ext uri="{FF2B5EF4-FFF2-40B4-BE49-F238E27FC236}">
-                <a16:creationId xmlns:a16="http://schemas.microsoft.com/office/drawing/2014/main" id="{7CE3E773-753A-1741-F11A-DFA00E50D82B}"/>
+                <a16:creationId xmlns:a16="http://schemas.microsoft.com/office/drawing/2014/main" id="{80595F3A-A6D3-87A5-8663-741F65D9FEF0}"/>
               </a:ext>
             </a:extLst>
           </p:cNvPr>
@@ -20029,51 +20243,22 @@
         </p:nvSpPr>
         <p:spPr/>
         <p:txBody>
-          <a:bodyPr>
-            <a:normAutofit/>
-          </a:bodyPr>
-          <a:lstStyle/>
-          <a:p>
-            <a:r>
-              <a:rPr lang="en-US" dirty="0"/>
-              <a:t>Three types of nodes</a:t>
-            </a:r>
-          </a:p>
-          <a:p>
-            <a:pPr marL="742950" indent="-742950">
-              <a:buFont typeface="+mj-lt"/>
-              <a:buAutoNum type="arabicPeriod"/>
-            </a:pPr>
-            <a:r>
-              <a:rPr lang="en-US" dirty="0"/>
-              <a:t>Guard - Where browser initially connects</a:t>
-            </a:r>
-          </a:p>
-          <a:p>
-            <a:pPr marL="742950" indent="-742950">
-              <a:buFont typeface="+mj-lt"/>
-              <a:buAutoNum type="arabicPeriod"/>
-            </a:pPr>
-            <a:r>
-              <a:rPr lang="en-US" dirty="0"/>
-              <a:t>Middle - Anonymizes communication (any number)</a:t>
-            </a:r>
-          </a:p>
-          <a:p>
-            <a:pPr marL="742950" indent="-742950">
-              <a:buFont typeface="+mj-lt"/>
-              <a:buAutoNum type="arabicPeriod"/>
-            </a:pPr>
-            <a:r>
-              <a:rPr lang="en-US" dirty="0"/>
-              <a:t>Exit - Where circuit exits to regular web</a:t>
-            </a:r>
-          </a:p>
-          <a:p>
-            <a:r>
-              <a:rPr lang="en-US" dirty="0"/>
-              <a:t>Circuits typically change every ~10 minutes</a:t>
-            </a:r>
+          <a:bodyPr/>
+          <a:lstStyle/>
+          <a:p>
+            <a:r>
+              <a:rPr lang="en-US" dirty="0"/>
+              <a:t>Send information through multiple machines to anonymize communication</a:t>
+            </a:r>
+          </a:p>
+          <a:p>
+            <a:r>
+              <a:rPr lang="en-US" dirty="0"/>
+              <a:t>An overlay network on top of the regular internet</a:t>
+            </a:r>
+          </a:p>
+          <a:p>
+            <a:endParaRPr lang="en-US" dirty="0"/>
           </a:p>
         </p:txBody>
       </p:sp>
@@ -20082,7 +20267,7 @@
           <p:cNvPr id="4" name="Footer Placeholder 3">
             <a:extLst>
               <a:ext uri="{FF2B5EF4-FFF2-40B4-BE49-F238E27FC236}">
-                <a16:creationId xmlns:a16="http://schemas.microsoft.com/office/drawing/2014/main" id="{CC72C46A-95D2-D50B-837E-423900D3C32E}"/>
+                <a16:creationId xmlns:a16="http://schemas.microsoft.com/office/drawing/2014/main" id="{F24CC329-555C-8030-C640-A52A0CCDAF55}"/>
               </a:ext>
             </a:extLst>
           </p:cNvPr>
@@ -20110,7 +20295,7 @@
           <p:cNvPr id="5" name="Slide Number Placeholder 4">
             <a:extLst>
               <a:ext uri="{FF2B5EF4-FFF2-40B4-BE49-F238E27FC236}">
-                <a16:creationId xmlns:a16="http://schemas.microsoft.com/office/drawing/2014/main" id="{D612C645-3FB3-83D2-CB2F-ABEDD03F5FE6}"/>
+                <a16:creationId xmlns:a16="http://schemas.microsoft.com/office/drawing/2014/main" id="{50975749-34B1-5D0A-59A2-4C786A36A19D}"/>
               </a:ext>
             </a:extLst>
           </p:cNvPr>
@@ -20137,7 +20322,7 @@
     </p:spTree>
     <p:extLst>
       <p:ext uri="{BB962C8B-B14F-4D97-AF65-F5344CB8AC3E}">
-        <p14:creationId xmlns:p14="http://schemas.microsoft.com/office/powerpoint/2010/main" val="16525990"/>
+        <p14:creationId xmlns:p14="http://schemas.microsoft.com/office/powerpoint/2010/main" val="1047881992"/>
       </p:ext>
     </p:extLst>
   </p:cSld>
@@ -20181,7 +20366,7 @@
           <p:cNvPr id="2" name="Title 1">
             <a:extLst>
               <a:ext uri="{FF2B5EF4-FFF2-40B4-BE49-F238E27FC236}">
-                <a16:creationId xmlns:a16="http://schemas.microsoft.com/office/drawing/2014/main" id="{46BB6F60-A6D0-D9B1-CEF6-23A641FBAA41}"/>
+                <a16:creationId xmlns:a16="http://schemas.microsoft.com/office/drawing/2014/main" id="{6DFEBD09-7841-070A-52F4-6F84C20BE456}"/>
               </a:ext>
             </a:extLst>
           </p:cNvPr>
@@ -20190,6 +20375,34 @@
           </p:cNvSpPr>
           <p:nvPr>
             <p:ph type="title"/>
+          </p:nvPr>
+        </p:nvSpPr>
+        <p:spPr/>
+        <p:txBody>
+          <a:bodyPr/>
+          <a:lstStyle/>
+          <a:p>
+            <a:r>
+              <a:rPr lang="en-US" dirty="0"/>
+              <a:t>Architecture</a:t>
+            </a:r>
+          </a:p>
+        </p:txBody>
+      </p:sp>
+      <p:sp>
+        <p:nvSpPr>
+          <p:cNvPr id="3" name="Content Placeholder 2">
+            <a:extLst>
+              <a:ext uri="{FF2B5EF4-FFF2-40B4-BE49-F238E27FC236}">
+                <a16:creationId xmlns:a16="http://schemas.microsoft.com/office/drawing/2014/main" id="{7CE3E773-753A-1741-F11A-DFA00E50D82B}"/>
+              </a:ext>
+            </a:extLst>
+          </p:cNvPr>
+          <p:cNvSpPr>
+            <a:spLocks noGrp="1"/>
+          </p:cNvSpPr>
+          <p:nvPr>
+            <p:ph idx="1"/>
           </p:nvPr>
         </p:nvSpPr>
         <p:spPr/>
@@ -20201,64 +20414,43 @@
           <a:p>
             <a:r>
               <a:rPr lang="en-US" dirty="0"/>
-              <a:t>How TOR Works</a:t>
-            </a:r>
-          </a:p>
-        </p:txBody>
-      </p:sp>
-      <p:sp>
-        <p:nvSpPr>
-          <p:cNvPr id="3" name="Content Placeholder 2">
-            <a:extLst>
-              <a:ext uri="{FF2B5EF4-FFF2-40B4-BE49-F238E27FC236}">
-                <a16:creationId xmlns:a16="http://schemas.microsoft.com/office/drawing/2014/main" id="{A6F016AB-A1E6-4237-F9C4-E33F776D0941}"/>
-              </a:ext>
-            </a:extLst>
-          </p:cNvPr>
-          <p:cNvSpPr>
-            <a:spLocks noGrp="1"/>
-          </p:cNvSpPr>
-          <p:nvPr>
-            <p:ph idx="1"/>
-          </p:nvPr>
-        </p:nvSpPr>
-        <p:spPr/>
-        <p:txBody>
-          <a:bodyPr>
-            <a:normAutofit lnSpcReduction="10000"/>
-          </a:bodyPr>
-          <a:lstStyle/>
-          <a:p>
-            <a:r>
-              <a:rPr lang="en-US" dirty="0"/>
-              <a:t>Packet has multiple layers of encrypted routing</a:t>
-            </a:r>
-          </a:p>
-          <a:p>
-            <a:pPr lvl="1"/>
-            <a:r>
-              <a:rPr lang="en-US" dirty="0"/>
-              <a:t>Each node decrypts one layer (like peeling an onion)</a:t>
-            </a:r>
-          </a:p>
-          <a:p>
-            <a:pPr lvl="1"/>
-            <a:r>
-              <a:rPr lang="en-US" dirty="0"/>
-              <a:t>Each node knows only previous and next router</a:t>
-            </a:r>
-          </a:p>
-          <a:p>
-            <a:pPr lvl="1"/>
-            <a:r>
-              <a:rPr lang="en-US" dirty="0"/>
-              <a:t>After two hops, origin/destination cannot be derived</a:t>
-            </a:r>
-          </a:p>
-          <a:p>
-            <a:r>
-              <a:rPr lang="en-US" dirty="0"/>
-              <a:t>Result: Effectively anonymous communication</a:t>
+              <a:t>Three types of nodes</a:t>
+            </a:r>
+          </a:p>
+          <a:p>
+            <a:pPr marL="742950" indent="-742950">
+              <a:buFont typeface="+mj-lt"/>
+              <a:buAutoNum type="arabicPeriod"/>
+            </a:pPr>
+            <a:r>
+              <a:rPr lang="en-US" dirty="0"/>
+              <a:t>Guard - Where browser initially connects</a:t>
+            </a:r>
+          </a:p>
+          <a:p>
+            <a:pPr marL="742950" indent="-742950">
+              <a:buFont typeface="+mj-lt"/>
+              <a:buAutoNum type="arabicPeriod"/>
+            </a:pPr>
+            <a:r>
+              <a:rPr lang="en-US" dirty="0"/>
+              <a:t>Middle - Anonymizes communication (any number)</a:t>
+            </a:r>
+          </a:p>
+          <a:p>
+            <a:pPr marL="742950" indent="-742950">
+              <a:buFont typeface="+mj-lt"/>
+              <a:buAutoNum type="arabicPeriod"/>
+            </a:pPr>
+            <a:r>
+              <a:rPr lang="en-US" dirty="0"/>
+              <a:t>Exit - Where circuit exits to regular web</a:t>
+            </a:r>
+          </a:p>
+          <a:p>
+            <a:r>
+              <a:rPr lang="en-US" dirty="0"/>
+              <a:t>Circuits typically change every ~10 minutes</a:t>
             </a:r>
           </a:p>
         </p:txBody>
@@ -20268,7 +20460,7 @@
           <p:cNvPr id="4" name="Footer Placeholder 3">
             <a:extLst>
               <a:ext uri="{FF2B5EF4-FFF2-40B4-BE49-F238E27FC236}">
-                <a16:creationId xmlns:a16="http://schemas.microsoft.com/office/drawing/2014/main" id="{2B855154-5D11-4521-968A-284B3EB92ADB}"/>
+                <a16:creationId xmlns:a16="http://schemas.microsoft.com/office/drawing/2014/main" id="{CC72C46A-95D2-D50B-837E-423900D3C32E}"/>
               </a:ext>
             </a:extLst>
           </p:cNvPr>
@@ -20296,7 +20488,7 @@
           <p:cNvPr id="5" name="Slide Number Placeholder 4">
             <a:extLst>
               <a:ext uri="{FF2B5EF4-FFF2-40B4-BE49-F238E27FC236}">
-                <a16:creationId xmlns:a16="http://schemas.microsoft.com/office/drawing/2014/main" id="{14CED6E4-BDB1-9193-1F3E-67959DE6F379}"/>
+                <a16:creationId xmlns:a16="http://schemas.microsoft.com/office/drawing/2014/main" id="{D612C645-3FB3-83D2-CB2F-ABEDD03F5FE6}"/>
               </a:ext>
             </a:extLst>
           </p:cNvPr>
@@ -20323,7 +20515,7 @@
     </p:spTree>
     <p:extLst>
       <p:ext uri="{BB962C8B-B14F-4D97-AF65-F5344CB8AC3E}">
-        <p14:creationId xmlns:p14="http://schemas.microsoft.com/office/powerpoint/2010/main" val="564610168"/>
+        <p14:creationId xmlns:p14="http://schemas.microsoft.com/office/powerpoint/2010/main" val="16525990"/>
       </p:ext>
     </p:extLst>
   </p:cSld>
@@ -20367,7 +20559,7 @@
           <p:cNvPr id="2" name="Title 1">
             <a:extLst>
               <a:ext uri="{FF2B5EF4-FFF2-40B4-BE49-F238E27FC236}">
-                <a16:creationId xmlns:a16="http://schemas.microsoft.com/office/drawing/2014/main" id="{61684B2F-7639-9EA5-08D5-CE6A25DBCF44}"/>
+                <a16:creationId xmlns:a16="http://schemas.microsoft.com/office/drawing/2014/main" id="{46BB6F60-A6D0-D9B1-CEF6-23A641FBAA41}"/>
               </a:ext>
             </a:extLst>
           </p:cNvPr>
@@ -20380,12 +20572,14 @@
         </p:nvSpPr>
         <p:spPr/>
         <p:txBody>
-          <a:bodyPr/>
-          <a:lstStyle/>
-          <a:p>
-            <a:r>
-              <a:rPr lang="en-US" dirty="0"/>
-              <a:t>Alice, Bob, and Carol (A, B, C)</a:t>
+          <a:bodyPr>
+            <a:normAutofit/>
+          </a:bodyPr>
+          <a:lstStyle/>
+          <a:p>
+            <a:r>
+              <a:rPr lang="en-US" dirty="0"/>
+              <a:t>How TOR Works</a:t>
             </a:r>
           </a:p>
         </p:txBody>
@@ -20395,7 +20589,7 @@
           <p:cNvPr id="3" name="Content Placeholder 2">
             <a:extLst>
               <a:ext uri="{FF2B5EF4-FFF2-40B4-BE49-F238E27FC236}">
-                <a16:creationId xmlns:a16="http://schemas.microsoft.com/office/drawing/2014/main" id="{0C22AD4A-A1B3-B3F6-43DF-F070133D807C}"/>
+                <a16:creationId xmlns:a16="http://schemas.microsoft.com/office/drawing/2014/main" id="{A6F016AB-A1E6-4237-F9C4-E33F776D0941}"/>
               </a:ext>
             </a:extLst>
           </p:cNvPr>
@@ -20408,160 +20602,51 @@
         </p:nvSpPr>
         <p:spPr/>
         <p:txBody>
-          <a:bodyPr/>
-          <a:lstStyle/>
-          <a:p>
-            <a:r>
-              <a:rPr lang="en-US" dirty="0"/>
-              <a:t>The Alice and Bob characters were invented by Ron Rivest, Adi Shamir, and Leonard Adleman in their 1978 paper </a:t>
-            </a:r>
-            <a:r>
-              <a:rPr lang="en-US" i="1" dirty="0"/>
-              <a:t>A Method for Obtaining Digital Signatures and Public-key Cryptosystems</a:t>
-            </a:r>
-          </a:p>
-        </p:txBody>
-      </p:sp>
-      <p:sp>
-        <p:nvSpPr>
-          <p:cNvPr id="4" name="Date Placeholder 3">
-            <a:extLst>
-              <a:ext uri="{FF2B5EF4-FFF2-40B4-BE49-F238E27FC236}">
-                <a16:creationId xmlns:a16="http://schemas.microsoft.com/office/drawing/2014/main" id="{FBBAE5C1-AE70-0614-C5BC-9E302DF50588}"/>
-              </a:ext>
-            </a:extLst>
-          </p:cNvPr>
-          <p:cNvSpPr>
-            <a:spLocks noGrp="1"/>
-          </p:cNvSpPr>
-          <p:nvPr>
-            <p:ph type="dt" sz="half" idx="10"/>
-          </p:nvPr>
-        </p:nvSpPr>
-        <p:spPr>
-          <a:xfrm>
-            <a:off x="3304538" y="4731545"/>
-            <a:ext cx="876866" cy="364068"/>
-          </a:xfrm>
-          <a:prstGeom prst="rect">
-            <a:avLst/>
-          </a:prstGeom>
-        </p:spPr>
-        <p:txBody>
-          <a:bodyPr vert="horz" lIns="91440" tIns="45720" rIns="91440" bIns="45720" rtlCol="0" anchor="ctr"/>
-          <a:lstStyle>
-            <a:defPPr>
-              <a:defRPr lang="en-US"/>
-            </a:defPPr>
-            <a:lvl1pPr marL="0" algn="l" defTabSz="914400" rtl="0" eaLnBrk="1" latinLnBrk="0" hangingPunct="1">
-              <a:defRPr sz="1200" kern="1200">
-                <a:solidFill>
-                  <a:schemeClr val="tx1">
-                    <a:tint val="75000"/>
-                  </a:schemeClr>
-                </a:solidFill>
-                <a:latin typeface="+mn-lt"/>
-                <a:ea typeface="+mn-ea"/>
-                <a:cs typeface="+mn-cs"/>
-              </a:defRPr>
-            </a:lvl1pPr>
-            <a:lvl2pPr marL="457200" algn="l" defTabSz="914400" rtl="0" eaLnBrk="1" latinLnBrk="0" hangingPunct="1">
-              <a:defRPr sz="1800" kern="1200">
-                <a:solidFill>
-                  <a:schemeClr val="tx1"/>
-                </a:solidFill>
-                <a:latin typeface="+mn-lt"/>
-                <a:ea typeface="+mn-ea"/>
-                <a:cs typeface="+mn-cs"/>
-              </a:defRPr>
-            </a:lvl2pPr>
-            <a:lvl3pPr marL="914400" algn="l" defTabSz="914400" rtl="0" eaLnBrk="1" latinLnBrk="0" hangingPunct="1">
-              <a:defRPr sz="1800" kern="1200">
-                <a:solidFill>
-                  <a:schemeClr val="tx1"/>
-                </a:solidFill>
-                <a:latin typeface="+mn-lt"/>
-                <a:ea typeface="+mn-ea"/>
-                <a:cs typeface="+mn-cs"/>
-              </a:defRPr>
-            </a:lvl3pPr>
-            <a:lvl4pPr marL="1371600" algn="l" defTabSz="914400" rtl="0" eaLnBrk="1" latinLnBrk="0" hangingPunct="1">
-              <a:defRPr sz="1800" kern="1200">
-                <a:solidFill>
-                  <a:schemeClr val="tx1"/>
-                </a:solidFill>
-                <a:latin typeface="+mn-lt"/>
-                <a:ea typeface="+mn-ea"/>
-                <a:cs typeface="+mn-cs"/>
-              </a:defRPr>
-            </a:lvl4pPr>
-            <a:lvl5pPr marL="1828800" algn="l" defTabSz="914400" rtl="0" eaLnBrk="1" latinLnBrk="0" hangingPunct="1">
-              <a:defRPr sz="1800" kern="1200">
-                <a:solidFill>
-                  <a:schemeClr val="tx1"/>
-                </a:solidFill>
-                <a:latin typeface="+mn-lt"/>
-                <a:ea typeface="+mn-ea"/>
-                <a:cs typeface="+mn-cs"/>
-              </a:defRPr>
-            </a:lvl5pPr>
-            <a:lvl6pPr marL="2286000" algn="l" defTabSz="914400" rtl="0" eaLnBrk="1" latinLnBrk="0" hangingPunct="1">
-              <a:defRPr sz="1800" kern="1200">
-                <a:solidFill>
-                  <a:schemeClr val="tx1"/>
-                </a:solidFill>
-                <a:latin typeface="+mn-lt"/>
-                <a:ea typeface="+mn-ea"/>
-                <a:cs typeface="+mn-cs"/>
-              </a:defRPr>
-            </a:lvl6pPr>
-            <a:lvl7pPr marL="2743200" algn="l" defTabSz="914400" rtl="0" eaLnBrk="1" latinLnBrk="0" hangingPunct="1">
-              <a:defRPr sz="1800" kern="1200">
-                <a:solidFill>
-                  <a:schemeClr val="tx1"/>
-                </a:solidFill>
-                <a:latin typeface="+mn-lt"/>
-                <a:ea typeface="+mn-ea"/>
-                <a:cs typeface="+mn-cs"/>
-              </a:defRPr>
-            </a:lvl7pPr>
-            <a:lvl8pPr marL="3200400" algn="l" defTabSz="914400" rtl="0" eaLnBrk="1" latinLnBrk="0" hangingPunct="1">
-              <a:defRPr sz="1800" kern="1200">
-                <a:solidFill>
-                  <a:schemeClr val="tx1"/>
-                </a:solidFill>
-                <a:latin typeface="+mn-lt"/>
-                <a:ea typeface="+mn-ea"/>
-                <a:cs typeface="+mn-cs"/>
-              </a:defRPr>
-            </a:lvl8pPr>
-            <a:lvl9pPr marL="3657600" algn="l" defTabSz="914400" rtl="0" eaLnBrk="1" latinLnBrk="0" hangingPunct="1">
-              <a:defRPr sz="1800" kern="1200">
-                <a:solidFill>
-                  <a:schemeClr val="tx1"/>
-                </a:solidFill>
-                <a:latin typeface="+mn-lt"/>
-                <a:ea typeface="+mn-ea"/>
-                <a:cs typeface="+mn-cs"/>
-              </a:defRPr>
-            </a:lvl9pPr>
-          </a:lstStyle>
-          <a:p>
-            <a:fld id="{076C055C-C494-6642-84CA-3BAE009353A7}" type="datetime1">
-              <a:rPr lang="en-US" smtClean="0"/>
-              <a:pPr/>
-              <a:t>11/13/25</a:t>
-            </a:fld>
-            <a:endParaRPr lang="en-US"/>
-          </a:p>
-        </p:txBody>
-      </p:sp>
-      <p:sp>
-        <p:nvSpPr>
-          <p:cNvPr id="5" name="Footer Placeholder 4">
-            <a:extLst>
-              <a:ext uri="{FF2B5EF4-FFF2-40B4-BE49-F238E27FC236}">
-                <a16:creationId xmlns:a16="http://schemas.microsoft.com/office/drawing/2014/main" id="{133FD367-BE79-3DC5-F5DB-79727EE10973}"/>
+          <a:bodyPr>
+            <a:normAutofit lnSpcReduction="10000"/>
+          </a:bodyPr>
+          <a:lstStyle/>
+          <a:p>
+            <a:r>
+              <a:rPr lang="en-US" dirty="0"/>
+              <a:t>Packet has multiple layers of encrypted routing</a:t>
+            </a:r>
+          </a:p>
+          <a:p>
+            <a:pPr lvl="1"/>
+            <a:r>
+              <a:rPr lang="en-US" dirty="0"/>
+              <a:t>Each node decrypts one layer (like peeling an onion)</a:t>
+            </a:r>
+          </a:p>
+          <a:p>
+            <a:pPr lvl="1"/>
+            <a:r>
+              <a:rPr lang="en-US" dirty="0"/>
+              <a:t>Each node knows only previous and next router</a:t>
+            </a:r>
+          </a:p>
+          <a:p>
+            <a:pPr lvl="1"/>
+            <a:r>
+              <a:rPr lang="en-US" dirty="0"/>
+              <a:t>After two hops, origin/destination cannot be derived</a:t>
+            </a:r>
+          </a:p>
+          <a:p>
+            <a:r>
+              <a:rPr lang="en-US" dirty="0"/>
+              <a:t>Result: Effectively anonymous communication</a:t>
+            </a:r>
+          </a:p>
+        </p:txBody>
+      </p:sp>
+      <p:sp>
+        <p:nvSpPr>
+          <p:cNvPr id="4" name="Footer Placeholder 3">
+            <a:extLst>
+              <a:ext uri="{FF2B5EF4-FFF2-40B4-BE49-F238E27FC236}">
+                <a16:creationId xmlns:a16="http://schemas.microsoft.com/office/drawing/2014/main" id="{2B855154-5D11-4521-968A-284B3EB92ADB}"/>
               </a:ext>
             </a:extLst>
           </p:cNvPr>
@@ -20579,17 +20664,17 @@
           <a:p>
             <a:r>
               <a:rPr lang="en-US"/>
-              <a:t>© Steve Beaty and other as cited</a:t>
-            </a:r>
-          </a:p>
-        </p:txBody>
-      </p:sp>
-      <p:sp>
-        <p:nvSpPr>
-          <p:cNvPr id="6" name="Slide Number Placeholder 5">
-            <a:extLst>
-              <a:ext uri="{FF2B5EF4-FFF2-40B4-BE49-F238E27FC236}">
-                <a16:creationId xmlns:a16="http://schemas.microsoft.com/office/drawing/2014/main" id="{5345C52B-C78E-19B8-8BEA-FAFEF6C54457}"/>
+              <a:t>© Steve Beaty and others as cited</a:t>
+            </a:r>
+          </a:p>
+        </p:txBody>
+      </p:sp>
+      <p:sp>
+        <p:nvSpPr>
+          <p:cNvPr id="5" name="Slide Number Placeholder 4">
+            <a:extLst>
+              <a:ext uri="{FF2B5EF4-FFF2-40B4-BE49-F238E27FC236}">
+                <a16:creationId xmlns:a16="http://schemas.microsoft.com/office/drawing/2014/main" id="{14CED6E4-BDB1-9193-1F3E-67959DE6F379}"/>
               </a:ext>
             </a:extLst>
           </p:cNvPr>
@@ -20605,12 +20690,7 @@
           <a:bodyPr/>
           <a:lstStyle/>
           <a:p>
-            <a:pPr>
-              <a:defRPr>
-                <a:effectLst/>
-              </a:defRPr>
-            </a:pPr>
-            <a:fld id="{86CB4B4D-7CA3-9044-876B-883B54F8677D}" type="slidenum">
+            <a:fld id="{AFE08FFA-7F03-3A4E-B3F8-2C550F8B5FDD}" type="slidenum">
               <a:rPr lang="en-US" smtClean="0"/>
               <a:t>72</a:t>
             </a:fld>
@@ -20621,7 +20701,7 @@
     </p:spTree>
     <p:extLst>
       <p:ext uri="{BB962C8B-B14F-4D97-AF65-F5344CB8AC3E}">
-        <p14:creationId xmlns:p14="http://schemas.microsoft.com/office/powerpoint/2010/main" val="2485057264"/>
+        <p14:creationId xmlns:p14="http://schemas.microsoft.com/office/powerpoint/2010/main" val="564610168"/>
       </p:ext>
     </p:extLst>
   </p:cSld>
@@ -20665,6 +20745,304 @@
           <p:cNvPr id="2" name="Title 1">
             <a:extLst>
               <a:ext uri="{FF2B5EF4-FFF2-40B4-BE49-F238E27FC236}">
+                <a16:creationId xmlns:a16="http://schemas.microsoft.com/office/drawing/2014/main" id="{61684B2F-7639-9EA5-08D5-CE6A25DBCF44}"/>
+              </a:ext>
+            </a:extLst>
+          </p:cNvPr>
+          <p:cNvSpPr>
+            <a:spLocks noGrp="1"/>
+          </p:cNvSpPr>
+          <p:nvPr>
+            <p:ph type="title"/>
+          </p:nvPr>
+        </p:nvSpPr>
+        <p:spPr/>
+        <p:txBody>
+          <a:bodyPr/>
+          <a:lstStyle/>
+          <a:p>
+            <a:r>
+              <a:rPr lang="en-US" dirty="0"/>
+              <a:t>Alice, Bob, and Carol (A, B, C)</a:t>
+            </a:r>
+          </a:p>
+        </p:txBody>
+      </p:sp>
+      <p:sp>
+        <p:nvSpPr>
+          <p:cNvPr id="3" name="Content Placeholder 2">
+            <a:extLst>
+              <a:ext uri="{FF2B5EF4-FFF2-40B4-BE49-F238E27FC236}">
+                <a16:creationId xmlns:a16="http://schemas.microsoft.com/office/drawing/2014/main" id="{0C22AD4A-A1B3-B3F6-43DF-F070133D807C}"/>
+              </a:ext>
+            </a:extLst>
+          </p:cNvPr>
+          <p:cNvSpPr>
+            <a:spLocks noGrp="1"/>
+          </p:cNvSpPr>
+          <p:nvPr>
+            <p:ph idx="1"/>
+          </p:nvPr>
+        </p:nvSpPr>
+        <p:spPr/>
+        <p:txBody>
+          <a:bodyPr/>
+          <a:lstStyle/>
+          <a:p>
+            <a:r>
+              <a:rPr lang="en-US" dirty="0"/>
+              <a:t>The Alice and Bob characters were invented by Ron Rivest, Adi Shamir, and Leonard Adleman in their 1978 paper </a:t>
+            </a:r>
+            <a:r>
+              <a:rPr lang="en-US" i="1" dirty="0"/>
+              <a:t>A Method for Obtaining Digital Signatures and Public-key Cryptosystems</a:t>
+            </a:r>
+          </a:p>
+        </p:txBody>
+      </p:sp>
+      <p:sp>
+        <p:nvSpPr>
+          <p:cNvPr id="4" name="Date Placeholder 3">
+            <a:extLst>
+              <a:ext uri="{FF2B5EF4-FFF2-40B4-BE49-F238E27FC236}">
+                <a16:creationId xmlns:a16="http://schemas.microsoft.com/office/drawing/2014/main" id="{FBBAE5C1-AE70-0614-C5BC-9E302DF50588}"/>
+              </a:ext>
+            </a:extLst>
+          </p:cNvPr>
+          <p:cNvSpPr>
+            <a:spLocks noGrp="1"/>
+          </p:cNvSpPr>
+          <p:nvPr>
+            <p:ph type="dt" sz="half" idx="10"/>
+          </p:nvPr>
+        </p:nvSpPr>
+        <p:spPr>
+          <a:xfrm>
+            <a:off x="3304538" y="4731545"/>
+            <a:ext cx="876866" cy="364068"/>
+          </a:xfrm>
+          <a:prstGeom prst="rect">
+            <a:avLst/>
+          </a:prstGeom>
+        </p:spPr>
+        <p:txBody>
+          <a:bodyPr vert="horz" lIns="91440" tIns="45720" rIns="91440" bIns="45720" rtlCol="0" anchor="ctr"/>
+          <a:lstStyle>
+            <a:defPPr>
+              <a:defRPr lang="en-US"/>
+            </a:defPPr>
+            <a:lvl1pPr marL="0" algn="l" defTabSz="914400" rtl="0" eaLnBrk="1" latinLnBrk="0" hangingPunct="1">
+              <a:defRPr sz="1200" kern="1200">
+                <a:solidFill>
+                  <a:schemeClr val="tx1">
+                    <a:tint val="75000"/>
+                  </a:schemeClr>
+                </a:solidFill>
+                <a:latin typeface="+mn-lt"/>
+                <a:ea typeface="+mn-ea"/>
+                <a:cs typeface="+mn-cs"/>
+              </a:defRPr>
+            </a:lvl1pPr>
+            <a:lvl2pPr marL="457200" algn="l" defTabSz="914400" rtl="0" eaLnBrk="1" latinLnBrk="0" hangingPunct="1">
+              <a:defRPr sz="1800" kern="1200">
+                <a:solidFill>
+                  <a:schemeClr val="tx1"/>
+                </a:solidFill>
+                <a:latin typeface="+mn-lt"/>
+                <a:ea typeface="+mn-ea"/>
+                <a:cs typeface="+mn-cs"/>
+              </a:defRPr>
+            </a:lvl2pPr>
+            <a:lvl3pPr marL="914400" algn="l" defTabSz="914400" rtl="0" eaLnBrk="1" latinLnBrk="0" hangingPunct="1">
+              <a:defRPr sz="1800" kern="1200">
+                <a:solidFill>
+                  <a:schemeClr val="tx1"/>
+                </a:solidFill>
+                <a:latin typeface="+mn-lt"/>
+                <a:ea typeface="+mn-ea"/>
+                <a:cs typeface="+mn-cs"/>
+              </a:defRPr>
+            </a:lvl3pPr>
+            <a:lvl4pPr marL="1371600" algn="l" defTabSz="914400" rtl="0" eaLnBrk="1" latinLnBrk="0" hangingPunct="1">
+              <a:defRPr sz="1800" kern="1200">
+                <a:solidFill>
+                  <a:schemeClr val="tx1"/>
+                </a:solidFill>
+                <a:latin typeface="+mn-lt"/>
+                <a:ea typeface="+mn-ea"/>
+                <a:cs typeface="+mn-cs"/>
+              </a:defRPr>
+            </a:lvl4pPr>
+            <a:lvl5pPr marL="1828800" algn="l" defTabSz="914400" rtl="0" eaLnBrk="1" latinLnBrk="0" hangingPunct="1">
+              <a:defRPr sz="1800" kern="1200">
+                <a:solidFill>
+                  <a:schemeClr val="tx1"/>
+                </a:solidFill>
+                <a:latin typeface="+mn-lt"/>
+                <a:ea typeface="+mn-ea"/>
+                <a:cs typeface="+mn-cs"/>
+              </a:defRPr>
+            </a:lvl5pPr>
+            <a:lvl6pPr marL="2286000" algn="l" defTabSz="914400" rtl="0" eaLnBrk="1" latinLnBrk="0" hangingPunct="1">
+              <a:defRPr sz="1800" kern="1200">
+                <a:solidFill>
+                  <a:schemeClr val="tx1"/>
+                </a:solidFill>
+                <a:latin typeface="+mn-lt"/>
+                <a:ea typeface="+mn-ea"/>
+                <a:cs typeface="+mn-cs"/>
+              </a:defRPr>
+            </a:lvl6pPr>
+            <a:lvl7pPr marL="2743200" algn="l" defTabSz="914400" rtl="0" eaLnBrk="1" latinLnBrk="0" hangingPunct="1">
+              <a:defRPr sz="1800" kern="1200">
+                <a:solidFill>
+                  <a:schemeClr val="tx1"/>
+                </a:solidFill>
+                <a:latin typeface="+mn-lt"/>
+                <a:ea typeface="+mn-ea"/>
+                <a:cs typeface="+mn-cs"/>
+              </a:defRPr>
+            </a:lvl7pPr>
+            <a:lvl8pPr marL="3200400" algn="l" defTabSz="914400" rtl="0" eaLnBrk="1" latinLnBrk="0" hangingPunct="1">
+              <a:defRPr sz="1800" kern="1200">
+                <a:solidFill>
+                  <a:schemeClr val="tx1"/>
+                </a:solidFill>
+                <a:latin typeface="+mn-lt"/>
+                <a:ea typeface="+mn-ea"/>
+                <a:cs typeface="+mn-cs"/>
+              </a:defRPr>
+            </a:lvl8pPr>
+            <a:lvl9pPr marL="3657600" algn="l" defTabSz="914400" rtl="0" eaLnBrk="1" latinLnBrk="0" hangingPunct="1">
+              <a:defRPr sz="1800" kern="1200">
+                <a:solidFill>
+                  <a:schemeClr val="tx1"/>
+                </a:solidFill>
+                <a:latin typeface="+mn-lt"/>
+                <a:ea typeface="+mn-ea"/>
+                <a:cs typeface="+mn-cs"/>
+              </a:defRPr>
+            </a:lvl9pPr>
+          </a:lstStyle>
+          <a:p>
+            <a:fld id="{076C055C-C494-6642-84CA-3BAE009353A7}" type="datetime1">
+              <a:rPr lang="en-US" smtClean="0"/>
+              <a:pPr/>
+              <a:t>11/13/25</a:t>
+            </a:fld>
+            <a:endParaRPr lang="en-US"/>
+          </a:p>
+        </p:txBody>
+      </p:sp>
+      <p:sp>
+        <p:nvSpPr>
+          <p:cNvPr id="5" name="Footer Placeholder 4">
+            <a:extLst>
+              <a:ext uri="{FF2B5EF4-FFF2-40B4-BE49-F238E27FC236}">
+                <a16:creationId xmlns:a16="http://schemas.microsoft.com/office/drawing/2014/main" id="{133FD367-BE79-3DC5-F5DB-79727EE10973}"/>
+              </a:ext>
+            </a:extLst>
+          </p:cNvPr>
+          <p:cNvSpPr>
+            <a:spLocks noGrp="1"/>
+          </p:cNvSpPr>
+          <p:nvPr>
+            <p:ph type="ftr" sz="quarter" idx="11"/>
+          </p:nvPr>
+        </p:nvSpPr>
+        <p:spPr/>
+        <p:txBody>
+          <a:bodyPr/>
+          <a:lstStyle/>
+          <a:p>
+            <a:r>
+              <a:rPr lang="en-US"/>
+              <a:t>© Steve Beaty and other as cited</a:t>
+            </a:r>
+          </a:p>
+        </p:txBody>
+      </p:sp>
+      <p:sp>
+        <p:nvSpPr>
+          <p:cNvPr id="6" name="Slide Number Placeholder 5">
+            <a:extLst>
+              <a:ext uri="{FF2B5EF4-FFF2-40B4-BE49-F238E27FC236}">
+                <a16:creationId xmlns:a16="http://schemas.microsoft.com/office/drawing/2014/main" id="{5345C52B-C78E-19B8-8BEA-FAFEF6C54457}"/>
+              </a:ext>
+            </a:extLst>
+          </p:cNvPr>
+          <p:cNvSpPr>
+            <a:spLocks noGrp="1"/>
+          </p:cNvSpPr>
+          <p:nvPr>
+            <p:ph type="sldNum" sz="quarter" idx="12"/>
+          </p:nvPr>
+        </p:nvSpPr>
+        <p:spPr/>
+        <p:txBody>
+          <a:bodyPr/>
+          <a:lstStyle/>
+          <a:p>
+            <a:pPr>
+              <a:defRPr>
+                <a:effectLst/>
+              </a:defRPr>
+            </a:pPr>
+            <a:fld id="{86CB4B4D-7CA3-9044-876B-883B54F8677D}" type="slidenum">
+              <a:rPr lang="en-US" smtClean="0"/>
+              <a:t>73</a:t>
+            </a:fld>
+            <a:endParaRPr lang="en-US"/>
+          </a:p>
+        </p:txBody>
+      </p:sp>
+    </p:spTree>
+    <p:extLst>
+      <p:ext uri="{BB962C8B-B14F-4D97-AF65-F5344CB8AC3E}">
+        <p14:creationId xmlns:p14="http://schemas.microsoft.com/office/powerpoint/2010/main" val="2485057264"/>
+      </p:ext>
+    </p:extLst>
+  </p:cSld>
+  <p:clrMapOvr>
+    <a:masterClrMapping/>
+  </p:clrMapOvr>
+  <mc:AlternateContent xmlns:mc="http://schemas.openxmlformats.org/markup-compatibility/2006" xmlns:p14="http://schemas.microsoft.com/office/powerpoint/2010/main">
+    <mc:Choice Requires="p14">
+      <p:transition spd="slow" p14:dur="1200">
+        <p14:prism/>
+      </p:transition>
+    </mc:Choice>
+    <mc:Fallback xmlns="">
+      <p:transition xmlns:p14="http://schemas.microsoft.com/office/powerpoint/2010/main" spd="slow">
+        <p:fade/>
+      </p:transition>
+    </mc:Fallback>
+  </mc:AlternateContent>
+</p:sld>
+</file>
+
+<file path=ppt/slides/slide74.xml><?xml version="1.0" encoding="utf-8"?>
+<p:sld xmlns:a="http://schemas.openxmlformats.org/drawingml/2006/main" xmlns:r="http://schemas.openxmlformats.org/officeDocument/2006/relationships" xmlns:p="http://schemas.openxmlformats.org/presentationml/2006/main">
+  <p:cSld>
+    <p:spTree>
+      <p:nvGrpSpPr>
+        <p:cNvPr id="1" name=""/>
+        <p:cNvGrpSpPr/>
+        <p:nvPr/>
+      </p:nvGrpSpPr>
+      <p:grpSpPr>
+        <a:xfrm>
+          <a:off x="0" y="0"/>
+          <a:ext cx="0" cy="0"/>
+          <a:chOff x="0" y="0"/>
+          <a:chExt cx="0" cy="0"/>
+        </a:xfrm>
+      </p:grpSpPr>
+      <p:sp>
+        <p:nvSpPr>
+          <p:cNvPr id="2" name="Title 1">
+            <a:extLst>
+              <a:ext uri="{FF2B5EF4-FFF2-40B4-BE49-F238E27FC236}">
                 <a16:creationId xmlns:a16="http://schemas.microsoft.com/office/drawing/2014/main" id="{3356ECA6-3260-B926-8163-A4F4BA3DA548}"/>
               </a:ext>
             </a:extLst>
@@ -20950,7 +21328,7 @@
             </a:pPr>
             <a:fld id="{86CB4B4D-7CA3-9044-876B-883B54F8677D}" type="slidenum">
               <a:rPr lang="en-US" smtClean="0"/>
-              <a:t>73</a:t>
+              <a:t>74</a:t>
             </a:fld>
             <a:endParaRPr lang="en-US"/>
           </a:p>
@@ -20981,7 +21359,7 @@
 </p:sld>
 </file>
 
-<file path=ppt/slides/slide74.xml><?xml version="1.0" encoding="utf-8"?>
+<file path=ppt/slides/slide75.xml><?xml version="1.0" encoding="utf-8"?>
 <p:sld xmlns:a="http://schemas.openxmlformats.org/drawingml/2006/main" xmlns:r="http://schemas.openxmlformats.org/officeDocument/2006/relationships" xmlns:p="http://schemas.openxmlformats.org/presentationml/2006/main">
   <p:cSld>
     <p:spTree>
@@ -21113,7 +21491,7 @@
             </a:pPr>
             <a:fld id="{86CB4B4D-7CA3-9044-876B-883B54F8677D}" type="slidenum">
               <a:rPr lang="en-US" smtClean="0"/>
-              <a:t>74</a:t>
+              <a:t>75</a:t>
             </a:fld>
             <a:endParaRPr lang="en-US"/>
           </a:p>
@@ -21139,7 +21517,7 @@
 </p:sld>
 </file>
 
-<file path=ppt/slides/slide75.xml><?xml version="1.0" encoding="utf-8"?>
+<file path=ppt/slides/slide76.xml><?xml version="1.0" encoding="utf-8"?>
 <p:sld xmlns:a="http://schemas.openxmlformats.org/drawingml/2006/main" xmlns:r="http://schemas.openxmlformats.org/officeDocument/2006/relationships" xmlns:p="http://schemas.openxmlformats.org/presentationml/2006/main">
   <p:cSld>
     <p:spTree>
@@ -21271,7 +21649,7 @@
             </a:pPr>
             <a:fld id="{86CB4B4D-7CA3-9044-876B-883B54F8677D}" type="slidenum">
               <a:rPr lang="en-US" smtClean="0"/>
-              <a:t>75</a:t>
+              <a:t>76</a:t>
             </a:fld>
             <a:endParaRPr lang="en-US"/>
           </a:p>
@@ -21297,7 +21675,7 @@
 </p:sld>
 </file>
 
-<file path=ppt/slides/slide76.xml><?xml version="1.0" encoding="utf-8"?>
+<file path=ppt/slides/slide77.xml><?xml version="1.0" encoding="utf-8"?>
 <p:sld xmlns:a="http://schemas.openxmlformats.org/drawingml/2006/main" xmlns:r="http://schemas.openxmlformats.org/officeDocument/2006/relationships" xmlns:p="http://schemas.openxmlformats.org/presentationml/2006/main">
   <p:cSld>
     <p:spTree>
@@ -21429,7 +21807,7 @@
             </a:pPr>
             <a:fld id="{86CB4B4D-7CA3-9044-876B-883B54F8677D}" type="slidenum">
               <a:rPr lang="en-US" smtClean="0"/>
-              <a:t>76</a:t>
+              <a:t>77</a:t>
             </a:fld>
             <a:endParaRPr lang="en-US"/>
           </a:p>
@@ -21444,183 +21822,6 @@
     <mc:Choice Requires="p14">
       <p:transition spd="slow" p14:dur="1400">
         <p14:ripple/>
-      </p:transition>
-    </mc:Choice>
-    <mc:Fallback xmlns="">
-      <p:transition spd="slow">
-        <p:fade/>
-      </p:transition>
-    </mc:Fallback>
-  </mc:AlternateContent>
-</p:sld>
-</file>
-
-<file path=ppt/slides/slide77.xml><?xml version="1.0" encoding="utf-8"?>
-<p:sld xmlns:a="http://schemas.openxmlformats.org/drawingml/2006/main" xmlns:r="http://schemas.openxmlformats.org/officeDocument/2006/relationships" xmlns:p="http://schemas.openxmlformats.org/presentationml/2006/main">
-  <p:cSld>
-    <p:spTree>
-      <p:nvGrpSpPr>
-        <p:cNvPr id="1" name=""/>
-        <p:cNvGrpSpPr/>
-        <p:nvPr/>
-      </p:nvGrpSpPr>
-      <p:grpSpPr>
-        <a:xfrm>
-          <a:off x="0" y="0"/>
-          <a:ext cx="0" cy="0"/>
-          <a:chOff x="0" y="0"/>
-          <a:chExt cx="0" cy="0"/>
-        </a:xfrm>
-      </p:grpSpPr>
-      <p:pic>
-        <p:nvPicPr>
-          <p:cNvPr id="9" name="Graphic 8">
-            <a:extLst>
-              <a:ext uri="{FF2B5EF4-FFF2-40B4-BE49-F238E27FC236}">
-                <a16:creationId xmlns:a16="http://schemas.microsoft.com/office/drawing/2014/main" id="{814660F4-8893-C065-88B9-F1FD5B3393FF}"/>
-              </a:ext>
-            </a:extLst>
-          </p:cNvPr>
-          <p:cNvPicPr>
-            <a:picLocks noChangeAspect="1"/>
-          </p:cNvPicPr>
-          <p:nvPr/>
-        </p:nvPicPr>
-        <p:blipFill>
-          <a:blip r:embed="rId3">
-            <a:extLst>
-              <a:ext uri="{28A0092B-C50C-407E-A947-70E740481C1C}">
-                <a14:useLocalDpi xmlns:a14="http://schemas.microsoft.com/office/drawing/2010/main" val="0"/>
-              </a:ext>
-              <a:ext uri="{96DAC541-7B7A-43D3-8B79-37D633B846F1}">
-                <asvg:svgBlip xmlns:asvg="http://schemas.microsoft.com/office/drawing/2016/SVG/main" r:embed="rId4"/>
-              </a:ext>
-            </a:extLst>
-          </a:blip>
-          <a:stretch>
-            <a:fillRect/>
-          </a:stretch>
-        </p:blipFill>
-        <p:spPr>
-          <a:xfrm>
-            <a:off x="1762195" y="430305"/>
-            <a:ext cx="8667611" cy="5695859"/>
-          </a:xfrm>
-          <a:prstGeom prst="rect">
-            <a:avLst/>
-          </a:prstGeom>
-          <a:ln w="25400">
-            <a:solidFill>
-              <a:schemeClr val="tx1"/>
-            </a:solidFill>
-          </a:ln>
-        </p:spPr>
-      </p:pic>
-      <p:sp>
-        <p:nvSpPr>
-          <p:cNvPr id="10" name="Date Placeholder 9">
-            <a:extLst>
-              <a:ext uri="{FF2B5EF4-FFF2-40B4-BE49-F238E27FC236}">
-                <a16:creationId xmlns:a16="http://schemas.microsoft.com/office/drawing/2014/main" id="{2EDD33F9-5749-887E-A2A7-CB705CAED098}"/>
-              </a:ext>
-            </a:extLst>
-          </p:cNvPr>
-          <p:cNvSpPr>
-            <a:spLocks noGrp="1"/>
-          </p:cNvSpPr>
-          <p:nvPr>
-            <p:ph type="dt" sz="half" idx="10"/>
-          </p:nvPr>
-        </p:nvSpPr>
-        <p:spPr/>
-        <p:txBody>
-          <a:bodyPr/>
-          <a:lstStyle/>
-          <a:p>
-            <a:fld id="{450A3282-0631-9849-AC3C-180429F0BBC5}" type="datetime1">
-              <a:rPr lang="en-US" smtClean="0"/>
-              <a:t>11/13/25</a:t>
-            </a:fld>
-            <a:endParaRPr lang="en-US"/>
-          </a:p>
-        </p:txBody>
-      </p:sp>
-      <p:sp>
-        <p:nvSpPr>
-          <p:cNvPr id="11" name="Footer Placeholder 10">
-            <a:extLst>
-              <a:ext uri="{FF2B5EF4-FFF2-40B4-BE49-F238E27FC236}">
-                <a16:creationId xmlns:a16="http://schemas.microsoft.com/office/drawing/2014/main" id="{AADAD83D-5865-A98B-E408-BB40885BE79C}"/>
-              </a:ext>
-            </a:extLst>
-          </p:cNvPr>
-          <p:cNvSpPr>
-            <a:spLocks noGrp="1"/>
-          </p:cNvSpPr>
-          <p:nvPr>
-            <p:ph type="ftr" sz="quarter" idx="11"/>
-          </p:nvPr>
-        </p:nvSpPr>
-        <p:spPr/>
-        <p:txBody>
-          <a:bodyPr/>
-          <a:lstStyle/>
-          <a:p>
-            <a:r>
-              <a:rPr lang="en-US"/>
-              <a:t>© Steve Beaty and other as cited</a:t>
-            </a:r>
-          </a:p>
-        </p:txBody>
-      </p:sp>
-      <p:sp>
-        <p:nvSpPr>
-          <p:cNvPr id="12" name="Slide Number Placeholder 11">
-            <a:extLst>
-              <a:ext uri="{FF2B5EF4-FFF2-40B4-BE49-F238E27FC236}">
-                <a16:creationId xmlns:a16="http://schemas.microsoft.com/office/drawing/2014/main" id="{D1777687-7526-2261-5AA5-2F00E5BBA31A}"/>
-              </a:ext>
-            </a:extLst>
-          </p:cNvPr>
-          <p:cNvSpPr>
-            <a:spLocks noGrp="1"/>
-          </p:cNvSpPr>
-          <p:nvPr>
-            <p:ph type="sldNum" sz="quarter" idx="12"/>
-          </p:nvPr>
-        </p:nvSpPr>
-        <p:spPr/>
-        <p:txBody>
-          <a:bodyPr/>
-          <a:lstStyle/>
-          <a:p>
-            <a:pPr>
-              <a:defRPr>
-                <a:effectLst/>
-              </a:defRPr>
-            </a:pPr>
-            <a:fld id="{86CB4B4D-7CA3-9044-876B-883B54F8677D}" type="slidenum">
-              <a:rPr lang="en-US" smtClean="0"/>
-              <a:t>77</a:t>
-            </a:fld>
-            <a:endParaRPr lang="en-US"/>
-          </a:p>
-        </p:txBody>
-      </p:sp>
-    </p:spTree>
-    <p:extLst>
-      <p:ext uri="{BB962C8B-B14F-4D97-AF65-F5344CB8AC3E}">
-        <p14:creationId xmlns:p14="http://schemas.microsoft.com/office/powerpoint/2010/main" val="2217812566"/>
-      </p:ext>
-    </p:extLst>
-  </p:cSld>
-  <p:clrMapOvr>
-    <a:masterClrMapping/>
-  </p:clrMapOvr>
-  <mc:AlternateContent xmlns:mc="http://schemas.openxmlformats.org/markup-compatibility/2006" xmlns:p14="http://schemas.microsoft.com/office/powerpoint/2010/main">
-    <mc:Choice Requires="p14">
-      <p:transition spd="slow" p14:dur="1200">
-        <p14:prism/>
       </p:transition>
     </mc:Choice>
     <mc:Fallback xmlns="">
@@ -21649,187 +21850,73 @@
           <a:chExt cx="0" cy="0"/>
         </a:xfrm>
       </p:grpSpPr>
-      <p:sp>
-        <p:nvSpPr>
-          <p:cNvPr id="6" name="Title 5">
-            <a:extLst>
-              <a:ext uri="{FF2B5EF4-FFF2-40B4-BE49-F238E27FC236}">
-                <a16:creationId xmlns:a16="http://schemas.microsoft.com/office/drawing/2014/main" id="{32A23EA8-1F8C-774C-9BA1-8A5104998220}"/>
-              </a:ext>
-            </a:extLst>
-          </p:cNvPr>
-          <p:cNvSpPr>
-            <a:spLocks noGrp="1"/>
-          </p:cNvSpPr>
-          <p:nvPr>
-            <p:ph type="title"/>
-          </p:nvPr>
-        </p:nvSpPr>
-        <p:spPr/>
-        <p:txBody>
-          <a:bodyPr/>
-          <a:lstStyle/>
-          <a:p>
-            <a:r>
-              <a:rPr lang="en-US" dirty="0"/>
-              <a:t>Opaque Envelopes</a:t>
-            </a:r>
-          </a:p>
-        </p:txBody>
-      </p:sp>
-      <p:sp>
-        <p:nvSpPr>
-          <p:cNvPr id="7" name="Content Placeholder 6">
-            <a:extLst>
-              <a:ext uri="{FF2B5EF4-FFF2-40B4-BE49-F238E27FC236}">
-                <a16:creationId xmlns:a16="http://schemas.microsoft.com/office/drawing/2014/main" id="{1883ED6C-A761-AE4F-193A-20B5B727D58E}"/>
-              </a:ext>
-            </a:extLst>
-          </p:cNvPr>
-          <p:cNvSpPr>
-            <a:spLocks noGrp="1"/>
-          </p:cNvSpPr>
-          <p:nvPr>
-            <p:ph idx="1"/>
-          </p:nvPr>
-        </p:nvSpPr>
-        <p:spPr/>
-        <p:txBody>
-          <a:bodyPr/>
-          <a:lstStyle/>
-          <a:p>
-            <a:endParaRPr lang="en-US"/>
-          </a:p>
-        </p:txBody>
-      </p:sp>
-      <p:sp>
-        <p:nvSpPr>
-          <p:cNvPr id="3" name="Date Placeholder 2">
-            <a:extLst>
-              <a:ext uri="{FF2B5EF4-FFF2-40B4-BE49-F238E27FC236}">
-                <a16:creationId xmlns:a16="http://schemas.microsoft.com/office/drawing/2014/main" id="{7E605EEA-71A4-16C6-865F-09C912D9189A}"/>
-              </a:ext>
-            </a:extLst>
-          </p:cNvPr>
-          <p:cNvSpPr>
-            <a:spLocks noGrp="1"/>
-          </p:cNvSpPr>
-          <p:nvPr>
-            <p:ph type="dt" sz="half" idx="10"/>
-          </p:nvPr>
-        </p:nvSpPr>
+      <p:pic>
+        <p:nvPicPr>
+          <p:cNvPr id="9" name="Graphic 8">
+            <a:extLst>
+              <a:ext uri="{FF2B5EF4-FFF2-40B4-BE49-F238E27FC236}">
+                <a16:creationId xmlns:a16="http://schemas.microsoft.com/office/drawing/2014/main" id="{814660F4-8893-C065-88B9-F1FD5B3393FF}"/>
+              </a:ext>
+            </a:extLst>
+          </p:cNvPr>
+          <p:cNvPicPr>
+            <a:picLocks noChangeAspect="1"/>
+          </p:cNvPicPr>
+          <p:nvPr/>
+        </p:nvPicPr>
+        <p:blipFill>
+          <a:blip r:embed="rId3">
+            <a:extLst>
+              <a:ext uri="{28A0092B-C50C-407E-A947-70E740481C1C}">
+                <a14:useLocalDpi xmlns:a14="http://schemas.microsoft.com/office/drawing/2010/main" val="0"/>
+              </a:ext>
+              <a:ext uri="{96DAC541-7B7A-43D3-8B79-37D633B846F1}">
+                <asvg:svgBlip xmlns:asvg="http://schemas.microsoft.com/office/drawing/2016/SVG/main" r:embed="rId4"/>
+              </a:ext>
+            </a:extLst>
+          </a:blip>
+          <a:stretch>
+            <a:fillRect/>
+          </a:stretch>
+        </p:blipFill>
         <p:spPr>
           <a:xfrm>
-            <a:off x="3304538" y="4731545"/>
-            <a:ext cx="876866" cy="364068"/>
+            <a:off x="1762195" y="430305"/>
+            <a:ext cx="8667611" cy="5695859"/>
           </a:xfrm>
           <a:prstGeom prst="rect">
             <a:avLst/>
           </a:prstGeom>
+          <a:ln w="25400">
+            <a:solidFill>
+              <a:schemeClr val="tx1"/>
+            </a:solidFill>
+          </a:ln>
         </p:spPr>
-        <p:txBody>
-          <a:bodyPr vert="horz" lIns="91440" tIns="45720" rIns="91440" bIns="45720" rtlCol="0" anchor="ctr"/>
-          <a:lstStyle>
-            <a:defPPr>
-              <a:defRPr lang="en-US"/>
-            </a:defPPr>
-            <a:lvl1pPr marL="0" algn="l" defTabSz="914400" rtl="0" eaLnBrk="1" latinLnBrk="0" hangingPunct="1">
-              <a:defRPr sz="1200" kern="1200">
-                <a:solidFill>
-                  <a:schemeClr val="tx1">
-                    <a:tint val="75000"/>
-                  </a:schemeClr>
-                </a:solidFill>
-                <a:latin typeface="+mn-lt"/>
-                <a:ea typeface="+mn-ea"/>
-                <a:cs typeface="+mn-cs"/>
-              </a:defRPr>
-            </a:lvl1pPr>
-            <a:lvl2pPr marL="457200" algn="l" defTabSz="914400" rtl="0" eaLnBrk="1" latinLnBrk="0" hangingPunct="1">
-              <a:defRPr sz="1800" kern="1200">
-                <a:solidFill>
-                  <a:schemeClr val="tx1"/>
-                </a:solidFill>
-                <a:latin typeface="+mn-lt"/>
-                <a:ea typeface="+mn-ea"/>
-                <a:cs typeface="+mn-cs"/>
-              </a:defRPr>
-            </a:lvl2pPr>
-            <a:lvl3pPr marL="914400" algn="l" defTabSz="914400" rtl="0" eaLnBrk="1" latinLnBrk="0" hangingPunct="1">
-              <a:defRPr sz="1800" kern="1200">
-                <a:solidFill>
-                  <a:schemeClr val="tx1"/>
-                </a:solidFill>
-                <a:latin typeface="+mn-lt"/>
-                <a:ea typeface="+mn-ea"/>
-                <a:cs typeface="+mn-cs"/>
-              </a:defRPr>
-            </a:lvl3pPr>
-            <a:lvl4pPr marL="1371600" algn="l" defTabSz="914400" rtl="0" eaLnBrk="1" latinLnBrk="0" hangingPunct="1">
-              <a:defRPr sz="1800" kern="1200">
-                <a:solidFill>
-                  <a:schemeClr val="tx1"/>
-                </a:solidFill>
-                <a:latin typeface="+mn-lt"/>
-                <a:ea typeface="+mn-ea"/>
-                <a:cs typeface="+mn-cs"/>
-              </a:defRPr>
-            </a:lvl4pPr>
-            <a:lvl5pPr marL="1828800" algn="l" defTabSz="914400" rtl="0" eaLnBrk="1" latinLnBrk="0" hangingPunct="1">
-              <a:defRPr sz="1800" kern="1200">
-                <a:solidFill>
-                  <a:schemeClr val="tx1"/>
-                </a:solidFill>
-                <a:latin typeface="+mn-lt"/>
-                <a:ea typeface="+mn-ea"/>
-                <a:cs typeface="+mn-cs"/>
-              </a:defRPr>
-            </a:lvl5pPr>
-            <a:lvl6pPr marL="2286000" algn="l" defTabSz="914400" rtl="0" eaLnBrk="1" latinLnBrk="0" hangingPunct="1">
-              <a:defRPr sz="1800" kern="1200">
-                <a:solidFill>
-                  <a:schemeClr val="tx1"/>
-                </a:solidFill>
-                <a:latin typeface="+mn-lt"/>
-                <a:ea typeface="+mn-ea"/>
-                <a:cs typeface="+mn-cs"/>
-              </a:defRPr>
-            </a:lvl6pPr>
-            <a:lvl7pPr marL="2743200" algn="l" defTabSz="914400" rtl="0" eaLnBrk="1" latinLnBrk="0" hangingPunct="1">
-              <a:defRPr sz="1800" kern="1200">
-                <a:solidFill>
-                  <a:schemeClr val="tx1"/>
-                </a:solidFill>
-                <a:latin typeface="+mn-lt"/>
-                <a:ea typeface="+mn-ea"/>
-                <a:cs typeface="+mn-cs"/>
-              </a:defRPr>
-            </a:lvl7pPr>
-            <a:lvl8pPr marL="3200400" algn="l" defTabSz="914400" rtl="0" eaLnBrk="1" latinLnBrk="0" hangingPunct="1">
-              <a:defRPr sz="1800" kern="1200">
-                <a:solidFill>
-                  <a:schemeClr val="tx1"/>
-                </a:solidFill>
-                <a:latin typeface="+mn-lt"/>
-                <a:ea typeface="+mn-ea"/>
-                <a:cs typeface="+mn-cs"/>
-              </a:defRPr>
-            </a:lvl8pPr>
-            <a:lvl9pPr marL="3657600" algn="l" defTabSz="914400" rtl="0" eaLnBrk="1" latinLnBrk="0" hangingPunct="1">
-              <a:defRPr sz="1800" kern="1200">
-                <a:solidFill>
-                  <a:schemeClr val="tx1"/>
-                </a:solidFill>
-                <a:latin typeface="+mn-lt"/>
-                <a:ea typeface="+mn-ea"/>
-                <a:cs typeface="+mn-cs"/>
-              </a:defRPr>
-            </a:lvl9pPr>
-          </a:lstStyle>
-          <a:p>
-            <a:fld id="{076C055C-C494-6642-84CA-3BAE009353A7}" type="datetime1">
+      </p:pic>
+      <p:sp>
+        <p:nvSpPr>
+          <p:cNvPr id="10" name="Date Placeholder 9">
+            <a:extLst>
+              <a:ext uri="{FF2B5EF4-FFF2-40B4-BE49-F238E27FC236}">
+                <a16:creationId xmlns:a16="http://schemas.microsoft.com/office/drawing/2014/main" id="{2EDD33F9-5749-887E-A2A7-CB705CAED098}"/>
+              </a:ext>
+            </a:extLst>
+          </p:cNvPr>
+          <p:cNvSpPr>
+            <a:spLocks noGrp="1"/>
+          </p:cNvSpPr>
+          <p:nvPr>
+            <p:ph type="dt" sz="half" idx="10"/>
+          </p:nvPr>
+        </p:nvSpPr>
+        <p:spPr/>
+        <p:txBody>
+          <a:bodyPr/>
+          <a:lstStyle/>
+          <a:p>
+            <a:fld id="{450A3282-0631-9849-AC3C-180429F0BBC5}" type="datetime1">
               <a:rPr lang="en-US" smtClean="0"/>
-              <a:pPr/>
               <a:t>11/13/25</a:t>
             </a:fld>
             <a:endParaRPr lang="en-US"/>
@@ -21838,10 +21925,10 @@
       </p:sp>
       <p:sp>
         <p:nvSpPr>
-          <p:cNvPr id="4" name="Footer Placeholder 3">
-            <a:extLst>
-              <a:ext uri="{FF2B5EF4-FFF2-40B4-BE49-F238E27FC236}">
-                <a16:creationId xmlns:a16="http://schemas.microsoft.com/office/drawing/2014/main" id="{207F95C9-1C4E-8037-AB46-17B6CD880481}"/>
+          <p:cNvPr id="11" name="Footer Placeholder 10">
+            <a:extLst>
+              <a:ext uri="{FF2B5EF4-FFF2-40B4-BE49-F238E27FC236}">
+                <a16:creationId xmlns:a16="http://schemas.microsoft.com/office/drawing/2014/main" id="{AADAD83D-5865-A98B-E408-BB40885BE79C}"/>
               </a:ext>
             </a:extLst>
           </p:cNvPr>
@@ -21866,10 +21953,10 @@
       </p:sp>
       <p:sp>
         <p:nvSpPr>
-          <p:cNvPr id="5" name="Slide Number Placeholder 4">
-            <a:extLst>
-              <a:ext uri="{FF2B5EF4-FFF2-40B4-BE49-F238E27FC236}">
-                <a16:creationId xmlns:a16="http://schemas.microsoft.com/office/drawing/2014/main" id="{908E4344-5CB9-F3D3-3E2A-86942B8D6C04}"/>
+          <p:cNvPr id="12" name="Slide Number Placeholder 11">
+            <a:extLst>
+              <a:ext uri="{FF2B5EF4-FFF2-40B4-BE49-F238E27FC236}">
+                <a16:creationId xmlns:a16="http://schemas.microsoft.com/office/drawing/2014/main" id="{D1777687-7526-2261-5AA5-2F00E5BBA31A}"/>
               </a:ext>
             </a:extLst>
           </p:cNvPr>
@@ -21898,464 +21985,10 @@
           </a:p>
         </p:txBody>
       </p:sp>
-      <p:sp>
-        <p:nvSpPr>
-          <p:cNvPr id="8" name="Rectangle 7">
-            <a:extLst>
-              <a:ext uri="{FF2B5EF4-FFF2-40B4-BE49-F238E27FC236}">
-                <a16:creationId xmlns:a16="http://schemas.microsoft.com/office/drawing/2014/main" id="{00601EBF-5765-AEF5-1D33-54B5B325C3F4}"/>
-              </a:ext>
-            </a:extLst>
-          </p:cNvPr>
-          <p:cNvSpPr/>
-          <p:nvPr/>
-        </p:nvSpPr>
-        <p:spPr>
-          <a:xfrm>
-            <a:off x="1227172" y="3135552"/>
-            <a:ext cx="2724304" cy="1455261"/>
-          </a:xfrm>
-          <a:prstGeom prst="rect">
-            <a:avLst/>
-          </a:prstGeom>
-        </p:spPr>
-        <p:style>
-          <a:lnRef idx="1">
-            <a:schemeClr val="accent1"/>
-          </a:lnRef>
-          <a:fillRef idx="3">
-            <a:schemeClr val="accent1"/>
-          </a:fillRef>
-          <a:effectRef idx="2">
-            <a:schemeClr val="accent1"/>
-          </a:effectRef>
-          <a:fontRef idx="minor">
-            <a:schemeClr val="lt1"/>
-          </a:fontRef>
-        </p:style>
-        <p:txBody>
-          <a:bodyPr rtlCol="0" anchor="ctr"/>
-          <a:lstStyle/>
-          <a:p>
-            <a:r>
-              <a:rPr lang="en-US" sz="2400" dirty="0"/>
-              <a:t>From: A</a:t>
-            </a:r>
-          </a:p>
-          <a:p>
-            <a:r>
-              <a:rPr lang="en-US" sz="2400" dirty="0"/>
-              <a:t>	To: B</a:t>
-            </a:r>
-          </a:p>
-        </p:txBody>
-      </p:sp>
-      <p:sp>
-        <p:nvSpPr>
-          <p:cNvPr id="9" name="Rectangle 8">
-            <a:extLst>
-              <a:ext uri="{FF2B5EF4-FFF2-40B4-BE49-F238E27FC236}">
-                <a16:creationId xmlns:a16="http://schemas.microsoft.com/office/drawing/2014/main" id="{1834DAF8-4C36-6265-EB2C-48C9914D3A24}"/>
-              </a:ext>
-            </a:extLst>
-          </p:cNvPr>
-          <p:cNvSpPr/>
-          <p:nvPr/>
-        </p:nvSpPr>
-        <p:spPr>
-          <a:xfrm>
-            <a:off x="4733848" y="3135552"/>
-            <a:ext cx="2724304" cy="1455261"/>
-          </a:xfrm>
-          <a:prstGeom prst="rect">
-            <a:avLst/>
-          </a:prstGeom>
-        </p:spPr>
-        <p:style>
-          <a:lnRef idx="1">
-            <a:schemeClr val="accent1"/>
-          </a:lnRef>
-          <a:fillRef idx="3">
-            <a:schemeClr val="accent1"/>
-          </a:fillRef>
-          <a:effectRef idx="2">
-            <a:schemeClr val="accent1"/>
-          </a:effectRef>
-          <a:fontRef idx="minor">
-            <a:schemeClr val="lt1"/>
-          </a:fontRef>
-        </p:style>
-        <p:txBody>
-          <a:bodyPr rtlCol="0" anchor="ctr"/>
-          <a:lstStyle/>
-          <a:p>
-            <a:r>
-              <a:rPr lang="en-US" sz="2400" dirty="0"/>
-              <a:t>From: B</a:t>
-            </a:r>
-          </a:p>
-          <a:p>
-            <a:r>
-              <a:rPr lang="en-US" sz="2400" dirty="0"/>
-              <a:t>	To: C</a:t>
-            </a:r>
-          </a:p>
-        </p:txBody>
-      </p:sp>
-      <p:sp>
-        <p:nvSpPr>
-          <p:cNvPr id="10" name="Rectangle 9">
-            <a:extLst>
-              <a:ext uri="{FF2B5EF4-FFF2-40B4-BE49-F238E27FC236}">
-                <a16:creationId xmlns:a16="http://schemas.microsoft.com/office/drawing/2014/main" id="{0C50F4F2-7F79-27EA-B3D8-51ED9BAE4C9C}"/>
-              </a:ext>
-            </a:extLst>
-          </p:cNvPr>
-          <p:cNvSpPr/>
-          <p:nvPr/>
-        </p:nvSpPr>
-        <p:spPr>
-          <a:xfrm>
-            <a:off x="8240524" y="3135552"/>
-            <a:ext cx="2724304" cy="1455261"/>
-          </a:xfrm>
-          <a:prstGeom prst="rect">
-            <a:avLst/>
-          </a:prstGeom>
-        </p:spPr>
-        <p:style>
-          <a:lnRef idx="1">
-            <a:schemeClr val="accent1"/>
-          </a:lnRef>
-          <a:fillRef idx="3">
-            <a:schemeClr val="accent1"/>
-          </a:fillRef>
-          <a:effectRef idx="2">
-            <a:schemeClr val="accent1"/>
-          </a:effectRef>
-          <a:fontRef idx="minor">
-            <a:schemeClr val="lt1"/>
-          </a:fontRef>
-        </p:style>
-        <p:txBody>
-          <a:bodyPr rtlCol="0" anchor="ctr"/>
-          <a:lstStyle/>
-          <a:p>
-            <a:r>
-              <a:rPr lang="en-US" sz="2400" dirty="0"/>
-              <a:t>From: C</a:t>
-            </a:r>
-          </a:p>
-          <a:p>
-            <a:r>
-              <a:rPr lang="en-US" sz="2400" dirty="0"/>
-              <a:t>	To: D</a:t>
-            </a:r>
-          </a:p>
-        </p:txBody>
-      </p:sp>
-      <p:sp>
-        <p:nvSpPr>
-          <p:cNvPr id="11" name="Rounded Rectangle 10">
-            <a:extLst>
-              <a:ext uri="{FF2B5EF4-FFF2-40B4-BE49-F238E27FC236}">
-                <a16:creationId xmlns:a16="http://schemas.microsoft.com/office/drawing/2014/main" id="{7E8A277F-3CD0-5173-7DE8-50BD4E84AA5E}"/>
-              </a:ext>
-            </a:extLst>
-          </p:cNvPr>
-          <p:cNvSpPr/>
-          <p:nvPr/>
-        </p:nvSpPr>
-        <p:spPr>
-          <a:xfrm>
-            <a:off x="1784193" y="1631255"/>
-            <a:ext cx="1610263" cy="1108117"/>
-          </a:xfrm>
-          <a:prstGeom prst="roundRect">
-            <a:avLst/>
-          </a:prstGeom>
-        </p:spPr>
-        <p:style>
-          <a:lnRef idx="1">
-            <a:schemeClr val="accent1"/>
-          </a:lnRef>
-          <a:fillRef idx="3">
-            <a:schemeClr val="accent1"/>
-          </a:fillRef>
-          <a:effectRef idx="2">
-            <a:schemeClr val="accent1"/>
-          </a:effectRef>
-          <a:fontRef idx="minor">
-            <a:schemeClr val="lt1"/>
-          </a:fontRef>
-        </p:style>
-        <p:txBody>
-          <a:bodyPr rtlCol="0" anchor="ctr"/>
-          <a:lstStyle/>
-          <a:p>
-            <a:pPr algn="ctr"/>
-            <a:r>
-              <a:rPr lang="en-US" sz="2400" dirty="0"/>
-              <a:t>A’s</a:t>
-            </a:r>
-          </a:p>
-          <a:p>
-            <a:pPr algn="ctr"/>
-            <a:r>
-              <a:rPr lang="en-US" sz="2400" dirty="0"/>
-              <a:t>Encrypted</a:t>
-            </a:r>
-          </a:p>
-          <a:p>
-            <a:pPr algn="ctr"/>
-            <a:r>
-              <a:rPr lang="en-US" sz="2400" dirty="0"/>
-              <a:t>Message</a:t>
-            </a:r>
-          </a:p>
-        </p:txBody>
-      </p:sp>
-      <p:sp>
-        <p:nvSpPr>
-          <p:cNvPr id="12" name="Right Arrow 11">
-            <a:extLst>
-              <a:ext uri="{FF2B5EF4-FFF2-40B4-BE49-F238E27FC236}">
-                <a16:creationId xmlns:a16="http://schemas.microsoft.com/office/drawing/2014/main" id="{600AB7FD-650E-EAB7-23EF-8879331C8874}"/>
-              </a:ext>
-            </a:extLst>
-          </p:cNvPr>
-          <p:cNvSpPr/>
-          <p:nvPr/>
-        </p:nvSpPr>
-        <p:spPr>
-          <a:xfrm>
-            <a:off x="3951477" y="3600092"/>
-            <a:ext cx="748695" cy="527945"/>
-          </a:xfrm>
-          <a:prstGeom prst="rightArrow">
-            <a:avLst/>
-          </a:prstGeom>
-        </p:spPr>
-        <p:style>
-          <a:lnRef idx="1">
-            <a:schemeClr val="accent1"/>
-          </a:lnRef>
-          <a:fillRef idx="3">
-            <a:schemeClr val="accent1"/>
-          </a:fillRef>
-          <a:effectRef idx="2">
-            <a:schemeClr val="accent1"/>
-          </a:effectRef>
-          <a:fontRef idx="minor">
-            <a:schemeClr val="lt1"/>
-          </a:fontRef>
-        </p:style>
-        <p:txBody>
-          <a:bodyPr rtlCol="0" anchor="ctr"/>
-          <a:lstStyle/>
-          <a:p>
-            <a:pPr algn="ctr"/>
-            <a:endParaRPr lang="en-US" sz="2400"/>
-          </a:p>
-        </p:txBody>
-      </p:sp>
-      <p:sp>
-        <p:nvSpPr>
-          <p:cNvPr id="13" name="Right Arrow 12">
-            <a:extLst>
-              <a:ext uri="{FF2B5EF4-FFF2-40B4-BE49-F238E27FC236}">
-                <a16:creationId xmlns:a16="http://schemas.microsoft.com/office/drawing/2014/main" id="{21FF8AA3-DA5C-41B1-B524-A5F6053EAFE9}"/>
-              </a:ext>
-            </a:extLst>
-          </p:cNvPr>
-          <p:cNvSpPr/>
-          <p:nvPr/>
-        </p:nvSpPr>
-        <p:spPr>
-          <a:xfrm>
-            <a:off x="7424476" y="3600092"/>
-            <a:ext cx="816049" cy="527945"/>
-          </a:xfrm>
-          <a:prstGeom prst="rightArrow">
-            <a:avLst/>
-          </a:prstGeom>
-        </p:spPr>
-        <p:style>
-          <a:lnRef idx="1">
-            <a:schemeClr val="accent1"/>
-          </a:lnRef>
-          <a:fillRef idx="3">
-            <a:schemeClr val="accent1"/>
-          </a:fillRef>
-          <a:effectRef idx="2">
-            <a:schemeClr val="accent1"/>
-          </a:effectRef>
-          <a:fontRef idx="minor">
-            <a:schemeClr val="lt1"/>
-          </a:fontRef>
-        </p:style>
-        <p:txBody>
-          <a:bodyPr rtlCol="0" anchor="ctr"/>
-          <a:lstStyle/>
-          <a:p>
-            <a:pPr algn="ctr"/>
-            <a:endParaRPr lang="en-US" sz="2400" dirty="0"/>
-          </a:p>
-        </p:txBody>
-      </p:sp>
-      <p:sp>
-        <p:nvSpPr>
-          <p:cNvPr id="14" name="Down Arrow 13">
-            <a:extLst>
-              <a:ext uri="{FF2B5EF4-FFF2-40B4-BE49-F238E27FC236}">
-                <a16:creationId xmlns:a16="http://schemas.microsoft.com/office/drawing/2014/main" id="{031E740A-4CC8-DE74-87A1-D837882C5ABC}"/>
-              </a:ext>
-            </a:extLst>
-          </p:cNvPr>
-          <p:cNvSpPr/>
-          <p:nvPr/>
-        </p:nvSpPr>
-        <p:spPr>
-          <a:xfrm>
-            <a:off x="2347783" y="2771955"/>
-            <a:ext cx="483080" cy="363597"/>
-          </a:xfrm>
-          <a:prstGeom prst="downArrow">
-            <a:avLst/>
-          </a:prstGeom>
-        </p:spPr>
-        <p:style>
-          <a:lnRef idx="1">
-            <a:schemeClr val="accent1"/>
-          </a:lnRef>
-          <a:fillRef idx="3">
-            <a:schemeClr val="accent1"/>
-          </a:fillRef>
-          <a:effectRef idx="2">
-            <a:schemeClr val="accent1"/>
-          </a:effectRef>
-          <a:fontRef idx="minor">
-            <a:schemeClr val="lt1"/>
-          </a:fontRef>
-        </p:style>
-        <p:txBody>
-          <a:bodyPr rtlCol="0" anchor="ctr"/>
-          <a:lstStyle/>
-          <a:p>
-            <a:pPr algn="ctr"/>
-            <a:endParaRPr lang="en-US" sz="2400"/>
-          </a:p>
-        </p:txBody>
-      </p:sp>
-      <p:sp>
-        <p:nvSpPr>
-          <p:cNvPr id="15" name="Down Arrow 14">
-            <a:extLst>
-              <a:ext uri="{FF2B5EF4-FFF2-40B4-BE49-F238E27FC236}">
-                <a16:creationId xmlns:a16="http://schemas.microsoft.com/office/drawing/2014/main" id="{7A4828B4-8701-FD9B-6777-A8D5C46E48ED}"/>
-              </a:ext>
-            </a:extLst>
-          </p:cNvPr>
-          <p:cNvSpPr/>
-          <p:nvPr/>
-        </p:nvSpPr>
-        <p:spPr>
-          <a:xfrm>
-            <a:off x="9361136" y="4599775"/>
-            <a:ext cx="483080" cy="363597"/>
-          </a:xfrm>
-          <a:prstGeom prst="downArrow">
-            <a:avLst/>
-          </a:prstGeom>
-        </p:spPr>
-        <p:style>
-          <a:lnRef idx="1">
-            <a:schemeClr val="accent1"/>
-          </a:lnRef>
-          <a:fillRef idx="3">
-            <a:schemeClr val="accent1"/>
-          </a:fillRef>
-          <a:effectRef idx="2">
-            <a:schemeClr val="accent1"/>
-          </a:effectRef>
-          <a:fontRef idx="minor">
-            <a:schemeClr val="lt1"/>
-          </a:fontRef>
-        </p:style>
-        <p:txBody>
-          <a:bodyPr rtlCol="0" anchor="ctr"/>
-          <a:lstStyle/>
-          <a:p>
-            <a:pPr algn="ctr"/>
-            <a:endParaRPr lang="en-US" sz="2400"/>
-          </a:p>
-        </p:txBody>
-      </p:sp>
-      <p:sp>
-        <p:nvSpPr>
-          <p:cNvPr id="17" name="Rounded Rectangle 16">
-            <a:extLst>
-              <a:ext uri="{FF2B5EF4-FFF2-40B4-BE49-F238E27FC236}">
-                <a16:creationId xmlns:a16="http://schemas.microsoft.com/office/drawing/2014/main" id="{C287CF75-6CC0-6376-52AF-95075896A2C7}"/>
-              </a:ext>
-            </a:extLst>
-          </p:cNvPr>
-          <p:cNvSpPr/>
-          <p:nvPr/>
-        </p:nvSpPr>
-        <p:spPr>
-          <a:xfrm>
-            <a:off x="8797545" y="4963372"/>
-            <a:ext cx="1610263" cy="1108117"/>
-          </a:xfrm>
-          <a:prstGeom prst="roundRect">
-            <a:avLst/>
-          </a:prstGeom>
-        </p:spPr>
-        <p:style>
-          <a:lnRef idx="1">
-            <a:schemeClr val="accent1"/>
-          </a:lnRef>
-          <a:fillRef idx="3">
-            <a:schemeClr val="accent1"/>
-          </a:fillRef>
-          <a:effectRef idx="2">
-            <a:schemeClr val="accent1"/>
-          </a:effectRef>
-          <a:fontRef idx="minor">
-            <a:schemeClr val="lt1"/>
-          </a:fontRef>
-        </p:style>
-        <p:txBody>
-          <a:bodyPr rtlCol="0" anchor="ctr"/>
-          <a:lstStyle/>
-          <a:p>
-            <a:pPr algn="ctr"/>
-            <a:r>
-              <a:rPr lang="en-US" sz="2400" dirty="0"/>
-              <a:t>A’s</a:t>
-            </a:r>
-          </a:p>
-          <a:p>
-            <a:pPr algn="ctr"/>
-            <a:r>
-              <a:rPr lang="en-US" sz="2400" dirty="0"/>
-              <a:t>Encrypted</a:t>
-            </a:r>
-          </a:p>
-          <a:p>
-            <a:pPr algn="ctr"/>
-            <a:r>
-              <a:rPr lang="en-US" sz="2400" dirty="0"/>
-              <a:t>Message</a:t>
-            </a:r>
-          </a:p>
-        </p:txBody>
-      </p:sp>
     </p:spTree>
     <p:extLst>
       <p:ext uri="{BB962C8B-B14F-4D97-AF65-F5344CB8AC3E}">
-        <p14:creationId xmlns:p14="http://schemas.microsoft.com/office/powerpoint/2010/main" val="1553687009"/>
+        <p14:creationId xmlns:p14="http://schemas.microsoft.com/office/powerpoint/2010/main" val="2217812566"/>
       </p:ext>
     </p:extLst>
   </p:cSld>
@@ -22369,7 +22002,7 @@
       </p:transition>
     </mc:Choice>
     <mc:Fallback xmlns="">
-      <p:transition xmlns:p14="http://schemas.microsoft.com/office/powerpoint/2010/main" spd="slow">
+      <p:transition spd="slow">
         <p:fade/>
       </p:transition>
     </mc:Fallback>
@@ -22396,10 +22029,10 @@
       </p:grpSpPr>
       <p:sp>
         <p:nvSpPr>
-          <p:cNvPr id="2" name="Title 1">
-            <a:extLst>
-              <a:ext uri="{FF2B5EF4-FFF2-40B4-BE49-F238E27FC236}">
-                <a16:creationId xmlns:a16="http://schemas.microsoft.com/office/drawing/2014/main" id="{57308DAC-78F4-70E7-ADA7-AC24C1A46EB1}"/>
+          <p:cNvPr id="6" name="Title 5">
+            <a:extLst>
+              <a:ext uri="{FF2B5EF4-FFF2-40B4-BE49-F238E27FC236}">
+                <a16:creationId xmlns:a16="http://schemas.microsoft.com/office/drawing/2014/main" id="{32A23EA8-1F8C-774C-9BA1-8A5104998220}"/>
               </a:ext>
             </a:extLst>
           </p:cNvPr>
@@ -22412,24 +22045,22 @@
         </p:nvSpPr>
         <p:spPr/>
         <p:txBody>
-          <a:bodyPr>
-            <a:normAutofit/>
-          </a:bodyPr>
-          <a:lstStyle/>
-          <a:p>
-            <a:r>
-              <a:rPr lang="en-US" dirty="0"/>
-              <a:t>Why Use TOR?</a:t>
-            </a:r>
-          </a:p>
-        </p:txBody>
-      </p:sp>
-      <p:sp>
-        <p:nvSpPr>
-          <p:cNvPr id="3" name="Content Placeholder 2">
-            <a:extLst>
-              <a:ext uri="{FF2B5EF4-FFF2-40B4-BE49-F238E27FC236}">
-                <a16:creationId xmlns:a16="http://schemas.microsoft.com/office/drawing/2014/main" id="{503023D6-9923-C004-CFC4-12264D35C6C6}"/>
+          <a:bodyPr/>
+          <a:lstStyle/>
+          <a:p>
+            <a:r>
+              <a:rPr lang="en-US" dirty="0"/>
+              <a:t>Opaque Envelopes</a:t>
+            </a:r>
+          </a:p>
+        </p:txBody>
+      </p:sp>
+      <p:sp>
+        <p:nvSpPr>
+          <p:cNvPr id="7" name="Content Placeholder 6">
+            <a:extLst>
+              <a:ext uri="{FF2B5EF4-FFF2-40B4-BE49-F238E27FC236}">
+                <a16:creationId xmlns:a16="http://schemas.microsoft.com/office/drawing/2014/main" id="{1883ED6C-A761-AE4F-193A-20B5B727D58E}"/>
               </a:ext>
             </a:extLst>
           </p:cNvPr>
@@ -22442,56 +22073,144 @@
         </p:nvSpPr>
         <p:spPr/>
         <p:txBody>
-          <a:bodyPr>
-            <a:normAutofit fontScale="92500" lnSpcReduction="10000"/>
-          </a:bodyPr>
-          <a:lstStyle/>
-          <a:p>
-            <a:r>
-              <a:rPr lang="en-US" dirty="0"/>
-              <a:t>Legitimate Uses</a:t>
-            </a:r>
-          </a:p>
-          <a:p>
-            <a:pPr lvl="1"/>
-            <a:r>
-              <a:rPr lang="en-US" dirty="0"/>
-              <a:t>Browse web anonymously</a:t>
-            </a:r>
-          </a:p>
-          <a:p>
-            <a:pPr lvl="1"/>
-            <a:r>
-              <a:rPr lang="en-US" dirty="0"/>
-              <a:t>Protect privacy</a:t>
-            </a:r>
-          </a:p>
-          <a:p>
-            <a:pPr lvl="1"/>
-            <a:r>
-              <a:rPr lang="en-US" dirty="0"/>
-              <a:t>Bypass censorship</a:t>
-            </a:r>
-          </a:p>
-          <a:p>
-            <a:pPr lvl="1"/>
-            <a:r>
-              <a:rPr lang="en-US" dirty="0"/>
-              <a:t>Journalist, whistleblower protection</a:t>
-            </a:r>
-          </a:p>
-          <a:p>
-            <a:r>
-              <a:rPr lang="en-US" dirty="0"/>
-              <a:t>Main Use Case:</a:t>
-            </a:r>
-          </a:p>
-          <a:p>
-            <a:pPr lvl="1"/>
-            <a:r>
-              <a:rPr lang="en-US" dirty="0"/>
-              <a:t>Access hidden services in the dark web.</a:t>
-            </a:r>
+          <a:bodyPr/>
+          <a:lstStyle/>
+          <a:p>
+            <a:endParaRPr lang="en-US"/>
+          </a:p>
+        </p:txBody>
+      </p:sp>
+      <p:sp>
+        <p:nvSpPr>
+          <p:cNvPr id="3" name="Date Placeholder 2">
+            <a:extLst>
+              <a:ext uri="{FF2B5EF4-FFF2-40B4-BE49-F238E27FC236}">
+                <a16:creationId xmlns:a16="http://schemas.microsoft.com/office/drawing/2014/main" id="{7E605EEA-71A4-16C6-865F-09C912D9189A}"/>
+              </a:ext>
+            </a:extLst>
+          </p:cNvPr>
+          <p:cNvSpPr>
+            <a:spLocks noGrp="1"/>
+          </p:cNvSpPr>
+          <p:nvPr>
+            <p:ph type="dt" sz="half" idx="10"/>
+          </p:nvPr>
+        </p:nvSpPr>
+        <p:spPr>
+          <a:xfrm>
+            <a:off x="3304538" y="4731545"/>
+            <a:ext cx="876866" cy="364068"/>
+          </a:xfrm>
+          <a:prstGeom prst="rect">
+            <a:avLst/>
+          </a:prstGeom>
+        </p:spPr>
+        <p:txBody>
+          <a:bodyPr vert="horz" lIns="91440" tIns="45720" rIns="91440" bIns="45720" rtlCol="0" anchor="ctr"/>
+          <a:lstStyle>
+            <a:defPPr>
+              <a:defRPr lang="en-US"/>
+            </a:defPPr>
+            <a:lvl1pPr marL="0" algn="l" defTabSz="914400" rtl="0" eaLnBrk="1" latinLnBrk="0" hangingPunct="1">
+              <a:defRPr sz="1200" kern="1200">
+                <a:solidFill>
+                  <a:schemeClr val="tx1">
+                    <a:tint val="75000"/>
+                  </a:schemeClr>
+                </a:solidFill>
+                <a:latin typeface="+mn-lt"/>
+                <a:ea typeface="+mn-ea"/>
+                <a:cs typeface="+mn-cs"/>
+              </a:defRPr>
+            </a:lvl1pPr>
+            <a:lvl2pPr marL="457200" algn="l" defTabSz="914400" rtl="0" eaLnBrk="1" latinLnBrk="0" hangingPunct="1">
+              <a:defRPr sz="1800" kern="1200">
+                <a:solidFill>
+                  <a:schemeClr val="tx1"/>
+                </a:solidFill>
+                <a:latin typeface="+mn-lt"/>
+                <a:ea typeface="+mn-ea"/>
+                <a:cs typeface="+mn-cs"/>
+              </a:defRPr>
+            </a:lvl2pPr>
+            <a:lvl3pPr marL="914400" algn="l" defTabSz="914400" rtl="0" eaLnBrk="1" latinLnBrk="0" hangingPunct="1">
+              <a:defRPr sz="1800" kern="1200">
+                <a:solidFill>
+                  <a:schemeClr val="tx1"/>
+                </a:solidFill>
+                <a:latin typeface="+mn-lt"/>
+                <a:ea typeface="+mn-ea"/>
+                <a:cs typeface="+mn-cs"/>
+              </a:defRPr>
+            </a:lvl3pPr>
+            <a:lvl4pPr marL="1371600" algn="l" defTabSz="914400" rtl="0" eaLnBrk="1" latinLnBrk="0" hangingPunct="1">
+              <a:defRPr sz="1800" kern="1200">
+                <a:solidFill>
+                  <a:schemeClr val="tx1"/>
+                </a:solidFill>
+                <a:latin typeface="+mn-lt"/>
+                <a:ea typeface="+mn-ea"/>
+                <a:cs typeface="+mn-cs"/>
+              </a:defRPr>
+            </a:lvl4pPr>
+            <a:lvl5pPr marL="1828800" algn="l" defTabSz="914400" rtl="0" eaLnBrk="1" latinLnBrk="0" hangingPunct="1">
+              <a:defRPr sz="1800" kern="1200">
+                <a:solidFill>
+                  <a:schemeClr val="tx1"/>
+                </a:solidFill>
+                <a:latin typeface="+mn-lt"/>
+                <a:ea typeface="+mn-ea"/>
+                <a:cs typeface="+mn-cs"/>
+              </a:defRPr>
+            </a:lvl5pPr>
+            <a:lvl6pPr marL="2286000" algn="l" defTabSz="914400" rtl="0" eaLnBrk="1" latinLnBrk="0" hangingPunct="1">
+              <a:defRPr sz="1800" kern="1200">
+                <a:solidFill>
+                  <a:schemeClr val="tx1"/>
+                </a:solidFill>
+                <a:latin typeface="+mn-lt"/>
+                <a:ea typeface="+mn-ea"/>
+                <a:cs typeface="+mn-cs"/>
+              </a:defRPr>
+            </a:lvl6pPr>
+            <a:lvl7pPr marL="2743200" algn="l" defTabSz="914400" rtl="0" eaLnBrk="1" latinLnBrk="0" hangingPunct="1">
+              <a:defRPr sz="1800" kern="1200">
+                <a:solidFill>
+                  <a:schemeClr val="tx1"/>
+                </a:solidFill>
+                <a:latin typeface="+mn-lt"/>
+                <a:ea typeface="+mn-ea"/>
+                <a:cs typeface="+mn-cs"/>
+              </a:defRPr>
+            </a:lvl7pPr>
+            <a:lvl8pPr marL="3200400" algn="l" defTabSz="914400" rtl="0" eaLnBrk="1" latinLnBrk="0" hangingPunct="1">
+              <a:defRPr sz="1800" kern="1200">
+                <a:solidFill>
+                  <a:schemeClr val="tx1"/>
+                </a:solidFill>
+                <a:latin typeface="+mn-lt"/>
+                <a:ea typeface="+mn-ea"/>
+                <a:cs typeface="+mn-cs"/>
+              </a:defRPr>
+            </a:lvl8pPr>
+            <a:lvl9pPr marL="3657600" algn="l" defTabSz="914400" rtl="0" eaLnBrk="1" latinLnBrk="0" hangingPunct="1">
+              <a:defRPr sz="1800" kern="1200">
+                <a:solidFill>
+                  <a:schemeClr val="tx1"/>
+                </a:solidFill>
+                <a:latin typeface="+mn-lt"/>
+                <a:ea typeface="+mn-ea"/>
+                <a:cs typeface="+mn-cs"/>
+              </a:defRPr>
+            </a:lvl9pPr>
+          </a:lstStyle>
+          <a:p>
+            <a:fld id="{076C055C-C494-6642-84CA-3BAE009353A7}" type="datetime1">
+              <a:rPr lang="en-US" smtClean="0"/>
+              <a:pPr/>
+              <a:t>11/13/25</a:t>
+            </a:fld>
+            <a:endParaRPr lang="en-US"/>
           </a:p>
         </p:txBody>
       </p:sp>
@@ -22500,7 +22219,7 @@
           <p:cNvPr id="4" name="Footer Placeholder 3">
             <a:extLst>
               <a:ext uri="{FF2B5EF4-FFF2-40B4-BE49-F238E27FC236}">
-                <a16:creationId xmlns:a16="http://schemas.microsoft.com/office/drawing/2014/main" id="{53B8366E-A65D-7106-721C-4D57DA52AA6F}"/>
+                <a16:creationId xmlns:a16="http://schemas.microsoft.com/office/drawing/2014/main" id="{207F95C9-1C4E-8037-AB46-17B6CD880481}"/>
               </a:ext>
             </a:extLst>
           </p:cNvPr>
@@ -22518,7 +22237,7 @@
           <a:p>
             <a:r>
               <a:rPr lang="en-US"/>
-              <a:t>© Steve Beaty and others as cited</a:t>
+              <a:t>© Steve Beaty and other as cited</a:t>
             </a:r>
           </a:p>
         </p:txBody>
@@ -22528,7 +22247,7 @@
           <p:cNvPr id="5" name="Slide Number Placeholder 4">
             <a:extLst>
               <a:ext uri="{FF2B5EF4-FFF2-40B4-BE49-F238E27FC236}">
-                <a16:creationId xmlns:a16="http://schemas.microsoft.com/office/drawing/2014/main" id="{49B6E1F2-8FCA-072A-B894-857358E4F447}"/>
+                <a16:creationId xmlns:a16="http://schemas.microsoft.com/office/drawing/2014/main" id="{908E4344-5CB9-F3D3-3E2A-86942B8D6C04}"/>
               </a:ext>
             </a:extLst>
           </p:cNvPr>
@@ -22544,7 +22263,12 @@
           <a:bodyPr/>
           <a:lstStyle/>
           <a:p>
-            <a:fld id="{AFE08FFA-7F03-3A4E-B3F8-2C550F8B5FDD}" type="slidenum">
+            <a:pPr>
+              <a:defRPr>
+                <a:effectLst/>
+              </a:defRPr>
+            </a:pPr>
+            <a:fld id="{86CB4B4D-7CA3-9044-876B-883B54F8677D}" type="slidenum">
               <a:rPr lang="en-US" smtClean="0"/>
               <a:t>79</a:t>
             </a:fld>
@@ -22552,10 +22276,464 @@
           </a:p>
         </p:txBody>
       </p:sp>
+      <p:sp>
+        <p:nvSpPr>
+          <p:cNvPr id="8" name="Rectangle 7">
+            <a:extLst>
+              <a:ext uri="{FF2B5EF4-FFF2-40B4-BE49-F238E27FC236}">
+                <a16:creationId xmlns:a16="http://schemas.microsoft.com/office/drawing/2014/main" id="{00601EBF-5765-AEF5-1D33-54B5B325C3F4}"/>
+              </a:ext>
+            </a:extLst>
+          </p:cNvPr>
+          <p:cNvSpPr/>
+          <p:nvPr/>
+        </p:nvSpPr>
+        <p:spPr>
+          <a:xfrm>
+            <a:off x="1227172" y="3135552"/>
+            <a:ext cx="2724304" cy="1455261"/>
+          </a:xfrm>
+          <a:prstGeom prst="rect">
+            <a:avLst/>
+          </a:prstGeom>
+        </p:spPr>
+        <p:style>
+          <a:lnRef idx="1">
+            <a:schemeClr val="accent1"/>
+          </a:lnRef>
+          <a:fillRef idx="3">
+            <a:schemeClr val="accent1"/>
+          </a:fillRef>
+          <a:effectRef idx="2">
+            <a:schemeClr val="accent1"/>
+          </a:effectRef>
+          <a:fontRef idx="minor">
+            <a:schemeClr val="lt1"/>
+          </a:fontRef>
+        </p:style>
+        <p:txBody>
+          <a:bodyPr rtlCol="0" anchor="ctr"/>
+          <a:lstStyle/>
+          <a:p>
+            <a:r>
+              <a:rPr lang="en-US" sz="2400" dirty="0"/>
+              <a:t>From: A</a:t>
+            </a:r>
+          </a:p>
+          <a:p>
+            <a:r>
+              <a:rPr lang="en-US" sz="2400" dirty="0"/>
+              <a:t>	To: B</a:t>
+            </a:r>
+          </a:p>
+        </p:txBody>
+      </p:sp>
+      <p:sp>
+        <p:nvSpPr>
+          <p:cNvPr id="9" name="Rectangle 8">
+            <a:extLst>
+              <a:ext uri="{FF2B5EF4-FFF2-40B4-BE49-F238E27FC236}">
+                <a16:creationId xmlns:a16="http://schemas.microsoft.com/office/drawing/2014/main" id="{1834DAF8-4C36-6265-EB2C-48C9914D3A24}"/>
+              </a:ext>
+            </a:extLst>
+          </p:cNvPr>
+          <p:cNvSpPr/>
+          <p:nvPr/>
+        </p:nvSpPr>
+        <p:spPr>
+          <a:xfrm>
+            <a:off x="4733848" y="3135552"/>
+            <a:ext cx="2724304" cy="1455261"/>
+          </a:xfrm>
+          <a:prstGeom prst="rect">
+            <a:avLst/>
+          </a:prstGeom>
+        </p:spPr>
+        <p:style>
+          <a:lnRef idx="1">
+            <a:schemeClr val="accent1"/>
+          </a:lnRef>
+          <a:fillRef idx="3">
+            <a:schemeClr val="accent1"/>
+          </a:fillRef>
+          <a:effectRef idx="2">
+            <a:schemeClr val="accent1"/>
+          </a:effectRef>
+          <a:fontRef idx="minor">
+            <a:schemeClr val="lt1"/>
+          </a:fontRef>
+        </p:style>
+        <p:txBody>
+          <a:bodyPr rtlCol="0" anchor="ctr"/>
+          <a:lstStyle/>
+          <a:p>
+            <a:r>
+              <a:rPr lang="en-US" sz="2400" dirty="0"/>
+              <a:t>From: B</a:t>
+            </a:r>
+          </a:p>
+          <a:p>
+            <a:r>
+              <a:rPr lang="en-US" sz="2400" dirty="0"/>
+              <a:t>	To: C</a:t>
+            </a:r>
+          </a:p>
+        </p:txBody>
+      </p:sp>
+      <p:sp>
+        <p:nvSpPr>
+          <p:cNvPr id="10" name="Rectangle 9">
+            <a:extLst>
+              <a:ext uri="{FF2B5EF4-FFF2-40B4-BE49-F238E27FC236}">
+                <a16:creationId xmlns:a16="http://schemas.microsoft.com/office/drawing/2014/main" id="{0C50F4F2-7F79-27EA-B3D8-51ED9BAE4C9C}"/>
+              </a:ext>
+            </a:extLst>
+          </p:cNvPr>
+          <p:cNvSpPr/>
+          <p:nvPr/>
+        </p:nvSpPr>
+        <p:spPr>
+          <a:xfrm>
+            <a:off x="8240524" y="3135552"/>
+            <a:ext cx="2724304" cy="1455261"/>
+          </a:xfrm>
+          <a:prstGeom prst="rect">
+            <a:avLst/>
+          </a:prstGeom>
+        </p:spPr>
+        <p:style>
+          <a:lnRef idx="1">
+            <a:schemeClr val="accent1"/>
+          </a:lnRef>
+          <a:fillRef idx="3">
+            <a:schemeClr val="accent1"/>
+          </a:fillRef>
+          <a:effectRef idx="2">
+            <a:schemeClr val="accent1"/>
+          </a:effectRef>
+          <a:fontRef idx="minor">
+            <a:schemeClr val="lt1"/>
+          </a:fontRef>
+        </p:style>
+        <p:txBody>
+          <a:bodyPr rtlCol="0" anchor="ctr"/>
+          <a:lstStyle/>
+          <a:p>
+            <a:r>
+              <a:rPr lang="en-US" sz="2400" dirty="0"/>
+              <a:t>From: C</a:t>
+            </a:r>
+          </a:p>
+          <a:p>
+            <a:r>
+              <a:rPr lang="en-US" sz="2400" dirty="0"/>
+              <a:t>	To: D</a:t>
+            </a:r>
+          </a:p>
+        </p:txBody>
+      </p:sp>
+      <p:sp>
+        <p:nvSpPr>
+          <p:cNvPr id="11" name="Rounded Rectangle 10">
+            <a:extLst>
+              <a:ext uri="{FF2B5EF4-FFF2-40B4-BE49-F238E27FC236}">
+                <a16:creationId xmlns:a16="http://schemas.microsoft.com/office/drawing/2014/main" id="{7E8A277F-3CD0-5173-7DE8-50BD4E84AA5E}"/>
+              </a:ext>
+            </a:extLst>
+          </p:cNvPr>
+          <p:cNvSpPr/>
+          <p:nvPr/>
+        </p:nvSpPr>
+        <p:spPr>
+          <a:xfrm>
+            <a:off x="1784193" y="1631255"/>
+            <a:ext cx="1610263" cy="1108117"/>
+          </a:xfrm>
+          <a:prstGeom prst="roundRect">
+            <a:avLst/>
+          </a:prstGeom>
+        </p:spPr>
+        <p:style>
+          <a:lnRef idx="1">
+            <a:schemeClr val="accent1"/>
+          </a:lnRef>
+          <a:fillRef idx="3">
+            <a:schemeClr val="accent1"/>
+          </a:fillRef>
+          <a:effectRef idx="2">
+            <a:schemeClr val="accent1"/>
+          </a:effectRef>
+          <a:fontRef idx="minor">
+            <a:schemeClr val="lt1"/>
+          </a:fontRef>
+        </p:style>
+        <p:txBody>
+          <a:bodyPr rtlCol="0" anchor="ctr"/>
+          <a:lstStyle/>
+          <a:p>
+            <a:pPr algn="ctr"/>
+            <a:r>
+              <a:rPr lang="en-US" sz="2400" dirty="0"/>
+              <a:t>A’s</a:t>
+            </a:r>
+          </a:p>
+          <a:p>
+            <a:pPr algn="ctr"/>
+            <a:r>
+              <a:rPr lang="en-US" sz="2400" dirty="0"/>
+              <a:t>Encrypted</a:t>
+            </a:r>
+          </a:p>
+          <a:p>
+            <a:pPr algn="ctr"/>
+            <a:r>
+              <a:rPr lang="en-US" sz="2400" dirty="0"/>
+              <a:t>Message</a:t>
+            </a:r>
+          </a:p>
+        </p:txBody>
+      </p:sp>
+      <p:sp>
+        <p:nvSpPr>
+          <p:cNvPr id="12" name="Right Arrow 11">
+            <a:extLst>
+              <a:ext uri="{FF2B5EF4-FFF2-40B4-BE49-F238E27FC236}">
+                <a16:creationId xmlns:a16="http://schemas.microsoft.com/office/drawing/2014/main" id="{600AB7FD-650E-EAB7-23EF-8879331C8874}"/>
+              </a:ext>
+            </a:extLst>
+          </p:cNvPr>
+          <p:cNvSpPr/>
+          <p:nvPr/>
+        </p:nvSpPr>
+        <p:spPr>
+          <a:xfrm>
+            <a:off x="3951477" y="3600092"/>
+            <a:ext cx="748695" cy="527945"/>
+          </a:xfrm>
+          <a:prstGeom prst="rightArrow">
+            <a:avLst/>
+          </a:prstGeom>
+        </p:spPr>
+        <p:style>
+          <a:lnRef idx="1">
+            <a:schemeClr val="accent1"/>
+          </a:lnRef>
+          <a:fillRef idx="3">
+            <a:schemeClr val="accent1"/>
+          </a:fillRef>
+          <a:effectRef idx="2">
+            <a:schemeClr val="accent1"/>
+          </a:effectRef>
+          <a:fontRef idx="minor">
+            <a:schemeClr val="lt1"/>
+          </a:fontRef>
+        </p:style>
+        <p:txBody>
+          <a:bodyPr rtlCol="0" anchor="ctr"/>
+          <a:lstStyle/>
+          <a:p>
+            <a:pPr algn="ctr"/>
+            <a:endParaRPr lang="en-US" sz="2400"/>
+          </a:p>
+        </p:txBody>
+      </p:sp>
+      <p:sp>
+        <p:nvSpPr>
+          <p:cNvPr id="13" name="Right Arrow 12">
+            <a:extLst>
+              <a:ext uri="{FF2B5EF4-FFF2-40B4-BE49-F238E27FC236}">
+                <a16:creationId xmlns:a16="http://schemas.microsoft.com/office/drawing/2014/main" id="{21FF8AA3-DA5C-41B1-B524-A5F6053EAFE9}"/>
+              </a:ext>
+            </a:extLst>
+          </p:cNvPr>
+          <p:cNvSpPr/>
+          <p:nvPr/>
+        </p:nvSpPr>
+        <p:spPr>
+          <a:xfrm>
+            <a:off x="7424476" y="3600092"/>
+            <a:ext cx="816049" cy="527945"/>
+          </a:xfrm>
+          <a:prstGeom prst="rightArrow">
+            <a:avLst/>
+          </a:prstGeom>
+        </p:spPr>
+        <p:style>
+          <a:lnRef idx="1">
+            <a:schemeClr val="accent1"/>
+          </a:lnRef>
+          <a:fillRef idx="3">
+            <a:schemeClr val="accent1"/>
+          </a:fillRef>
+          <a:effectRef idx="2">
+            <a:schemeClr val="accent1"/>
+          </a:effectRef>
+          <a:fontRef idx="minor">
+            <a:schemeClr val="lt1"/>
+          </a:fontRef>
+        </p:style>
+        <p:txBody>
+          <a:bodyPr rtlCol="0" anchor="ctr"/>
+          <a:lstStyle/>
+          <a:p>
+            <a:pPr algn="ctr"/>
+            <a:endParaRPr lang="en-US" sz="2400" dirty="0"/>
+          </a:p>
+        </p:txBody>
+      </p:sp>
+      <p:sp>
+        <p:nvSpPr>
+          <p:cNvPr id="14" name="Down Arrow 13">
+            <a:extLst>
+              <a:ext uri="{FF2B5EF4-FFF2-40B4-BE49-F238E27FC236}">
+                <a16:creationId xmlns:a16="http://schemas.microsoft.com/office/drawing/2014/main" id="{031E740A-4CC8-DE74-87A1-D837882C5ABC}"/>
+              </a:ext>
+            </a:extLst>
+          </p:cNvPr>
+          <p:cNvSpPr/>
+          <p:nvPr/>
+        </p:nvSpPr>
+        <p:spPr>
+          <a:xfrm>
+            <a:off x="2347783" y="2771955"/>
+            <a:ext cx="483080" cy="363597"/>
+          </a:xfrm>
+          <a:prstGeom prst="downArrow">
+            <a:avLst/>
+          </a:prstGeom>
+        </p:spPr>
+        <p:style>
+          <a:lnRef idx="1">
+            <a:schemeClr val="accent1"/>
+          </a:lnRef>
+          <a:fillRef idx="3">
+            <a:schemeClr val="accent1"/>
+          </a:fillRef>
+          <a:effectRef idx="2">
+            <a:schemeClr val="accent1"/>
+          </a:effectRef>
+          <a:fontRef idx="minor">
+            <a:schemeClr val="lt1"/>
+          </a:fontRef>
+        </p:style>
+        <p:txBody>
+          <a:bodyPr rtlCol="0" anchor="ctr"/>
+          <a:lstStyle/>
+          <a:p>
+            <a:pPr algn="ctr"/>
+            <a:endParaRPr lang="en-US" sz="2400"/>
+          </a:p>
+        </p:txBody>
+      </p:sp>
+      <p:sp>
+        <p:nvSpPr>
+          <p:cNvPr id="15" name="Down Arrow 14">
+            <a:extLst>
+              <a:ext uri="{FF2B5EF4-FFF2-40B4-BE49-F238E27FC236}">
+                <a16:creationId xmlns:a16="http://schemas.microsoft.com/office/drawing/2014/main" id="{7A4828B4-8701-FD9B-6777-A8D5C46E48ED}"/>
+              </a:ext>
+            </a:extLst>
+          </p:cNvPr>
+          <p:cNvSpPr/>
+          <p:nvPr/>
+        </p:nvSpPr>
+        <p:spPr>
+          <a:xfrm>
+            <a:off x="9361136" y="4599775"/>
+            <a:ext cx="483080" cy="363597"/>
+          </a:xfrm>
+          <a:prstGeom prst="downArrow">
+            <a:avLst/>
+          </a:prstGeom>
+        </p:spPr>
+        <p:style>
+          <a:lnRef idx="1">
+            <a:schemeClr val="accent1"/>
+          </a:lnRef>
+          <a:fillRef idx="3">
+            <a:schemeClr val="accent1"/>
+          </a:fillRef>
+          <a:effectRef idx="2">
+            <a:schemeClr val="accent1"/>
+          </a:effectRef>
+          <a:fontRef idx="minor">
+            <a:schemeClr val="lt1"/>
+          </a:fontRef>
+        </p:style>
+        <p:txBody>
+          <a:bodyPr rtlCol="0" anchor="ctr"/>
+          <a:lstStyle/>
+          <a:p>
+            <a:pPr algn="ctr"/>
+            <a:endParaRPr lang="en-US" sz="2400"/>
+          </a:p>
+        </p:txBody>
+      </p:sp>
+      <p:sp>
+        <p:nvSpPr>
+          <p:cNvPr id="17" name="Rounded Rectangle 16">
+            <a:extLst>
+              <a:ext uri="{FF2B5EF4-FFF2-40B4-BE49-F238E27FC236}">
+                <a16:creationId xmlns:a16="http://schemas.microsoft.com/office/drawing/2014/main" id="{C287CF75-6CC0-6376-52AF-95075896A2C7}"/>
+              </a:ext>
+            </a:extLst>
+          </p:cNvPr>
+          <p:cNvSpPr/>
+          <p:nvPr/>
+        </p:nvSpPr>
+        <p:spPr>
+          <a:xfrm>
+            <a:off x="8797545" y="4963372"/>
+            <a:ext cx="1610263" cy="1108117"/>
+          </a:xfrm>
+          <a:prstGeom prst="roundRect">
+            <a:avLst/>
+          </a:prstGeom>
+        </p:spPr>
+        <p:style>
+          <a:lnRef idx="1">
+            <a:schemeClr val="accent1"/>
+          </a:lnRef>
+          <a:fillRef idx="3">
+            <a:schemeClr val="accent1"/>
+          </a:fillRef>
+          <a:effectRef idx="2">
+            <a:schemeClr val="accent1"/>
+          </a:effectRef>
+          <a:fontRef idx="minor">
+            <a:schemeClr val="lt1"/>
+          </a:fontRef>
+        </p:style>
+        <p:txBody>
+          <a:bodyPr rtlCol="0" anchor="ctr"/>
+          <a:lstStyle/>
+          <a:p>
+            <a:pPr algn="ctr"/>
+            <a:r>
+              <a:rPr lang="en-US" sz="2400" dirty="0"/>
+              <a:t>A’s</a:t>
+            </a:r>
+          </a:p>
+          <a:p>
+            <a:pPr algn="ctr"/>
+            <a:r>
+              <a:rPr lang="en-US" sz="2400" dirty="0"/>
+              <a:t>Encrypted</a:t>
+            </a:r>
+          </a:p>
+          <a:p>
+            <a:pPr algn="ctr"/>
+            <a:r>
+              <a:rPr lang="en-US" sz="2400" dirty="0"/>
+              <a:t>Message</a:t>
+            </a:r>
+          </a:p>
+        </p:txBody>
+      </p:sp>
     </p:spTree>
     <p:extLst>
       <p:ext uri="{BB962C8B-B14F-4D97-AF65-F5344CB8AC3E}">
-        <p14:creationId xmlns:p14="http://schemas.microsoft.com/office/powerpoint/2010/main" val="3061312233"/>
+        <p14:creationId xmlns:p14="http://schemas.microsoft.com/office/powerpoint/2010/main" val="1553687009"/>
       </p:ext>
     </p:extLst>
   </p:cSld>
@@ -22784,7 +22962,7 @@
           <p:cNvPr id="2" name="Title 1">
             <a:extLst>
               <a:ext uri="{FF2B5EF4-FFF2-40B4-BE49-F238E27FC236}">
-                <a16:creationId xmlns:a16="http://schemas.microsoft.com/office/drawing/2014/main" id="{5253A08D-C465-603D-BA9C-1A8EFFB521CB}"/>
+                <a16:creationId xmlns:a16="http://schemas.microsoft.com/office/drawing/2014/main" id="{57308DAC-78F4-70E7-ADA7-AC24C1A46EB1}"/>
               </a:ext>
             </a:extLst>
           </p:cNvPr>
@@ -22804,7 +22982,7 @@
           <a:p>
             <a:r>
               <a:rPr lang="en-US" dirty="0"/>
-              <a:t>Interesting TOR Facts</a:t>
+              <a:t>Why Use TOR?</a:t>
             </a:r>
           </a:p>
         </p:txBody>
@@ -22814,7 +22992,7 @@
           <p:cNvPr id="3" name="Content Placeholder 2">
             <a:extLst>
               <a:ext uri="{FF2B5EF4-FFF2-40B4-BE49-F238E27FC236}">
-                <a16:creationId xmlns:a16="http://schemas.microsoft.com/office/drawing/2014/main" id="{0953F085-1181-0EF8-C47D-CC8305091A61}"/>
+                <a16:creationId xmlns:a16="http://schemas.microsoft.com/office/drawing/2014/main" id="{503023D6-9923-C004-CFC4-12264D35C6C6}"/>
               </a:ext>
             </a:extLst>
           </p:cNvPr>
@@ -22828,41 +23006,55 @@
         <p:spPr/>
         <p:txBody>
           <a:bodyPr>
-            <a:normAutofit fontScale="92500"/>
+            <a:normAutofit fontScale="92500" lnSpcReduction="10000"/>
           </a:bodyPr>
           <a:lstStyle/>
           <a:p>
             <a:r>
               <a:rPr lang="en-US" dirty="0"/>
-              <a:t>Created by U.S. Naval Research Laboratory</a:t>
-            </a:r>
-          </a:p>
-          <a:p>
-            <a:r>
-              <a:rPr lang="en-US" dirty="0"/>
-              <a:t>Still funded by U.S. government</a:t>
-            </a:r>
-          </a:p>
-          <a:p>
-            <a:r>
-              <a:rPr lang="en-US" dirty="0"/>
-              <a:t>Opened to public to decrease signal-to-noise ratio</a:t>
-            </a:r>
-          </a:p>
-          <a:p>
-            <a:r>
-              <a:rPr lang="en-US" dirty="0"/>
-              <a:t>Bitcoin greatly accelerated dark web use</a:t>
-            </a:r>
-          </a:p>
-          <a:p>
-            <a:r>
-              <a:rPr lang="en-US" dirty="0"/>
-              <a:t>Some markets have been infiltrated by law enforcement</a:t>
-            </a:r>
-          </a:p>
-          <a:p>
-            <a:endParaRPr lang="en-US" dirty="0"/>
+              <a:t>Legitimate Uses</a:t>
+            </a:r>
+          </a:p>
+          <a:p>
+            <a:pPr lvl="1"/>
+            <a:r>
+              <a:rPr lang="en-US" dirty="0"/>
+              <a:t>Browse web anonymously</a:t>
+            </a:r>
+          </a:p>
+          <a:p>
+            <a:pPr lvl="1"/>
+            <a:r>
+              <a:rPr lang="en-US" dirty="0"/>
+              <a:t>Protect privacy</a:t>
+            </a:r>
+          </a:p>
+          <a:p>
+            <a:pPr lvl="1"/>
+            <a:r>
+              <a:rPr lang="en-US" dirty="0"/>
+              <a:t>Bypass censorship</a:t>
+            </a:r>
+          </a:p>
+          <a:p>
+            <a:pPr lvl="1"/>
+            <a:r>
+              <a:rPr lang="en-US" dirty="0"/>
+              <a:t>Journalist, whistleblower protection</a:t>
+            </a:r>
+          </a:p>
+          <a:p>
+            <a:r>
+              <a:rPr lang="en-US" dirty="0"/>
+              <a:t>Main Use Case:</a:t>
+            </a:r>
+          </a:p>
+          <a:p>
+            <a:pPr lvl="1"/>
+            <a:r>
+              <a:rPr lang="en-US" dirty="0"/>
+              <a:t>Access hidden services in the dark web.</a:t>
+            </a:r>
           </a:p>
         </p:txBody>
       </p:sp>
@@ -22871,7 +23063,7 @@
           <p:cNvPr id="4" name="Footer Placeholder 3">
             <a:extLst>
               <a:ext uri="{FF2B5EF4-FFF2-40B4-BE49-F238E27FC236}">
-                <a16:creationId xmlns:a16="http://schemas.microsoft.com/office/drawing/2014/main" id="{1D1B8035-4D3F-B1D1-5A4A-8833E3498B9E}"/>
+                <a16:creationId xmlns:a16="http://schemas.microsoft.com/office/drawing/2014/main" id="{53B8366E-A65D-7106-721C-4D57DA52AA6F}"/>
               </a:ext>
             </a:extLst>
           </p:cNvPr>
@@ -22899,7 +23091,7 @@
           <p:cNvPr id="5" name="Slide Number Placeholder 4">
             <a:extLst>
               <a:ext uri="{FF2B5EF4-FFF2-40B4-BE49-F238E27FC236}">
-                <a16:creationId xmlns:a16="http://schemas.microsoft.com/office/drawing/2014/main" id="{F114F99D-1D71-98BE-92AC-E338E11D9100}"/>
+                <a16:creationId xmlns:a16="http://schemas.microsoft.com/office/drawing/2014/main" id="{49B6E1F2-8FCA-072A-B894-857358E4F447}"/>
               </a:ext>
             </a:extLst>
           </p:cNvPr>
@@ -22926,7 +23118,7 @@
     </p:spTree>
     <p:extLst>
       <p:ext uri="{BB962C8B-B14F-4D97-AF65-F5344CB8AC3E}">
-        <p14:creationId xmlns:p14="http://schemas.microsoft.com/office/powerpoint/2010/main" val="1901104260"/>
+        <p14:creationId xmlns:p14="http://schemas.microsoft.com/office/powerpoint/2010/main" val="3061312233"/>
       </p:ext>
     </p:extLst>
   </p:cSld>
@@ -22970,7 +23162,7 @@
           <p:cNvPr id="2" name="Title 1">
             <a:extLst>
               <a:ext uri="{FF2B5EF4-FFF2-40B4-BE49-F238E27FC236}">
-                <a16:creationId xmlns:a16="http://schemas.microsoft.com/office/drawing/2014/main" id="{7838CCE8-9DC6-EF9B-D2A2-DA5FC29FFF8A}"/>
+                <a16:creationId xmlns:a16="http://schemas.microsoft.com/office/drawing/2014/main" id="{5253A08D-C465-603D-BA9C-1A8EFFB521CB}"/>
               </a:ext>
             </a:extLst>
           </p:cNvPr>
@@ -22990,7 +23182,7 @@
           <a:p>
             <a:r>
               <a:rPr lang="en-US" dirty="0"/>
-              <a:t>Dark Web Services</a:t>
+              <a:t>Interesting TOR Facts</a:t>
             </a:r>
           </a:p>
         </p:txBody>
@@ -23000,7 +23192,7 @@
           <p:cNvPr id="3" name="Content Placeholder 2">
             <a:extLst>
               <a:ext uri="{FF2B5EF4-FFF2-40B4-BE49-F238E27FC236}">
-                <a16:creationId xmlns:a16="http://schemas.microsoft.com/office/drawing/2014/main" id="{CD996A3F-99F7-24D2-8554-F20F61461C90}"/>
+                <a16:creationId xmlns:a16="http://schemas.microsoft.com/office/drawing/2014/main" id="{0953F085-1181-0EF8-C47D-CC8305091A61}"/>
               </a:ext>
             </a:extLst>
           </p:cNvPr>
@@ -23014,54 +23206,41 @@
         <p:spPr/>
         <p:txBody>
           <a:bodyPr>
-            <a:normAutofit fontScale="92500" lnSpcReduction="20000"/>
+            <a:normAutofit fontScale="92500"/>
           </a:bodyPr>
           <a:lstStyle/>
           <a:p>
             <a:r>
               <a:rPr lang="en-US" dirty="0"/>
-              <a:t>TOR allows creating hidden services</a:t>
-            </a:r>
-          </a:p>
-          <a:p>
-            <a:pPr lvl="1"/>
-            <a:r>
-              <a:rPr lang="en-US" dirty="0"/>
-              <a:t>Web servers</a:t>
-            </a:r>
-          </a:p>
-          <a:p>
-            <a:pPr lvl="1"/>
-            <a:r>
-              <a:rPr lang="en-US" dirty="0"/>
-              <a:t>Chat servers</a:t>
-            </a:r>
-          </a:p>
-          <a:p>
-            <a:pPr lvl="1"/>
-            <a:r>
-              <a:rPr lang="en-US" dirty="0"/>
-              <a:t>Email servers</a:t>
-            </a:r>
-          </a:p>
-          <a:p>
-            <a:pPr lvl="1"/>
-            <a:r>
-              <a:rPr lang="en-US" dirty="0"/>
-              <a:t>Any service on surface web</a:t>
-            </a:r>
-          </a:p>
-          <a:p>
-            <a:r>
-              <a:rPr lang="en-US" dirty="0"/>
-              <a:t>Addresses end in .onion</a:t>
-            </a:r>
-          </a:p>
-          <a:p>
-            <a:r>
-              <a:rPr lang="en-US" dirty="0"/>
-              <a:t>Many are illegal on surface web (illicit markets, etc.)</a:t>
-            </a:r>
+              <a:t>Created by U.S. Naval Research Laboratory</a:t>
+            </a:r>
+          </a:p>
+          <a:p>
+            <a:r>
+              <a:rPr lang="en-US" dirty="0"/>
+              <a:t>Still funded by U.S. government</a:t>
+            </a:r>
+          </a:p>
+          <a:p>
+            <a:r>
+              <a:rPr lang="en-US" dirty="0"/>
+              <a:t>Opened to public to decrease signal-to-noise ratio</a:t>
+            </a:r>
+          </a:p>
+          <a:p>
+            <a:r>
+              <a:rPr lang="en-US" dirty="0"/>
+              <a:t>Bitcoin greatly accelerated dark web use</a:t>
+            </a:r>
+          </a:p>
+          <a:p>
+            <a:r>
+              <a:rPr lang="en-US" dirty="0"/>
+              <a:t>Some markets have been infiltrated by law enforcement</a:t>
+            </a:r>
+          </a:p>
+          <a:p>
+            <a:endParaRPr lang="en-US" dirty="0"/>
           </a:p>
         </p:txBody>
       </p:sp>
@@ -23070,7 +23249,7 @@
           <p:cNvPr id="4" name="Footer Placeholder 3">
             <a:extLst>
               <a:ext uri="{FF2B5EF4-FFF2-40B4-BE49-F238E27FC236}">
-                <a16:creationId xmlns:a16="http://schemas.microsoft.com/office/drawing/2014/main" id="{E182DBF5-1BCF-2977-1D58-B554A9D24D70}"/>
+                <a16:creationId xmlns:a16="http://schemas.microsoft.com/office/drawing/2014/main" id="{1D1B8035-4D3F-B1D1-5A4A-8833E3498B9E}"/>
               </a:ext>
             </a:extLst>
           </p:cNvPr>
@@ -23098,7 +23277,7 @@
           <p:cNvPr id="5" name="Slide Number Placeholder 4">
             <a:extLst>
               <a:ext uri="{FF2B5EF4-FFF2-40B4-BE49-F238E27FC236}">
-                <a16:creationId xmlns:a16="http://schemas.microsoft.com/office/drawing/2014/main" id="{856F4A26-8B8B-07D7-435D-0DF7AB54B077}"/>
+                <a16:creationId xmlns:a16="http://schemas.microsoft.com/office/drawing/2014/main" id="{F114F99D-1D71-98BE-92AC-E338E11D9100}"/>
               </a:ext>
             </a:extLst>
           </p:cNvPr>
@@ -23125,7 +23304,7 @@
     </p:spTree>
     <p:extLst>
       <p:ext uri="{BB962C8B-B14F-4D97-AF65-F5344CB8AC3E}">
-        <p14:creationId xmlns:p14="http://schemas.microsoft.com/office/powerpoint/2010/main" val="312407918"/>
+        <p14:creationId xmlns:p14="http://schemas.microsoft.com/office/powerpoint/2010/main" val="1901104260"/>
       </p:ext>
     </p:extLst>
   </p:cSld>
@@ -23166,10 +23345,40 @@
       </p:grpSpPr>
       <p:sp>
         <p:nvSpPr>
-          <p:cNvPr id="2" name="Content Placeholder 1">
-            <a:extLst>
-              <a:ext uri="{FF2B5EF4-FFF2-40B4-BE49-F238E27FC236}">
-                <a16:creationId xmlns:a16="http://schemas.microsoft.com/office/drawing/2014/main" id="{A1B09E5D-60EB-6F4F-9F5F-F5D794AA3020}"/>
+          <p:cNvPr id="2" name="Title 1">
+            <a:extLst>
+              <a:ext uri="{FF2B5EF4-FFF2-40B4-BE49-F238E27FC236}">
+                <a16:creationId xmlns:a16="http://schemas.microsoft.com/office/drawing/2014/main" id="{7838CCE8-9DC6-EF9B-D2A2-DA5FC29FFF8A}"/>
+              </a:ext>
+            </a:extLst>
+          </p:cNvPr>
+          <p:cNvSpPr>
+            <a:spLocks noGrp="1"/>
+          </p:cNvSpPr>
+          <p:nvPr>
+            <p:ph type="title"/>
+          </p:nvPr>
+        </p:nvSpPr>
+        <p:spPr/>
+        <p:txBody>
+          <a:bodyPr>
+            <a:normAutofit/>
+          </a:bodyPr>
+          <a:lstStyle/>
+          <a:p>
+            <a:r>
+              <a:rPr lang="en-US" dirty="0"/>
+              <a:t>Dark Web Services</a:t>
+            </a:r>
+          </a:p>
+        </p:txBody>
+      </p:sp>
+      <p:sp>
+        <p:nvSpPr>
+          <p:cNvPr id="3" name="Content Placeholder 2">
+            <a:extLst>
+              <a:ext uri="{FF2B5EF4-FFF2-40B4-BE49-F238E27FC236}">
+                <a16:creationId xmlns:a16="http://schemas.microsoft.com/office/drawing/2014/main" id="{CD996A3F-99F7-24D2-8554-F20F61461C90}"/>
               </a:ext>
             </a:extLst>
           </p:cNvPr>
@@ -23182,46 +23391,54 @@
         </p:nvSpPr>
         <p:spPr/>
         <p:txBody>
-          <a:bodyPr/>
-          <a:lstStyle/>
-          <a:p>
-            <a:r>
-              <a:rPr lang="en-US" dirty="0">
-                <a:hlinkClick r:id="rId2"/>
-              </a:rPr>
-              <a:t>http://yvudsnnux372gj2nvg3bnkficwf4niel6drfqyhbtglgdsf2l75xfqqd.onion/</a:t>
-            </a:r>
-            <a:r>
-              <a:rPr lang="en-US" dirty="0"/>
-              <a:t> </a:t>
-            </a:r>
-          </a:p>
-        </p:txBody>
-      </p:sp>
-      <p:sp>
-        <p:nvSpPr>
-          <p:cNvPr id="3" name="Title 2">
-            <a:extLst>
-              <a:ext uri="{FF2B5EF4-FFF2-40B4-BE49-F238E27FC236}">
-                <a16:creationId xmlns:a16="http://schemas.microsoft.com/office/drawing/2014/main" id="{CD178162-A4A3-2E80-6E3E-1F6BC19F71E4}"/>
-              </a:ext>
-            </a:extLst>
-          </p:cNvPr>
-          <p:cNvSpPr>
-            <a:spLocks noGrp="1"/>
-          </p:cNvSpPr>
-          <p:nvPr>
-            <p:ph type="title"/>
-          </p:nvPr>
-        </p:nvSpPr>
-        <p:spPr/>
-        <p:txBody>
-          <a:bodyPr/>
-          <a:lstStyle/>
-          <a:p>
-            <a:r>
-              <a:rPr lang="en-US" dirty="0"/>
-              <a:t>Toby’s Site</a:t>
+          <a:bodyPr>
+            <a:normAutofit fontScale="92500" lnSpcReduction="20000"/>
+          </a:bodyPr>
+          <a:lstStyle/>
+          <a:p>
+            <a:r>
+              <a:rPr lang="en-US" dirty="0"/>
+              <a:t>TOR allows creating hidden services</a:t>
+            </a:r>
+          </a:p>
+          <a:p>
+            <a:pPr lvl="1"/>
+            <a:r>
+              <a:rPr lang="en-US" dirty="0"/>
+              <a:t>Web servers</a:t>
+            </a:r>
+          </a:p>
+          <a:p>
+            <a:pPr lvl="1"/>
+            <a:r>
+              <a:rPr lang="en-US" dirty="0"/>
+              <a:t>Chat servers</a:t>
+            </a:r>
+          </a:p>
+          <a:p>
+            <a:pPr lvl="1"/>
+            <a:r>
+              <a:rPr lang="en-US" dirty="0"/>
+              <a:t>Email servers</a:t>
+            </a:r>
+          </a:p>
+          <a:p>
+            <a:pPr lvl="1"/>
+            <a:r>
+              <a:rPr lang="en-US" dirty="0"/>
+              <a:t>Any service on surface web</a:t>
+            </a:r>
+          </a:p>
+          <a:p>
+            <a:r>
+              <a:rPr lang="en-US" dirty="0"/>
+              <a:t>Addresses end in .onion</a:t>
+            </a:r>
+          </a:p>
+          <a:p>
+            <a:r>
+              <a:rPr lang="en-US" dirty="0"/>
+              <a:t>Many are illegal on surface web (illicit markets, etc.)</a:t>
             </a:r>
           </a:p>
         </p:txBody>
@@ -23231,7 +23448,7 @@
           <p:cNvPr id="4" name="Footer Placeholder 3">
             <a:extLst>
               <a:ext uri="{FF2B5EF4-FFF2-40B4-BE49-F238E27FC236}">
-                <a16:creationId xmlns:a16="http://schemas.microsoft.com/office/drawing/2014/main" id="{E35295AE-815E-1F51-AED9-F65225CE48E9}"/>
+                <a16:creationId xmlns:a16="http://schemas.microsoft.com/office/drawing/2014/main" id="{E182DBF5-1BCF-2977-1D58-B554A9D24D70}"/>
               </a:ext>
             </a:extLst>
           </p:cNvPr>
@@ -23259,7 +23476,7 @@
           <p:cNvPr id="5" name="Slide Number Placeholder 4">
             <a:extLst>
               <a:ext uri="{FF2B5EF4-FFF2-40B4-BE49-F238E27FC236}">
-                <a16:creationId xmlns:a16="http://schemas.microsoft.com/office/drawing/2014/main" id="{8DFF750B-2DCA-FC1A-2E43-EE65A93352F1}"/>
+                <a16:creationId xmlns:a16="http://schemas.microsoft.com/office/drawing/2014/main" id="{856F4A26-8B8B-07D7-435D-0DF7AB54B077}"/>
               </a:ext>
             </a:extLst>
           </p:cNvPr>
@@ -23286,7 +23503,7 @@
     </p:spTree>
     <p:extLst>
       <p:ext uri="{BB962C8B-B14F-4D97-AF65-F5344CB8AC3E}">
-        <p14:creationId xmlns:p14="http://schemas.microsoft.com/office/powerpoint/2010/main" val="572387574"/>
+        <p14:creationId xmlns:p14="http://schemas.microsoft.com/office/powerpoint/2010/main" val="312407918"/>
       </p:ext>
     </p:extLst>
   </p:cSld>
@@ -23325,6 +23542,167 @@
           <a:chExt cx="0" cy="0"/>
         </a:xfrm>
       </p:grpSpPr>
+      <p:sp>
+        <p:nvSpPr>
+          <p:cNvPr id="2" name="Content Placeholder 1">
+            <a:extLst>
+              <a:ext uri="{FF2B5EF4-FFF2-40B4-BE49-F238E27FC236}">
+                <a16:creationId xmlns:a16="http://schemas.microsoft.com/office/drawing/2014/main" id="{A1B09E5D-60EB-6F4F-9F5F-F5D794AA3020}"/>
+              </a:ext>
+            </a:extLst>
+          </p:cNvPr>
+          <p:cNvSpPr>
+            <a:spLocks noGrp="1"/>
+          </p:cNvSpPr>
+          <p:nvPr>
+            <p:ph idx="1"/>
+          </p:nvPr>
+        </p:nvSpPr>
+        <p:spPr/>
+        <p:txBody>
+          <a:bodyPr/>
+          <a:lstStyle/>
+          <a:p>
+            <a:r>
+              <a:rPr lang="en-US" dirty="0">
+                <a:hlinkClick r:id="rId2"/>
+              </a:rPr>
+              <a:t>http://yvudsnnux372gj2nvg3bnkficwf4niel6drfqyhbtglgdsf2l75xfqqd.onion/</a:t>
+            </a:r>
+            <a:r>
+              <a:rPr lang="en-US" dirty="0"/>
+              <a:t> </a:t>
+            </a:r>
+          </a:p>
+        </p:txBody>
+      </p:sp>
+      <p:sp>
+        <p:nvSpPr>
+          <p:cNvPr id="3" name="Title 2">
+            <a:extLst>
+              <a:ext uri="{FF2B5EF4-FFF2-40B4-BE49-F238E27FC236}">
+                <a16:creationId xmlns:a16="http://schemas.microsoft.com/office/drawing/2014/main" id="{CD178162-A4A3-2E80-6E3E-1F6BC19F71E4}"/>
+              </a:ext>
+            </a:extLst>
+          </p:cNvPr>
+          <p:cNvSpPr>
+            <a:spLocks noGrp="1"/>
+          </p:cNvSpPr>
+          <p:nvPr>
+            <p:ph type="title"/>
+          </p:nvPr>
+        </p:nvSpPr>
+        <p:spPr/>
+        <p:txBody>
+          <a:bodyPr/>
+          <a:lstStyle/>
+          <a:p>
+            <a:r>
+              <a:rPr lang="en-US" dirty="0"/>
+              <a:t>Toby’s Site</a:t>
+            </a:r>
+          </a:p>
+        </p:txBody>
+      </p:sp>
+      <p:sp>
+        <p:nvSpPr>
+          <p:cNvPr id="4" name="Footer Placeholder 3">
+            <a:extLst>
+              <a:ext uri="{FF2B5EF4-FFF2-40B4-BE49-F238E27FC236}">
+                <a16:creationId xmlns:a16="http://schemas.microsoft.com/office/drawing/2014/main" id="{E35295AE-815E-1F51-AED9-F65225CE48E9}"/>
+              </a:ext>
+            </a:extLst>
+          </p:cNvPr>
+          <p:cNvSpPr>
+            <a:spLocks noGrp="1"/>
+          </p:cNvSpPr>
+          <p:nvPr>
+            <p:ph type="ftr" sz="quarter" idx="11"/>
+          </p:nvPr>
+        </p:nvSpPr>
+        <p:spPr/>
+        <p:txBody>
+          <a:bodyPr/>
+          <a:lstStyle/>
+          <a:p>
+            <a:r>
+              <a:rPr lang="en-US"/>
+              <a:t>© Steve Beaty and others as cited</a:t>
+            </a:r>
+          </a:p>
+        </p:txBody>
+      </p:sp>
+      <p:sp>
+        <p:nvSpPr>
+          <p:cNvPr id="5" name="Slide Number Placeholder 4">
+            <a:extLst>
+              <a:ext uri="{FF2B5EF4-FFF2-40B4-BE49-F238E27FC236}">
+                <a16:creationId xmlns:a16="http://schemas.microsoft.com/office/drawing/2014/main" id="{8DFF750B-2DCA-FC1A-2E43-EE65A93352F1}"/>
+              </a:ext>
+            </a:extLst>
+          </p:cNvPr>
+          <p:cNvSpPr>
+            <a:spLocks noGrp="1"/>
+          </p:cNvSpPr>
+          <p:nvPr>
+            <p:ph type="sldNum" sz="quarter" idx="12"/>
+          </p:nvPr>
+        </p:nvSpPr>
+        <p:spPr/>
+        <p:txBody>
+          <a:bodyPr/>
+          <a:lstStyle/>
+          <a:p>
+            <a:fld id="{AFE08FFA-7F03-3A4E-B3F8-2C550F8B5FDD}" type="slidenum">
+              <a:rPr lang="en-US" smtClean="0"/>
+              <a:t>83</a:t>
+            </a:fld>
+            <a:endParaRPr lang="en-US"/>
+          </a:p>
+        </p:txBody>
+      </p:sp>
+    </p:spTree>
+    <p:extLst>
+      <p:ext uri="{BB962C8B-B14F-4D97-AF65-F5344CB8AC3E}">
+        <p14:creationId xmlns:p14="http://schemas.microsoft.com/office/powerpoint/2010/main" val="572387574"/>
+      </p:ext>
+    </p:extLst>
+  </p:cSld>
+  <p:clrMapOvr>
+    <a:masterClrMapping/>
+  </p:clrMapOvr>
+  <mc:AlternateContent xmlns:mc="http://schemas.openxmlformats.org/markup-compatibility/2006" xmlns:p14="http://schemas.microsoft.com/office/powerpoint/2010/main">
+    <mc:Choice Requires="p14">
+      <p:transition spd="slow" p14:dur="1200">
+        <p14:prism/>
+      </p:transition>
+    </mc:Choice>
+    <mc:Fallback xmlns="">
+      <p:transition xmlns:p14="http://schemas.microsoft.com/office/powerpoint/2010/main" spd="slow">
+        <p:fade/>
+      </p:transition>
+    </mc:Fallback>
+  </mc:AlternateContent>
+</p:sld>
+</file>
+
+<file path=ppt/slides/slide84.xml><?xml version="1.0" encoding="utf-8"?>
+<p:sld xmlns:a="http://schemas.openxmlformats.org/drawingml/2006/main" xmlns:r="http://schemas.openxmlformats.org/officeDocument/2006/relationships" xmlns:p="http://schemas.openxmlformats.org/presentationml/2006/main">
+  <p:cSld>
+    <p:spTree>
+      <p:nvGrpSpPr>
+        <p:cNvPr id="1" name=""/>
+        <p:cNvGrpSpPr/>
+        <p:nvPr/>
+      </p:nvGrpSpPr>
+      <p:grpSpPr>
+        <a:xfrm>
+          <a:off x="0" y="0"/>
+          <a:ext cx="0" cy="0"/>
+          <a:chOff x="0" y="0"/>
+          <a:chExt cx="0" cy="0"/>
+        </a:xfrm>
+      </p:grpSpPr>
       <p:pic>
         <p:nvPicPr>
           <p:cNvPr id="4" name="Picture 3"/>
@@ -23446,7 +23824,7 @@
             </a:pPr>
             <a:fld id="{86CB4B4D-7CA3-9044-876B-883B54F8677D}" type="slidenum">
               <a:rPr lang="en-US" smtClean="0"/>
-              <a:t>83</a:t>
+              <a:t>84</a:t>
             </a:fld>
             <a:endParaRPr lang="en-US"/>
           </a:p>
@@ -23477,197 +23855,6 @@
 </p:sld>
 </file>
 
-<file path=ppt/slides/slide84.xml><?xml version="1.0" encoding="utf-8"?>
-<p:sld xmlns:a="http://schemas.openxmlformats.org/drawingml/2006/main" xmlns:r="http://schemas.openxmlformats.org/officeDocument/2006/relationships" xmlns:p="http://schemas.openxmlformats.org/presentationml/2006/main">
-  <p:cSld>
-    <p:spTree>
-      <p:nvGrpSpPr>
-        <p:cNvPr id="1" name=""/>
-        <p:cNvGrpSpPr/>
-        <p:nvPr/>
-      </p:nvGrpSpPr>
-      <p:grpSpPr>
-        <a:xfrm>
-          <a:off x="0" y="0"/>
-          <a:ext cx="0" cy="0"/>
-          <a:chOff x="0" y="0"/>
-          <a:chExt cx="0" cy="0"/>
-        </a:xfrm>
-      </p:grpSpPr>
-      <p:sp>
-        <p:nvSpPr>
-          <p:cNvPr id="5" name="Title 4">
-            <a:extLst>
-              <a:ext uri="{FF2B5EF4-FFF2-40B4-BE49-F238E27FC236}">
-                <a16:creationId xmlns:a16="http://schemas.microsoft.com/office/drawing/2014/main" id="{CB32EE3B-EB68-9949-0453-BC389EDA33BF}"/>
-              </a:ext>
-            </a:extLst>
-          </p:cNvPr>
-          <p:cNvSpPr>
-            <a:spLocks noGrp="1"/>
-          </p:cNvSpPr>
-          <p:nvPr>
-            <p:ph type="title"/>
-          </p:nvPr>
-        </p:nvSpPr>
-        <p:spPr/>
-        <p:txBody>
-          <a:bodyPr/>
-          <a:lstStyle/>
-          <a:p>
-            <a:r>
-              <a:rPr lang="en-US" dirty="0"/>
-              <a:t>Ross Ulbricht</a:t>
-            </a:r>
-          </a:p>
-        </p:txBody>
-      </p:sp>
-      <p:sp>
-        <p:nvSpPr>
-          <p:cNvPr id="6" name="Content Placeholder 5">
-            <a:extLst>
-              <a:ext uri="{FF2B5EF4-FFF2-40B4-BE49-F238E27FC236}">
-                <a16:creationId xmlns:a16="http://schemas.microsoft.com/office/drawing/2014/main" id="{D9B29EA2-C4CD-A2E8-6EAA-81F8FD73E68A}"/>
-              </a:ext>
-            </a:extLst>
-          </p:cNvPr>
-          <p:cNvSpPr>
-            <a:spLocks noGrp="1"/>
-          </p:cNvSpPr>
-          <p:nvPr>
-            <p:ph idx="1"/>
-          </p:nvPr>
-        </p:nvSpPr>
-        <p:spPr/>
-        <p:txBody>
-          <a:bodyPr>
-            <a:normAutofit fontScale="62500" lnSpcReduction="20000"/>
-          </a:bodyPr>
-          <a:lstStyle/>
-          <a:p>
-            <a:r>
-              <a:rPr lang="en-US" dirty="0"/>
-              <a:t>Dread Pirate Roberts</a:t>
-            </a:r>
-          </a:p>
-          <a:p>
-            <a:pPr lvl="1"/>
-            <a:r>
-              <a:rPr lang="en-US" dirty="0"/>
-              <a:t>From </a:t>
-            </a:r>
-            <a:r>
-              <a:rPr lang="en-US" i="1" dirty="0"/>
-              <a:t>The Princess Bride</a:t>
-            </a:r>
-          </a:p>
-          <a:p>
-            <a:r>
-              <a:rPr lang="en-US" dirty="0"/>
-              <a:t>In 2015, he was convicted of engaging in a continuing criminal enterprise, distributing narcotics by means of the internet, conspiracy to commit money laundering, conspiracy to traffic fraudulent identity documents, and conspiracy to commit computer hacking</a:t>
-            </a:r>
-          </a:p>
-          <a:p>
-            <a:r>
-              <a:rPr lang="en-US" dirty="0"/>
-              <a:t>He was sentenced to double life in prison plus 40 years without the possibility of parole</a:t>
-            </a:r>
-          </a:p>
-          <a:p>
-            <a:r>
-              <a:rPr lang="en-US" dirty="0"/>
-              <a:t>After serving 12 years, he was released from prison in January 2025, when he received a full and unconditional pardon from U.S. President Donald Trump</a:t>
-            </a:r>
-          </a:p>
-        </p:txBody>
-      </p:sp>
-      <p:sp>
-        <p:nvSpPr>
-          <p:cNvPr id="3" name="Footer Placeholder 2">
-            <a:extLst>
-              <a:ext uri="{FF2B5EF4-FFF2-40B4-BE49-F238E27FC236}">
-                <a16:creationId xmlns:a16="http://schemas.microsoft.com/office/drawing/2014/main" id="{03D7689F-CE80-C866-267A-B5C575784812}"/>
-              </a:ext>
-            </a:extLst>
-          </p:cNvPr>
-          <p:cNvSpPr>
-            <a:spLocks noGrp="1"/>
-          </p:cNvSpPr>
-          <p:nvPr>
-            <p:ph type="ftr" sz="quarter" idx="11"/>
-          </p:nvPr>
-        </p:nvSpPr>
-        <p:spPr/>
-        <p:txBody>
-          <a:bodyPr/>
-          <a:lstStyle/>
-          <a:p>
-            <a:r>
-              <a:rPr lang="en-US"/>
-              <a:t>© Steve Beaty and other as cited</a:t>
-            </a:r>
-          </a:p>
-        </p:txBody>
-      </p:sp>
-      <p:sp>
-        <p:nvSpPr>
-          <p:cNvPr id="4" name="Slide Number Placeholder 3">
-            <a:extLst>
-              <a:ext uri="{FF2B5EF4-FFF2-40B4-BE49-F238E27FC236}">
-                <a16:creationId xmlns:a16="http://schemas.microsoft.com/office/drawing/2014/main" id="{498C9EB7-5A48-06F9-2F23-837148C280C5}"/>
-              </a:ext>
-            </a:extLst>
-          </p:cNvPr>
-          <p:cNvSpPr>
-            <a:spLocks noGrp="1"/>
-          </p:cNvSpPr>
-          <p:nvPr>
-            <p:ph type="sldNum" sz="quarter" idx="12"/>
-          </p:nvPr>
-        </p:nvSpPr>
-        <p:spPr/>
-        <p:txBody>
-          <a:bodyPr/>
-          <a:lstStyle/>
-          <a:p>
-            <a:pPr>
-              <a:defRPr>
-                <a:effectLst/>
-              </a:defRPr>
-            </a:pPr>
-            <a:fld id="{86CB4B4D-7CA3-9044-876B-883B54F8677D}" type="slidenum">
-              <a:rPr lang="en-US" smtClean="0"/>
-              <a:t>84</a:t>
-            </a:fld>
-            <a:endParaRPr lang="en-US"/>
-          </a:p>
-        </p:txBody>
-      </p:sp>
-    </p:spTree>
-    <p:extLst>
-      <p:ext uri="{BB962C8B-B14F-4D97-AF65-F5344CB8AC3E}">
-        <p14:creationId xmlns:p14="http://schemas.microsoft.com/office/powerpoint/2010/main" val="3325170378"/>
-      </p:ext>
-    </p:extLst>
-  </p:cSld>
-  <p:clrMapOvr>
-    <a:masterClrMapping/>
-  </p:clrMapOvr>
-  <mc:AlternateContent xmlns:mc="http://schemas.openxmlformats.org/markup-compatibility/2006" xmlns:p14="http://schemas.microsoft.com/office/powerpoint/2010/main">
-    <mc:Choice Requires="p14">
-      <p:transition spd="slow" p14:dur="1200">
-        <p14:prism/>
-      </p:transition>
-    </mc:Choice>
-    <mc:Fallback xmlns="">
-      <p:transition xmlns:p14="http://schemas.microsoft.com/office/powerpoint/2010/main" spd="slow">
-        <p:fade/>
-      </p:transition>
-    </mc:Fallback>
-  </mc:AlternateContent>
-</p:sld>
-</file>
-
 <file path=ppt/slides/slide85.xml><?xml version="1.0" encoding="utf-8"?>
 <p:sld xmlns:a="http://schemas.openxmlformats.org/drawingml/2006/main" xmlns:r="http://schemas.openxmlformats.org/officeDocument/2006/relationships" xmlns:p="http://schemas.openxmlformats.org/presentationml/2006/main">
   <p:cSld>
@@ -23687,10 +23874,10 @@
       </p:grpSpPr>
       <p:sp>
         <p:nvSpPr>
-          <p:cNvPr id="2" name="Title 1">
-            <a:extLst>
-              <a:ext uri="{FF2B5EF4-FFF2-40B4-BE49-F238E27FC236}">
-                <a16:creationId xmlns:a16="http://schemas.microsoft.com/office/drawing/2014/main" id="{91D8C3FB-1491-7150-4ED7-D2C45FB63B6A}"/>
+          <p:cNvPr id="5" name="Title 4">
+            <a:extLst>
+              <a:ext uri="{FF2B5EF4-FFF2-40B4-BE49-F238E27FC236}">
+                <a16:creationId xmlns:a16="http://schemas.microsoft.com/office/drawing/2014/main" id="{CB32EE3B-EB68-9949-0453-BC389EDA33BF}"/>
               </a:ext>
             </a:extLst>
           </p:cNvPr>
@@ -23715,10 +23902,10 @@
       </p:sp>
       <p:sp>
         <p:nvSpPr>
-          <p:cNvPr id="3" name="Content Placeholder 2">
-            <a:extLst>
-              <a:ext uri="{FF2B5EF4-FFF2-40B4-BE49-F238E27FC236}">
-                <a16:creationId xmlns:a16="http://schemas.microsoft.com/office/drawing/2014/main" id="{81825BDE-3CE5-FAE3-2C4A-07366FCB4CC0}"/>
+          <p:cNvPr id="6" name="Content Placeholder 5">
+            <a:extLst>
+              <a:ext uri="{FF2B5EF4-FFF2-40B4-BE49-F238E27FC236}">
+                <a16:creationId xmlns:a16="http://schemas.microsoft.com/office/drawing/2014/main" id="{D9B29EA2-C4CD-A2E8-6EAA-81F8FD73E68A}"/>
               </a:ext>
             </a:extLst>
           </p:cNvPr>
@@ -23732,29 +23919,52 @@
         <p:spPr/>
         <p:txBody>
           <a:bodyPr>
-            <a:normAutofit fontScale="92500"/>
+            <a:normAutofit fontScale="62500" lnSpcReduction="20000"/>
           </a:bodyPr>
           <a:lstStyle/>
           <a:p>
             <a:r>
               <a:rPr lang="en-US" dirty="0"/>
-              <a:t>Ulbricht attended the University of Texas at Dallas on a full academic scholarship and graduated in 2006 with a bachelor's degree in physics</a:t>
-            </a:r>
-          </a:p>
-          <a:p>
-            <a:r>
-              <a:rPr lang="en-US" dirty="0"/>
-              <a:t>Ulbricht received an additional scholarship to attend Pennsylvania State University, where he was in a master's degree program in materials science and engineering and studied crystallography </a:t>
-            </a:r>
-          </a:p>
-        </p:txBody>
-      </p:sp>
-      <p:sp>
-        <p:nvSpPr>
-          <p:cNvPr id="4" name="Footer Placeholder 3">
-            <a:extLst>
-              <a:ext uri="{FF2B5EF4-FFF2-40B4-BE49-F238E27FC236}">
-                <a16:creationId xmlns:a16="http://schemas.microsoft.com/office/drawing/2014/main" id="{41D7259A-CEA3-398F-353B-48DEF88136DA}"/>
+              <a:t>Dread Pirate Roberts</a:t>
+            </a:r>
+          </a:p>
+          <a:p>
+            <a:pPr lvl="1"/>
+            <a:r>
+              <a:rPr lang="en-US" dirty="0"/>
+              <a:t>From </a:t>
+            </a:r>
+            <a:r>
+              <a:rPr lang="en-US" i="1" dirty="0"/>
+              <a:t>The Princess Bride</a:t>
+            </a:r>
+          </a:p>
+          <a:p>
+            <a:r>
+              <a:rPr lang="en-US" dirty="0"/>
+              <a:t>In 2015, he was convicted of engaging in a continuing criminal enterprise, distributing narcotics by means of the internet, conspiracy to commit money laundering, conspiracy to traffic fraudulent identity documents, and conspiracy to commit computer hacking</a:t>
+            </a:r>
+          </a:p>
+          <a:p>
+            <a:r>
+              <a:rPr lang="en-US" dirty="0"/>
+              <a:t>He was sentenced to double life in prison plus 40 years without the possibility of parole</a:t>
+            </a:r>
+          </a:p>
+          <a:p>
+            <a:r>
+              <a:rPr lang="en-US" dirty="0"/>
+              <a:t>After serving 12 years, he was released from prison in January 2025, when he received a full and unconditional pardon from U.S. President Donald Trump</a:t>
+            </a:r>
+          </a:p>
+        </p:txBody>
+      </p:sp>
+      <p:sp>
+        <p:nvSpPr>
+          <p:cNvPr id="3" name="Footer Placeholder 2">
+            <a:extLst>
+              <a:ext uri="{FF2B5EF4-FFF2-40B4-BE49-F238E27FC236}">
+                <a16:creationId xmlns:a16="http://schemas.microsoft.com/office/drawing/2014/main" id="{03D7689F-CE80-C866-267A-B5C575784812}"/>
               </a:ext>
             </a:extLst>
           </p:cNvPr>
@@ -23772,17 +23982,17 @@
           <a:p>
             <a:r>
               <a:rPr lang="en-US"/>
-              <a:t>© Steve Beaty and others as cited</a:t>
-            </a:r>
-          </a:p>
-        </p:txBody>
-      </p:sp>
-      <p:sp>
-        <p:nvSpPr>
-          <p:cNvPr id="5" name="Slide Number Placeholder 4">
-            <a:extLst>
-              <a:ext uri="{FF2B5EF4-FFF2-40B4-BE49-F238E27FC236}">
-                <a16:creationId xmlns:a16="http://schemas.microsoft.com/office/drawing/2014/main" id="{C2E9A4CC-D40A-1D49-EC6B-F1800EF63149}"/>
+              <a:t>© Steve Beaty and other as cited</a:t>
+            </a:r>
+          </a:p>
+        </p:txBody>
+      </p:sp>
+      <p:sp>
+        <p:nvSpPr>
+          <p:cNvPr id="4" name="Slide Number Placeholder 3">
+            <a:extLst>
+              <a:ext uri="{FF2B5EF4-FFF2-40B4-BE49-F238E27FC236}">
+                <a16:creationId xmlns:a16="http://schemas.microsoft.com/office/drawing/2014/main" id="{498C9EB7-5A48-06F9-2F23-837148C280C5}"/>
               </a:ext>
             </a:extLst>
           </p:cNvPr>
@@ -23798,7 +24008,12 @@
           <a:bodyPr/>
           <a:lstStyle/>
           <a:p>
-            <a:fld id="{AFE08FFA-7F03-3A4E-B3F8-2C550F8B5FDD}" type="slidenum">
+            <a:pPr>
+              <a:defRPr>
+                <a:effectLst/>
+              </a:defRPr>
+            </a:pPr>
+            <a:fld id="{86CB4B4D-7CA3-9044-876B-883B54F8677D}" type="slidenum">
               <a:rPr lang="en-US" smtClean="0"/>
               <a:t>85</a:t>
             </a:fld>
@@ -23809,7 +24024,7 @@
     </p:spTree>
     <p:extLst>
       <p:ext uri="{BB962C8B-B14F-4D97-AF65-F5344CB8AC3E}">
-        <p14:creationId xmlns:p14="http://schemas.microsoft.com/office/powerpoint/2010/main" val="3014013350"/>
+        <p14:creationId xmlns:p14="http://schemas.microsoft.com/office/powerpoint/2010/main" val="3325170378"/>
       </p:ext>
     </p:extLst>
   </p:cSld>
@@ -23853,7 +24068,7 @@
           <p:cNvPr id="2" name="Title 1">
             <a:extLst>
               <a:ext uri="{FF2B5EF4-FFF2-40B4-BE49-F238E27FC236}">
-                <a16:creationId xmlns:a16="http://schemas.microsoft.com/office/drawing/2014/main" id="{4EB791D8-B920-DFFA-51F5-CD5B52B202CE}"/>
+                <a16:creationId xmlns:a16="http://schemas.microsoft.com/office/drawing/2014/main" id="{91D8C3FB-1491-7150-4ED7-D2C45FB63B6A}"/>
               </a:ext>
             </a:extLst>
           </p:cNvPr>
@@ -23871,7 +24086,7 @@
           <a:p>
             <a:r>
               <a:rPr lang="en-US" dirty="0"/>
-              <a:t>Tracking</a:t>
+              <a:t>Ross Ulbricht</a:t>
             </a:r>
           </a:p>
         </p:txBody>
@@ -23881,7 +24096,7 @@
           <p:cNvPr id="3" name="Content Placeholder 2">
             <a:extLst>
               <a:ext uri="{FF2B5EF4-FFF2-40B4-BE49-F238E27FC236}">
-                <a16:creationId xmlns:a16="http://schemas.microsoft.com/office/drawing/2014/main" id="{338AEF27-FA4F-7125-2394-C55654E43632}"/>
+                <a16:creationId xmlns:a16="http://schemas.microsoft.com/office/drawing/2014/main" id="{81825BDE-3CE5-FAE3-2C4A-07366FCB4CC0}"/>
               </a:ext>
             </a:extLst>
           </p:cNvPr>
@@ -23895,41 +24110,19 @@
         <p:spPr/>
         <p:txBody>
           <a:bodyPr>
-            <a:normAutofit fontScale="77500" lnSpcReduction="20000"/>
+            <a:normAutofit fontScale="92500"/>
           </a:bodyPr>
           <a:lstStyle/>
           <a:p>
             <a:r>
               <a:rPr lang="en-US" dirty="0"/>
-              <a:t>Law enforcement seized a Silk Road server in Iceland</a:t>
-            </a:r>
-          </a:p>
-          <a:p>
-            <a:r>
-              <a:rPr lang="en-US" dirty="0"/>
-              <a:t>Ulbricht was connected to "Dread Pirate Roberts" by Gary Alford, an Internal Revenue Service investigator working with the Drug Enforcement Administration on the Silk Road case, in mid-2013</a:t>
-            </a:r>
-          </a:p>
-          <a:p>
-            <a:r>
-              <a:rPr lang="en-US" dirty="0"/>
-              <a:t>The connection was made by linking the username "</a:t>
-            </a:r>
-            <a:r>
-              <a:rPr lang="en-US" dirty="0" err="1"/>
-              <a:t>altoid</a:t>
-            </a:r>
-            <a:r>
-              <a:rPr lang="en-US" dirty="0"/>
-              <a:t>", used during Silk Road's early days to announce the website, and a forum post in which Ulbricht, posting under the nickname "</a:t>
-            </a:r>
-            <a:r>
-              <a:rPr lang="en-US" dirty="0" err="1"/>
-              <a:t>altoid</a:t>
-            </a:r>
-            <a:r>
-              <a:rPr lang="en-US" dirty="0"/>
-              <a:t>", asked for programming help and gave his email address, which contained his full name</a:t>
+              <a:t>Ulbricht attended the University of Texas at Dallas on a full academic scholarship and graduated in 2006 with a bachelor's degree in physics</a:t>
+            </a:r>
+          </a:p>
+          <a:p>
+            <a:r>
+              <a:rPr lang="en-US" dirty="0"/>
+              <a:t>Ulbricht received an additional scholarship to attend Pennsylvania State University, where he was in a master's degree program in materials science and engineering and studied crystallography </a:t>
             </a:r>
           </a:p>
         </p:txBody>
@@ -23939,7 +24132,7 @@
           <p:cNvPr id="4" name="Footer Placeholder 3">
             <a:extLst>
               <a:ext uri="{FF2B5EF4-FFF2-40B4-BE49-F238E27FC236}">
-                <a16:creationId xmlns:a16="http://schemas.microsoft.com/office/drawing/2014/main" id="{B39C3BE6-F3B5-9DF4-ABB4-DE0CD5A46DDD}"/>
+                <a16:creationId xmlns:a16="http://schemas.microsoft.com/office/drawing/2014/main" id="{41D7259A-CEA3-398F-353B-48DEF88136DA}"/>
               </a:ext>
             </a:extLst>
           </p:cNvPr>
@@ -23967,7 +24160,7 @@
           <p:cNvPr id="5" name="Slide Number Placeholder 4">
             <a:extLst>
               <a:ext uri="{FF2B5EF4-FFF2-40B4-BE49-F238E27FC236}">
-                <a16:creationId xmlns:a16="http://schemas.microsoft.com/office/drawing/2014/main" id="{527B7BA6-DE89-C464-9C45-083153165CE3}"/>
+                <a16:creationId xmlns:a16="http://schemas.microsoft.com/office/drawing/2014/main" id="{C2E9A4CC-D40A-1D49-EC6B-F1800EF63149}"/>
               </a:ext>
             </a:extLst>
           </p:cNvPr>
@@ -23994,7 +24187,7 @@
     </p:spTree>
     <p:extLst>
       <p:ext uri="{BB962C8B-B14F-4D97-AF65-F5344CB8AC3E}">
-        <p14:creationId xmlns:p14="http://schemas.microsoft.com/office/powerpoint/2010/main" val="3598752970"/>
+        <p14:creationId xmlns:p14="http://schemas.microsoft.com/office/powerpoint/2010/main" val="3014013350"/>
       </p:ext>
     </p:extLst>
   </p:cSld>
@@ -24033,176 +24226,98 @@
           <a:chExt cx="0" cy="0"/>
         </a:xfrm>
       </p:grpSpPr>
-      <p:pic>
-        <p:nvPicPr>
-          <p:cNvPr id="4" name="Picture 3"/>
-          <p:cNvPicPr>
-            <a:picLocks noChangeAspect="1"/>
-          </p:cNvPicPr>
-          <p:nvPr/>
-        </p:nvPicPr>
-        <p:blipFill>
-          <a:blip r:embed="rId2">
-            <a:extLst>
-              <a:ext uri="{28A0092B-C50C-407E-A947-70E740481C1C}">
-                <a14:useLocalDpi xmlns:a14="http://schemas.microsoft.com/office/drawing/2010/main" val="0"/>
-              </a:ext>
-            </a:extLst>
-          </a:blip>
-          <a:stretch>
-            <a:fillRect/>
-          </a:stretch>
-        </p:blipFill>
-        <p:spPr>
-          <a:xfrm>
-            <a:off x="738188" y="2155422"/>
-            <a:ext cx="10715624" cy="2547157"/>
-          </a:xfrm>
-          <a:prstGeom prst="rect">
-            <a:avLst/>
-          </a:prstGeom>
-        </p:spPr>
-      </p:pic>
-      <p:sp>
-        <p:nvSpPr>
-          <p:cNvPr id="5" name="Date Placeholder 4">
-            <a:extLst>
-              <a:ext uri="{FF2B5EF4-FFF2-40B4-BE49-F238E27FC236}">
-                <a16:creationId xmlns:a16="http://schemas.microsoft.com/office/drawing/2014/main" id="{B4476F9E-0943-72EE-A0E0-A2AB03C171B5}"/>
-              </a:ext>
-            </a:extLst>
-          </p:cNvPr>
-          <p:cNvSpPr>
-            <a:spLocks noGrp="1"/>
-          </p:cNvSpPr>
-          <p:nvPr>
-            <p:ph type="dt" sz="half" idx="10"/>
-          </p:nvPr>
-        </p:nvSpPr>
-        <p:spPr>
-          <a:xfrm>
-            <a:off x="3304538" y="4731545"/>
-            <a:ext cx="876866" cy="364068"/>
-          </a:xfrm>
-          <a:prstGeom prst="rect">
-            <a:avLst/>
-          </a:prstGeom>
-        </p:spPr>
-        <p:txBody>
-          <a:bodyPr vert="horz" lIns="91440" tIns="45720" rIns="91440" bIns="45720" rtlCol="0" anchor="ctr"/>
-          <a:lstStyle>
-            <a:defPPr>
-              <a:defRPr lang="en-US"/>
-            </a:defPPr>
-            <a:lvl1pPr marL="0" algn="l" defTabSz="914400" rtl="0" eaLnBrk="1" latinLnBrk="0" hangingPunct="1">
-              <a:defRPr sz="1200" kern="1200">
-                <a:solidFill>
-                  <a:schemeClr val="tx1">
-                    <a:tint val="75000"/>
-                  </a:schemeClr>
-                </a:solidFill>
-                <a:latin typeface="+mn-lt"/>
-                <a:ea typeface="+mn-ea"/>
-                <a:cs typeface="+mn-cs"/>
-              </a:defRPr>
-            </a:lvl1pPr>
-            <a:lvl2pPr marL="457200" algn="l" defTabSz="914400" rtl="0" eaLnBrk="1" latinLnBrk="0" hangingPunct="1">
-              <a:defRPr sz="1800" kern="1200">
-                <a:solidFill>
-                  <a:schemeClr val="tx1"/>
-                </a:solidFill>
-                <a:latin typeface="+mn-lt"/>
-                <a:ea typeface="+mn-ea"/>
-                <a:cs typeface="+mn-cs"/>
-              </a:defRPr>
-            </a:lvl2pPr>
-            <a:lvl3pPr marL="914400" algn="l" defTabSz="914400" rtl="0" eaLnBrk="1" latinLnBrk="0" hangingPunct="1">
-              <a:defRPr sz="1800" kern="1200">
-                <a:solidFill>
-                  <a:schemeClr val="tx1"/>
-                </a:solidFill>
-                <a:latin typeface="+mn-lt"/>
-                <a:ea typeface="+mn-ea"/>
-                <a:cs typeface="+mn-cs"/>
-              </a:defRPr>
-            </a:lvl3pPr>
-            <a:lvl4pPr marL="1371600" algn="l" defTabSz="914400" rtl="0" eaLnBrk="1" latinLnBrk="0" hangingPunct="1">
-              <a:defRPr sz="1800" kern="1200">
-                <a:solidFill>
-                  <a:schemeClr val="tx1"/>
-                </a:solidFill>
-                <a:latin typeface="+mn-lt"/>
-                <a:ea typeface="+mn-ea"/>
-                <a:cs typeface="+mn-cs"/>
-              </a:defRPr>
-            </a:lvl4pPr>
-            <a:lvl5pPr marL="1828800" algn="l" defTabSz="914400" rtl="0" eaLnBrk="1" latinLnBrk="0" hangingPunct="1">
-              <a:defRPr sz="1800" kern="1200">
-                <a:solidFill>
-                  <a:schemeClr val="tx1"/>
-                </a:solidFill>
-                <a:latin typeface="+mn-lt"/>
-                <a:ea typeface="+mn-ea"/>
-                <a:cs typeface="+mn-cs"/>
-              </a:defRPr>
-            </a:lvl5pPr>
-            <a:lvl6pPr marL="2286000" algn="l" defTabSz="914400" rtl="0" eaLnBrk="1" latinLnBrk="0" hangingPunct="1">
-              <a:defRPr sz="1800" kern="1200">
-                <a:solidFill>
-                  <a:schemeClr val="tx1"/>
-                </a:solidFill>
-                <a:latin typeface="+mn-lt"/>
-                <a:ea typeface="+mn-ea"/>
-                <a:cs typeface="+mn-cs"/>
-              </a:defRPr>
-            </a:lvl6pPr>
-            <a:lvl7pPr marL="2743200" algn="l" defTabSz="914400" rtl="0" eaLnBrk="1" latinLnBrk="0" hangingPunct="1">
-              <a:defRPr sz="1800" kern="1200">
-                <a:solidFill>
-                  <a:schemeClr val="tx1"/>
-                </a:solidFill>
-                <a:latin typeface="+mn-lt"/>
-                <a:ea typeface="+mn-ea"/>
-                <a:cs typeface="+mn-cs"/>
-              </a:defRPr>
-            </a:lvl7pPr>
-            <a:lvl8pPr marL="3200400" algn="l" defTabSz="914400" rtl="0" eaLnBrk="1" latinLnBrk="0" hangingPunct="1">
-              <a:defRPr sz="1800" kern="1200">
-                <a:solidFill>
-                  <a:schemeClr val="tx1"/>
-                </a:solidFill>
-                <a:latin typeface="+mn-lt"/>
-                <a:ea typeface="+mn-ea"/>
-                <a:cs typeface="+mn-cs"/>
-              </a:defRPr>
-            </a:lvl8pPr>
-            <a:lvl9pPr marL="3657600" algn="l" defTabSz="914400" rtl="0" eaLnBrk="1" latinLnBrk="0" hangingPunct="1">
-              <a:defRPr sz="1800" kern="1200">
-                <a:solidFill>
-                  <a:schemeClr val="tx1"/>
-                </a:solidFill>
-                <a:latin typeface="+mn-lt"/>
-                <a:ea typeface="+mn-ea"/>
-                <a:cs typeface="+mn-cs"/>
-              </a:defRPr>
-            </a:lvl9pPr>
-          </a:lstStyle>
-          <a:p>
-            <a:fld id="{B672E456-610B-AF4E-976B-E2090AD6D463}" type="datetime1">
-              <a:rPr lang="en-US" smtClean="0"/>
-              <a:pPr/>
-              <a:t>11/13/25</a:t>
-            </a:fld>
-            <a:endParaRPr lang="en-US"/>
-          </a:p>
-        </p:txBody>
-      </p:sp>
-      <p:sp>
-        <p:nvSpPr>
-          <p:cNvPr id="6" name="Footer Placeholder 5">
-            <a:extLst>
-              <a:ext uri="{FF2B5EF4-FFF2-40B4-BE49-F238E27FC236}">
-                <a16:creationId xmlns:a16="http://schemas.microsoft.com/office/drawing/2014/main" id="{C2CB7854-4A82-8770-F8B9-A16F275C0BCA}"/>
+      <p:sp>
+        <p:nvSpPr>
+          <p:cNvPr id="2" name="Title 1">
+            <a:extLst>
+              <a:ext uri="{FF2B5EF4-FFF2-40B4-BE49-F238E27FC236}">
+                <a16:creationId xmlns:a16="http://schemas.microsoft.com/office/drawing/2014/main" id="{4EB791D8-B920-DFFA-51F5-CD5B52B202CE}"/>
+              </a:ext>
+            </a:extLst>
+          </p:cNvPr>
+          <p:cNvSpPr>
+            <a:spLocks noGrp="1"/>
+          </p:cNvSpPr>
+          <p:nvPr>
+            <p:ph type="title"/>
+          </p:nvPr>
+        </p:nvSpPr>
+        <p:spPr/>
+        <p:txBody>
+          <a:bodyPr/>
+          <a:lstStyle/>
+          <a:p>
+            <a:r>
+              <a:rPr lang="en-US" dirty="0"/>
+              <a:t>Tracking</a:t>
+            </a:r>
+          </a:p>
+        </p:txBody>
+      </p:sp>
+      <p:sp>
+        <p:nvSpPr>
+          <p:cNvPr id="3" name="Content Placeholder 2">
+            <a:extLst>
+              <a:ext uri="{FF2B5EF4-FFF2-40B4-BE49-F238E27FC236}">
+                <a16:creationId xmlns:a16="http://schemas.microsoft.com/office/drawing/2014/main" id="{338AEF27-FA4F-7125-2394-C55654E43632}"/>
+              </a:ext>
+            </a:extLst>
+          </p:cNvPr>
+          <p:cNvSpPr>
+            <a:spLocks noGrp="1"/>
+          </p:cNvSpPr>
+          <p:nvPr>
+            <p:ph idx="1"/>
+          </p:nvPr>
+        </p:nvSpPr>
+        <p:spPr/>
+        <p:txBody>
+          <a:bodyPr>
+            <a:normAutofit fontScale="77500" lnSpcReduction="20000"/>
+          </a:bodyPr>
+          <a:lstStyle/>
+          <a:p>
+            <a:r>
+              <a:rPr lang="en-US" dirty="0"/>
+              <a:t>Law enforcement seized a Silk Road server in Iceland</a:t>
+            </a:r>
+          </a:p>
+          <a:p>
+            <a:r>
+              <a:rPr lang="en-US" dirty="0"/>
+              <a:t>Ulbricht was connected to "Dread Pirate Roberts" by Gary Alford, an Internal Revenue Service investigator working with the Drug Enforcement Administration on the Silk Road case, in mid-2013</a:t>
+            </a:r>
+          </a:p>
+          <a:p>
+            <a:r>
+              <a:rPr lang="en-US" dirty="0"/>
+              <a:t>The connection was made by linking the username "</a:t>
+            </a:r>
+            <a:r>
+              <a:rPr lang="en-US" dirty="0" err="1"/>
+              <a:t>altoid</a:t>
+            </a:r>
+            <a:r>
+              <a:rPr lang="en-US" dirty="0"/>
+              <a:t>", used during Silk Road's early days to announce the website, and a forum post in which Ulbricht, posting under the nickname "</a:t>
+            </a:r>
+            <a:r>
+              <a:rPr lang="en-US" dirty="0" err="1"/>
+              <a:t>altoid</a:t>
+            </a:r>
+            <a:r>
+              <a:rPr lang="en-US" dirty="0"/>
+              <a:t>", asked for programming help and gave his email address, which contained his full name</a:t>
+            </a:r>
+          </a:p>
+        </p:txBody>
+      </p:sp>
+      <p:sp>
+        <p:nvSpPr>
+          <p:cNvPr id="4" name="Footer Placeholder 3">
+            <a:extLst>
+              <a:ext uri="{FF2B5EF4-FFF2-40B4-BE49-F238E27FC236}">
+                <a16:creationId xmlns:a16="http://schemas.microsoft.com/office/drawing/2014/main" id="{B39C3BE6-F3B5-9DF4-ABB4-DE0CD5A46DDD}"/>
               </a:ext>
             </a:extLst>
           </p:cNvPr>
@@ -24220,17 +24335,17 @@
           <a:p>
             <a:r>
               <a:rPr lang="en-US"/>
-              <a:t>© Steve Beaty and other as cited</a:t>
-            </a:r>
-          </a:p>
-        </p:txBody>
-      </p:sp>
-      <p:sp>
-        <p:nvSpPr>
-          <p:cNvPr id="7" name="Slide Number Placeholder 6">
-            <a:extLst>
-              <a:ext uri="{FF2B5EF4-FFF2-40B4-BE49-F238E27FC236}">
-                <a16:creationId xmlns:a16="http://schemas.microsoft.com/office/drawing/2014/main" id="{A5F5B2BA-41E2-AFED-76EB-4FC62B907FA0}"/>
+              <a:t>© Steve Beaty and others as cited</a:t>
+            </a:r>
+          </a:p>
+        </p:txBody>
+      </p:sp>
+      <p:sp>
+        <p:nvSpPr>
+          <p:cNvPr id="5" name="Slide Number Placeholder 4">
+            <a:extLst>
+              <a:ext uri="{FF2B5EF4-FFF2-40B4-BE49-F238E27FC236}">
+                <a16:creationId xmlns:a16="http://schemas.microsoft.com/office/drawing/2014/main" id="{527B7BA6-DE89-C464-9C45-083153165CE3}"/>
               </a:ext>
             </a:extLst>
           </p:cNvPr>
@@ -24246,12 +24361,7 @@
           <a:bodyPr/>
           <a:lstStyle/>
           <a:p>
-            <a:pPr>
-              <a:defRPr>
-                <a:effectLst/>
-              </a:defRPr>
-            </a:pPr>
-            <a:fld id="{86CB4B4D-7CA3-9044-876B-883B54F8677D}" type="slidenum">
+            <a:fld id="{AFE08FFA-7F03-3A4E-B3F8-2C550F8B5FDD}" type="slidenum">
               <a:rPr lang="en-US" smtClean="0"/>
               <a:t>87</a:t>
             </a:fld>
@@ -24262,7 +24372,7 @@
     </p:spTree>
     <p:extLst>
       <p:ext uri="{BB962C8B-B14F-4D97-AF65-F5344CB8AC3E}">
-        <p14:creationId xmlns:p14="http://schemas.microsoft.com/office/powerpoint/2010/main" val="676073580"/>
+        <p14:creationId xmlns:p14="http://schemas.microsoft.com/office/powerpoint/2010/main" val="3598752970"/>
       </p:ext>
     </p:extLst>
   </p:cSld>
@@ -24271,12 +24381,12 @@
   </p:clrMapOvr>
   <mc:AlternateContent xmlns:mc="http://schemas.openxmlformats.org/markup-compatibility/2006" xmlns:p14="http://schemas.microsoft.com/office/powerpoint/2010/main">
     <mc:Choice Requires="p14">
-      <p:transition spd="slow" p14:dur="1400">
-        <p14:ripple/>
+      <p:transition spd="slow" p14:dur="1200">
+        <p14:prism/>
       </p:transition>
     </mc:Choice>
     <mc:Fallback xmlns="">
-      <p:transition spd="slow">
+      <p:transition xmlns:p14="http://schemas.microsoft.com/office/powerpoint/2010/main" spd="slow">
         <p:fade/>
       </p:transition>
     </mc:Fallback>
@@ -24301,62 +24411,176 @@
           <a:chExt cx="0" cy="0"/>
         </a:xfrm>
       </p:grpSpPr>
-      <p:sp>
-        <p:nvSpPr>
-          <p:cNvPr id="2" name="Title 1"/>
-          <p:cNvSpPr>
-            <a:spLocks noGrp="1"/>
-          </p:cNvSpPr>
-          <p:nvPr>
-            <p:ph type="title"/>
-          </p:nvPr>
-        </p:nvSpPr>
-        <p:spPr/>
-        <p:txBody>
-          <a:bodyPr/>
-          <a:lstStyle/>
-          <a:p>
-            <a:r>
-              <a:rPr lang="en-US" dirty="0"/>
-              <a:t>Silk Road 2</a:t>
-            </a:r>
-          </a:p>
-        </p:txBody>
-      </p:sp>
-      <p:sp>
-        <p:nvSpPr>
-          <p:cNvPr id="3" name="Text Placeholder 2"/>
-          <p:cNvSpPr>
-            <a:spLocks noGrp="1"/>
-          </p:cNvSpPr>
-          <p:nvPr>
-            <p:ph idx="1"/>
-          </p:nvPr>
-        </p:nvSpPr>
-        <p:spPr/>
-        <p:txBody>
-          <a:bodyPr/>
-          <a:lstStyle/>
-          <a:p>
-            <a:r>
-              <a:rPr lang="en-US" dirty="0"/>
-              <a:t>Silk Road 2.0 came online, run by former administrators of Silk Road</a:t>
-            </a:r>
-          </a:p>
-          <a:p>
-            <a:r>
-              <a:rPr lang="en-US" dirty="0"/>
-              <a:t>It too was shut down and the alleged operator was arrested</a:t>
-            </a:r>
-          </a:p>
-        </p:txBody>
-      </p:sp>
-      <p:sp>
-        <p:nvSpPr>
-          <p:cNvPr id="5" name="Footer Placeholder 4">
-            <a:extLst>
-              <a:ext uri="{FF2B5EF4-FFF2-40B4-BE49-F238E27FC236}">
-                <a16:creationId xmlns:a16="http://schemas.microsoft.com/office/drawing/2014/main" id="{B37E483E-B863-615F-85A1-64EC387D2B5C}"/>
+      <p:pic>
+        <p:nvPicPr>
+          <p:cNvPr id="4" name="Picture 3"/>
+          <p:cNvPicPr>
+            <a:picLocks noChangeAspect="1"/>
+          </p:cNvPicPr>
+          <p:nvPr/>
+        </p:nvPicPr>
+        <p:blipFill>
+          <a:blip r:embed="rId2">
+            <a:extLst>
+              <a:ext uri="{28A0092B-C50C-407E-A947-70E740481C1C}">
+                <a14:useLocalDpi xmlns:a14="http://schemas.microsoft.com/office/drawing/2010/main" val="0"/>
+              </a:ext>
+            </a:extLst>
+          </a:blip>
+          <a:stretch>
+            <a:fillRect/>
+          </a:stretch>
+        </p:blipFill>
+        <p:spPr>
+          <a:xfrm>
+            <a:off x="738188" y="2155422"/>
+            <a:ext cx="10715624" cy="2547157"/>
+          </a:xfrm>
+          <a:prstGeom prst="rect">
+            <a:avLst/>
+          </a:prstGeom>
+        </p:spPr>
+      </p:pic>
+      <p:sp>
+        <p:nvSpPr>
+          <p:cNvPr id="5" name="Date Placeholder 4">
+            <a:extLst>
+              <a:ext uri="{FF2B5EF4-FFF2-40B4-BE49-F238E27FC236}">
+                <a16:creationId xmlns:a16="http://schemas.microsoft.com/office/drawing/2014/main" id="{B4476F9E-0943-72EE-A0E0-A2AB03C171B5}"/>
+              </a:ext>
+            </a:extLst>
+          </p:cNvPr>
+          <p:cNvSpPr>
+            <a:spLocks noGrp="1"/>
+          </p:cNvSpPr>
+          <p:nvPr>
+            <p:ph type="dt" sz="half" idx="10"/>
+          </p:nvPr>
+        </p:nvSpPr>
+        <p:spPr>
+          <a:xfrm>
+            <a:off x="3304538" y="4731545"/>
+            <a:ext cx="876866" cy="364068"/>
+          </a:xfrm>
+          <a:prstGeom prst="rect">
+            <a:avLst/>
+          </a:prstGeom>
+        </p:spPr>
+        <p:txBody>
+          <a:bodyPr vert="horz" lIns="91440" tIns="45720" rIns="91440" bIns="45720" rtlCol="0" anchor="ctr"/>
+          <a:lstStyle>
+            <a:defPPr>
+              <a:defRPr lang="en-US"/>
+            </a:defPPr>
+            <a:lvl1pPr marL="0" algn="l" defTabSz="914400" rtl="0" eaLnBrk="1" latinLnBrk="0" hangingPunct="1">
+              <a:defRPr sz="1200" kern="1200">
+                <a:solidFill>
+                  <a:schemeClr val="tx1">
+                    <a:tint val="75000"/>
+                  </a:schemeClr>
+                </a:solidFill>
+                <a:latin typeface="+mn-lt"/>
+                <a:ea typeface="+mn-ea"/>
+                <a:cs typeface="+mn-cs"/>
+              </a:defRPr>
+            </a:lvl1pPr>
+            <a:lvl2pPr marL="457200" algn="l" defTabSz="914400" rtl="0" eaLnBrk="1" latinLnBrk="0" hangingPunct="1">
+              <a:defRPr sz="1800" kern="1200">
+                <a:solidFill>
+                  <a:schemeClr val="tx1"/>
+                </a:solidFill>
+                <a:latin typeface="+mn-lt"/>
+                <a:ea typeface="+mn-ea"/>
+                <a:cs typeface="+mn-cs"/>
+              </a:defRPr>
+            </a:lvl2pPr>
+            <a:lvl3pPr marL="914400" algn="l" defTabSz="914400" rtl="0" eaLnBrk="1" latinLnBrk="0" hangingPunct="1">
+              <a:defRPr sz="1800" kern="1200">
+                <a:solidFill>
+                  <a:schemeClr val="tx1"/>
+                </a:solidFill>
+                <a:latin typeface="+mn-lt"/>
+                <a:ea typeface="+mn-ea"/>
+                <a:cs typeface="+mn-cs"/>
+              </a:defRPr>
+            </a:lvl3pPr>
+            <a:lvl4pPr marL="1371600" algn="l" defTabSz="914400" rtl="0" eaLnBrk="1" latinLnBrk="0" hangingPunct="1">
+              <a:defRPr sz="1800" kern="1200">
+                <a:solidFill>
+                  <a:schemeClr val="tx1"/>
+                </a:solidFill>
+                <a:latin typeface="+mn-lt"/>
+                <a:ea typeface="+mn-ea"/>
+                <a:cs typeface="+mn-cs"/>
+              </a:defRPr>
+            </a:lvl4pPr>
+            <a:lvl5pPr marL="1828800" algn="l" defTabSz="914400" rtl="0" eaLnBrk="1" latinLnBrk="0" hangingPunct="1">
+              <a:defRPr sz="1800" kern="1200">
+                <a:solidFill>
+                  <a:schemeClr val="tx1"/>
+                </a:solidFill>
+                <a:latin typeface="+mn-lt"/>
+                <a:ea typeface="+mn-ea"/>
+                <a:cs typeface="+mn-cs"/>
+              </a:defRPr>
+            </a:lvl5pPr>
+            <a:lvl6pPr marL="2286000" algn="l" defTabSz="914400" rtl="0" eaLnBrk="1" latinLnBrk="0" hangingPunct="1">
+              <a:defRPr sz="1800" kern="1200">
+                <a:solidFill>
+                  <a:schemeClr val="tx1"/>
+                </a:solidFill>
+                <a:latin typeface="+mn-lt"/>
+                <a:ea typeface="+mn-ea"/>
+                <a:cs typeface="+mn-cs"/>
+              </a:defRPr>
+            </a:lvl6pPr>
+            <a:lvl7pPr marL="2743200" algn="l" defTabSz="914400" rtl="0" eaLnBrk="1" latinLnBrk="0" hangingPunct="1">
+              <a:defRPr sz="1800" kern="1200">
+                <a:solidFill>
+                  <a:schemeClr val="tx1"/>
+                </a:solidFill>
+                <a:latin typeface="+mn-lt"/>
+                <a:ea typeface="+mn-ea"/>
+                <a:cs typeface="+mn-cs"/>
+              </a:defRPr>
+            </a:lvl7pPr>
+            <a:lvl8pPr marL="3200400" algn="l" defTabSz="914400" rtl="0" eaLnBrk="1" latinLnBrk="0" hangingPunct="1">
+              <a:defRPr sz="1800" kern="1200">
+                <a:solidFill>
+                  <a:schemeClr val="tx1"/>
+                </a:solidFill>
+                <a:latin typeface="+mn-lt"/>
+                <a:ea typeface="+mn-ea"/>
+                <a:cs typeface="+mn-cs"/>
+              </a:defRPr>
+            </a:lvl8pPr>
+            <a:lvl9pPr marL="3657600" algn="l" defTabSz="914400" rtl="0" eaLnBrk="1" latinLnBrk="0" hangingPunct="1">
+              <a:defRPr sz="1800" kern="1200">
+                <a:solidFill>
+                  <a:schemeClr val="tx1"/>
+                </a:solidFill>
+                <a:latin typeface="+mn-lt"/>
+                <a:ea typeface="+mn-ea"/>
+                <a:cs typeface="+mn-cs"/>
+              </a:defRPr>
+            </a:lvl9pPr>
+          </a:lstStyle>
+          <a:p>
+            <a:fld id="{B672E456-610B-AF4E-976B-E2090AD6D463}" type="datetime1">
+              <a:rPr lang="en-US" smtClean="0"/>
+              <a:pPr/>
+              <a:t>11/13/25</a:t>
+            </a:fld>
+            <a:endParaRPr lang="en-US"/>
+          </a:p>
+        </p:txBody>
+      </p:sp>
+      <p:sp>
+        <p:nvSpPr>
+          <p:cNvPr id="6" name="Footer Placeholder 5">
+            <a:extLst>
+              <a:ext uri="{FF2B5EF4-FFF2-40B4-BE49-F238E27FC236}">
+                <a16:creationId xmlns:a16="http://schemas.microsoft.com/office/drawing/2014/main" id="{C2CB7854-4A82-8770-F8B9-A16F275C0BCA}"/>
               </a:ext>
             </a:extLst>
           </p:cNvPr>
@@ -24381,10 +24605,10 @@
       </p:sp>
       <p:sp>
         <p:nvSpPr>
-          <p:cNvPr id="6" name="Slide Number Placeholder 5">
-            <a:extLst>
-              <a:ext uri="{FF2B5EF4-FFF2-40B4-BE49-F238E27FC236}">
-                <a16:creationId xmlns:a16="http://schemas.microsoft.com/office/drawing/2014/main" id="{8091C859-FDFF-E56C-71A3-21CC11A5DC31}"/>
+          <p:cNvPr id="7" name="Slide Number Placeholder 6">
+            <a:extLst>
+              <a:ext uri="{FF2B5EF4-FFF2-40B4-BE49-F238E27FC236}">
+                <a16:creationId xmlns:a16="http://schemas.microsoft.com/office/drawing/2014/main" id="{A5F5B2BA-41E2-AFED-76EB-4FC62B907FA0}"/>
               </a:ext>
             </a:extLst>
           </p:cNvPr>
@@ -24416,7 +24640,7 @@
     </p:spTree>
     <p:extLst>
       <p:ext uri="{BB962C8B-B14F-4D97-AF65-F5344CB8AC3E}">
-        <p14:creationId xmlns:p14="http://schemas.microsoft.com/office/powerpoint/2010/main" val="1143441730"/>
+        <p14:creationId xmlns:p14="http://schemas.microsoft.com/office/powerpoint/2010/main" val="676073580"/>
       </p:ext>
     </p:extLst>
   </p:cSld>
@@ -24455,176 +24679,62 @@
           <a:chExt cx="0" cy="0"/>
         </a:xfrm>
       </p:grpSpPr>
-      <p:pic>
-        <p:nvPicPr>
-          <p:cNvPr id="4" name="Picture 3"/>
-          <p:cNvPicPr>
-            <a:picLocks noChangeAspect="1"/>
-          </p:cNvPicPr>
-          <p:nvPr/>
-        </p:nvPicPr>
-        <p:blipFill>
-          <a:blip r:embed="rId2">
-            <a:extLst>
-              <a:ext uri="{28A0092B-C50C-407E-A947-70E740481C1C}">
-                <a14:useLocalDpi xmlns:a14="http://schemas.microsoft.com/office/drawing/2010/main" val="0"/>
-              </a:ext>
-            </a:extLst>
-          </a:blip>
-          <a:stretch>
-            <a:fillRect/>
-          </a:stretch>
-        </p:blipFill>
-        <p:spPr>
-          <a:xfrm>
-            <a:off x="713953" y="2251676"/>
-            <a:ext cx="10745273" cy="2350529"/>
-          </a:xfrm>
-          <a:prstGeom prst="rect">
-            <a:avLst/>
-          </a:prstGeom>
-        </p:spPr>
-      </p:pic>
-      <p:sp>
-        <p:nvSpPr>
-          <p:cNvPr id="5" name="Date Placeholder 4">
-            <a:extLst>
-              <a:ext uri="{FF2B5EF4-FFF2-40B4-BE49-F238E27FC236}">
-                <a16:creationId xmlns:a16="http://schemas.microsoft.com/office/drawing/2014/main" id="{AC686196-DD5A-664F-D5E1-436310298477}"/>
-              </a:ext>
-            </a:extLst>
-          </p:cNvPr>
-          <p:cNvSpPr>
-            <a:spLocks noGrp="1"/>
-          </p:cNvSpPr>
-          <p:nvPr>
-            <p:ph type="dt" sz="half" idx="10"/>
-          </p:nvPr>
-        </p:nvSpPr>
-        <p:spPr>
-          <a:xfrm>
-            <a:off x="3304538" y="4731545"/>
-            <a:ext cx="876866" cy="364068"/>
-          </a:xfrm>
-          <a:prstGeom prst="rect">
-            <a:avLst/>
-          </a:prstGeom>
-        </p:spPr>
-        <p:txBody>
-          <a:bodyPr vert="horz" lIns="91440" tIns="45720" rIns="91440" bIns="45720" rtlCol="0" anchor="ctr"/>
-          <a:lstStyle>
-            <a:defPPr>
-              <a:defRPr lang="en-US"/>
-            </a:defPPr>
-            <a:lvl1pPr marL="0" algn="l" defTabSz="914400" rtl="0" eaLnBrk="1" latinLnBrk="0" hangingPunct="1">
-              <a:defRPr sz="1200" kern="1200">
-                <a:solidFill>
-                  <a:schemeClr val="tx1">
-                    <a:tint val="75000"/>
-                  </a:schemeClr>
-                </a:solidFill>
-                <a:latin typeface="+mn-lt"/>
-                <a:ea typeface="+mn-ea"/>
-                <a:cs typeface="+mn-cs"/>
-              </a:defRPr>
-            </a:lvl1pPr>
-            <a:lvl2pPr marL="457200" algn="l" defTabSz="914400" rtl="0" eaLnBrk="1" latinLnBrk="0" hangingPunct="1">
-              <a:defRPr sz="1800" kern="1200">
-                <a:solidFill>
-                  <a:schemeClr val="tx1"/>
-                </a:solidFill>
-                <a:latin typeface="+mn-lt"/>
-                <a:ea typeface="+mn-ea"/>
-                <a:cs typeface="+mn-cs"/>
-              </a:defRPr>
-            </a:lvl2pPr>
-            <a:lvl3pPr marL="914400" algn="l" defTabSz="914400" rtl="0" eaLnBrk="1" latinLnBrk="0" hangingPunct="1">
-              <a:defRPr sz="1800" kern="1200">
-                <a:solidFill>
-                  <a:schemeClr val="tx1"/>
-                </a:solidFill>
-                <a:latin typeface="+mn-lt"/>
-                <a:ea typeface="+mn-ea"/>
-                <a:cs typeface="+mn-cs"/>
-              </a:defRPr>
-            </a:lvl3pPr>
-            <a:lvl4pPr marL="1371600" algn="l" defTabSz="914400" rtl="0" eaLnBrk="1" latinLnBrk="0" hangingPunct="1">
-              <a:defRPr sz="1800" kern="1200">
-                <a:solidFill>
-                  <a:schemeClr val="tx1"/>
-                </a:solidFill>
-                <a:latin typeface="+mn-lt"/>
-                <a:ea typeface="+mn-ea"/>
-                <a:cs typeface="+mn-cs"/>
-              </a:defRPr>
-            </a:lvl4pPr>
-            <a:lvl5pPr marL="1828800" algn="l" defTabSz="914400" rtl="0" eaLnBrk="1" latinLnBrk="0" hangingPunct="1">
-              <a:defRPr sz="1800" kern="1200">
-                <a:solidFill>
-                  <a:schemeClr val="tx1"/>
-                </a:solidFill>
-                <a:latin typeface="+mn-lt"/>
-                <a:ea typeface="+mn-ea"/>
-                <a:cs typeface="+mn-cs"/>
-              </a:defRPr>
-            </a:lvl5pPr>
-            <a:lvl6pPr marL="2286000" algn="l" defTabSz="914400" rtl="0" eaLnBrk="1" latinLnBrk="0" hangingPunct="1">
-              <a:defRPr sz="1800" kern="1200">
-                <a:solidFill>
-                  <a:schemeClr val="tx1"/>
-                </a:solidFill>
-                <a:latin typeface="+mn-lt"/>
-                <a:ea typeface="+mn-ea"/>
-                <a:cs typeface="+mn-cs"/>
-              </a:defRPr>
-            </a:lvl6pPr>
-            <a:lvl7pPr marL="2743200" algn="l" defTabSz="914400" rtl="0" eaLnBrk="1" latinLnBrk="0" hangingPunct="1">
-              <a:defRPr sz="1800" kern="1200">
-                <a:solidFill>
-                  <a:schemeClr val="tx1"/>
-                </a:solidFill>
-                <a:latin typeface="+mn-lt"/>
-                <a:ea typeface="+mn-ea"/>
-                <a:cs typeface="+mn-cs"/>
-              </a:defRPr>
-            </a:lvl7pPr>
-            <a:lvl8pPr marL="3200400" algn="l" defTabSz="914400" rtl="0" eaLnBrk="1" latinLnBrk="0" hangingPunct="1">
-              <a:defRPr sz="1800" kern="1200">
-                <a:solidFill>
-                  <a:schemeClr val="tx1"/>
-                </a:solidFill>
-                <a:latin typeface="+mn-lt"/>
-                <a:ea typeface="+mn-ea"/>
-                <a:cs typeface="+mn-cs"/>
-              </a:defRPr>
-            </a:lvl8pPr>
-            <a:lvl9pPr marL="3657600" algn="l" defTabSz="914400" rtl="0" eaLnBrk="1" latinLnBrk="0" hangingPunct="1">
-              <a:defRPr sz="1800" kern="1200">
-                <a:solidFill>
-                  <a:schemeClr val="tx1"/>
-                </a:solidFill>
-                <a:latin typeface="+mn-lt"/>
-                <a:ea typeface="+mn-ea"/>
-                <a:cs typeface="+mn-cs"/>
-              </a:defRPr>
-            </a:lvl9pPr>
-          </a:lstStyle>
-          <a:p>
-            <a:fld id="{B672E456-610B-AF4E-976B-E2090AD6D463}" type="datetime1">
-              <a:rPr lang="en-US" smtClean="0"/>
-              <a:pPr/>
-              <a:t>11/13/25</a:t>
-            </a:fld>
-            <a:endParaRPr lang="en-US"/>
-          </a:p>
-        </p:txBody>
-      </p:sp>
-      <p:sp>
-        <p:nvSpPr>
-          <p:cNvPr id="6" name="Footer Placeholder 5">
-            <a:extLst>
-              <a:ext uri="{FF2B5EF4-FFF2-40B4-BE49-F238E27FC236}">
-                <a16:creationId xmlns:a16="http://schemas.microsoft.com/office/drawing/2014/main" id="{787951ED-655E-B9F8-3620-375D59381253}"/>
+      <p:sp>
+        <p:nvSpPr>
+          <p:cNvPr id="2" name="Title 1"/>
+          <p:cNvSpPr>
+            <a:spLocks noGrp="1"/>
+          </p:cNvSpPr>
+          <p:nvPr>
+            <p:ph type="title"/>
+          </p:nvPr>
+        </p:nvSpPr>
+        <p:spPr/>
+        <p:txBody>
+          <a:bodyPr/>
+          <a:lstStyle/>
+          <a:p>
+            <a:r>
+              <a:rPr lang="en-US" dirty="0"/>
+              <a:t>Silk Road 2</a:t>
+            </a:r>
+          </a:p>
+        </p:txBody>
+      </p:sp>
+      <p:sp>
+        <p:nvSpPr>
+          <p:cNvPr id="3" name="Text Placeholder 2"/>
+          <p:cNvSpPr>
+            <a:spLocks noGrp="1"/>
+          </p:cNvSpPr>
+          <p:nvPr>
+            <p:ph idx="1"/>
+          </p:nvPr>
+        </p:nvSpPr>
+        <p:spPr/>
+        <p:txBody>
+          <a:bodyPr/>
+          <a:lstStyle/>
+          <a:p>
+            <a:r>
+              <a:rPr lang="en-US" dirty="0"/>
+              <a:t>Silk Road 2.0 came online, run by former administrators of Silk Road</a:t>
+            </a:r>
+          </a:p>
+          <a:p>
+            <a:r>
+              <a:rPr lang="en-US" dirty="0"/>
+              <a:t>It too was shut down and the alleged operator was arrested</a:t>
+            </a:r>
+          </a:p>
+        </p:txBody>
+      </p:sp>
+      <p:sp>
+        <p:nvSpPr>
+          <p:cNvPr id="5" name="Footer Placeholder 4">
+            <a:extLst>
+              <a:ext uri="{FF2B5EF4-FFF2-40B4-BE49-F238E27FC236}">
+                <a16:creationId xmlns:a16="http://schemas.microsoft.com/office/drawing/2014/main" id="{B37E483E-B863-615F-85A1-64EC387D2B5C}"/>
               </a:ext>
             </a:extLst>
           </p:cNvPr>
@@ -24649,10 +24759,10 @@
       </p:sp>
       <p:sp>
         <p:nvSpPr>
-          <p:cNvPr id="7" name="Slide Number Placeholder 6">
-            <a:extLst>
-              <a:ext uri="{FF2B5EF4-FFF2-40B4-BE49-F238E27FC236}">
-                <a16:creationId xmlns:a16="http://schemas.microsoft.com/office/drawing/2014/main" id="{3FA23D94-8EEA-297A-E9ED-8DF3053860DA}"/>
+          <p:cNvPr id="6" name="Slide Number Placeholder 5">
+            <a:extLst>
+              <a:ext uri="{FF2B5EF4-FFF2-40B4-BE49-F238E27FC236}">
+                <a16:creationId xmlns:a16="http://schemas.microsoft.com/office/drawing/2014/main" id="{8091C859-FDFF-E56C-71A3-21CC11A5DC31}"/>
               </a:ext>
             </a:extLst>
           </p:cNvPr>
@@ -24684,7 +24794,7 @@
     </p:spTree>
     <p:extLst>
       <p:ext uri="{BB962C8B-B14F-4D97-AF65-F5344CB8AC3E}">
-        <p14:creationId xmlns:p14="http://schemas.microsoft.com/office/powerpoint/2010/main" val="522803975"/>
+        <p14:creationId xmlns:p14="http://schemas.microsoft.com/office/powerpoint/2010/main" val="1143441730"/>
       </p:ext>
     </p:extLst>
   </p:cSld>
@@ -24916,73 +25026,42 @@
           <a:chExt cx="0" cy="0"/>
         </a:xfrm>
       </p:grpSpPr>
-      <p:sp>
-        <p:nvSpPr>
-          <p:cNvPr id="2" name="Title 1"/>
-          <p:cNvSpPr>
-            <a:spLocks noGrp="1"/>
-          </p:cNvSpPr>
-          <p:nvPr>
-            <p:ph type="title"/>
-          </p:nvPr>
-        </p:nvSpPr>
-        <p:spPr/>
-        <p:txBody>
-          <a:bodyPr/>
-          <a:lstStyle/>
-          <a:p>
-            <a:r>
-              <a:rPr lang="en-US" dirty="0" err="1"/>
-              <a:t>Alphabay</a:t>
-            </a:r>
-            <a:endParaRPr lang="en-US" dirty="0"/>
-          </a:p>
-        </p:txBody>
-      </p:sp>
-      <p:sp>
-        <p:nvSpPr>
-          <p:cNvPr id="3" name="Text Placeholder 2"/>
-          <p:cNvSpPr>
-            <a:spLocks noGrp="1"/>
-          </p:cNvSpPr>
-          <p:nvPr>
-            <p:ph idx="1"/>
-          </p:nvPr>
-        </p:nvSpPr>
-        <p:spPr/>
-        <p:txBody>
-          <a:bodyPr>
-            <a:normAutofit/>
-          </a:bodyPr>
-          <a:lstStyle/>
-          <a:p>
-            <a:r>
-              <a:rPr lang="en-US" dirty="0"/>
-              <a:t>Was shut down after a law enforcement action as a part of Operation Bayonet </a:t>
-            </a:r>
-          </a:p>
-          <a:p>
-            <a:r>
-              <a:rPr lang="en-US" dirty="0"/>
-              <a:t>The alleged founder, Alexandre </a:t>
-            </a:r>
-            <a:r>
-              <a:rPr lang="en-US" dirty="0" err="1"/>
-              <a:t>Cazes</a:t>
-            </a:r>
-            <a:r>
-              <a:rPr lang="en-US" dirty="0"/>
-              <a:t>, a Canadian citizen was found dead in his cell in Thailand several days after his arrest; suicide is suspected</a:t>
-            </a:r>
-          </a:p>
-        </p:txBody>
-      </p:sp>
-      <p:sp>
-        <p:nvSpPr>
-          <p:cNvPr id="4" name="Date Placeholder 3">
-            <a:extLst>
-              <a:ext uri="{FF2B5EF4-FFF2-40B4-BE49-F238E27FC236}">
-                <a16:creationId xmlns:a16="http://schemas.microsoft.com/office/drawing/2014/main" id="{35B7221C-0575-95E4-EC69-E20019468F61}"/>
+      <p:pic>
+        <p:nvPicPr>
+          <p:cNvPr id="4" name="Picture 3"/>
+          <p:cNvPicPr>
+            <a:picLocks noChangeAspect="1"/>
+          </p:cNvPicPr>
+          <p:nvPr/>
+        </p:nvPicPr>
+        <p:blipFill>
+          <a:blip r:embed="rId2">
+            <a:extLst>
+              <a:ext uri="{28A0092B-C50C-407E-A947-70E740481C1C}">
+                <a14:useLocalDpi xmlns:a14="http://schemas.microsoft.com/office/drawing/2010/main" val="0"/>
+              </a:ext>
+            </a:extLst>
+          </a:blip>
+          <a:stretch>
+            <a:fillRect/>
+          </a:stretch>
+        </p:blipFill>
+        <p:spPr>
+          <a:xfrm>
+            <a:off x="713953" y="2251676"/>
+            <a:ext cx="10745273" cy="2350529"/>
+          </a:xfrm>
+          <a:prstGeom prst="rect">
+            <a:avLst/>
+          </a:prstGeom>
+        </p:spPr>
+      </p:pic>
+      <p:sp>
+        <p:nvSpPr>
+          <p:cNvPr id="5" name="Date Placeholder 4">
+            <a:extLst>
+              <a:ext uri="{FF2B5EF4-FFF2-40B4-BE49-F238E27FC236}">
+                <a16:creationId xmlns:a16="http://schemas.microsoft.com/office/drawing/2014/main" id="{AC686196-DD5A-664F-D5E1-436310298477}"/>
               </a:ext>
             </a:extLst>
           </p:cNvPr>
@@ -25102,7 +25181,7 @@
             </a:lvl9pPr>
           </a:lstStyle>
           <a:p>
-            <a:fld id="{076C055C-C494-6642-84CA-3BAE009353A7}" type="datetime1">
+            <a:fld id="{B672E456-610B-AF4E-976B-E2090AD6D463}" type="datetime1">
               <a:rPr lang="en-US" smtClean="0"/>
               <a:pPr/>
               <a:t>11/13/25</a:t>
@@ -25113,10 +25192,10 @@
       </p:sp>
       <p:sp>
         <p:nvSpPr>
-          <p:cNvPr id="5" name="Footer Placeholder 4">
-            <a:extLst>
-              <a:ext uri="{FF2B5EF4-FFF2-40B4-BE49-F238E27FC236}">
-                <a16:creationId xmlns:a16="http://schemas.microsoft.com/office/drawing/2014/main" id="{9568750B-DBD6-701F-7DD3-6297A32C1993}"/>
+          <p:cNvPr id="6" name="Footer Placeholder 5">
+            <a:extLst>
+              <a:ext uri="{FF2B5EF4-FFF2-40B4-BE49-F238E27FC236}">
+                <a16:creationId xmlns:a16="http://schemas.microsoft.com/office/drawing/2014/main" id="{787951ED-655E-B9F8-3620-375D59381253}"/>
               </a:ext>
             </a:extLst>
           </p:cNvPr>
@@ -25141,10 +25220,10 @@
       </p:sp>
       <p:sp>
         <p:nvSpPr>
-          <p:cNvPr id="6" name="Slide Number Placeholder 5">
-            <a:extLst>
-              <a:ext uri="{FF2B5EF4-FFF2-40B4-BE49-F238E27FC236}">
-                <a16:creationId xmlns:a16="http://schemas.microsoft.com/office/drawing/2014/main" id="{5FC15FAE-9B4F-5D7F-8BDF-1288523F9546}"/>
+          <p:cNvPr id="7" name="Slide Number Placeholder 6">
+            <a:extLst>
+              <a:ext uri="{FF2B5EF4-FFF2-40B4-BE49-F238E27FC236}">
+                <a16:creationId xmlns:a16="http://schemas.microsoft.com/office/drawing/2014/main" id="{3FA23D94-8EEA-297A-E9ED-8DF3053860DA}"/>
               </a:ext>
             </a:extLst>
           </p:cNvPr>
@@ -25176,7 +25255,7 @@
     </p:spTree>
     <p:extLst>
       <p:ext uri="{BB962C8B-B14F-4D97-AF65-F5344CB8AC3E}">
-        <p14:creationId xmlns:p14="http://schemas.microsoft.com/office/powerpoint/2010/main" val="2114566517"/>
+        <p14:creationId xmlns:p14="http://schemas.microsoft.com/office/powerpoint/2010/main" val="522803975"/>
       </p:ext>
     </p:extLst>
   </p:cSld>
@@ -25217,13 +25296,7 @@
       </p:grpSpPr>
       <p:sp>
         <p:nvSpPr>
-          <p:cNvPr id="2" name="Title 1">
-            <a:extLst>
-              <a:ext uri="{FF2B5EF4-FFF2-40B4-BE49-F238E27FC236}">
-                <a16:creationId xmlns:a16="http://schemas.microsoft.com/office/drawing/2014/main" id="{6A4CC3D1-6D56-DC4B-9451-C402626E921E}"/>
-              </a:ext>
-            </a:extLst>
-          </p:cNvPr>
+          <p:cNvPr id="2" name="Title 1"/>
           <p:cNvSpPr>
             <a:spLocks noGrp="1"/>
           </p:cNvSpPr>
@@ -25237,21 +25310,16 @@
           <a:lstStyle/>
           <a:p>
             <a:r>
-              <a:rPr lang="en-US" dirty="0"/>
-              <a:t>Trust No One</a:t>
-            </a:r>
-          </a:p>
-        </p:txBody>
-      </p:sp>
-      <p:sp>
-        <p:nvSpPr>
-          <p:cNvPr id="3" name="Text Placeholder 2">
-            <a:extLst>
-              <a:ext uri="{FF2B5EF4-FFF2-40B4-BE49-F238E27FC236}">
-                <a16:creationId xmlns:a16="http://schemas.microsoft.com/office/drawing/2014/main" id="{EBCF600F-D788-1642-8C1D-FB4AD83B7C1B}"/>
-              </a:ext>
-            </a:extLst>
-          </p:cNvPr>
+              <a:rPr lang="en-US" dirty="0" err="1"/>
+              <a:t>Alphabay</a:t>
+            </a:r>
+            <a:endParaRPr lang="en-US" dirty="0"/>
+          </a:p>
+        </p:txBody>
+      </p:sp>
+      <p:sp>
+        <p:nvSpPr>
+          <p:cNvPr id="3" name="Text Placeholder 2"/>
           <p:cNvSpPr>
             <a:spLocks noGrp="1"/>
           </p:cNvSpPr>
@@ -25261,25 +25329,163 @@
         </p:nvSpPr>
         <p:spPr/>
         <p:txBody>
-          <a:bodyPr/>
-          <a:lstStyle/>
-          <a:p>
-            <a:r>
-              <a:rPr lang="en-US" dirty="0"/>
-              <a:t>Sites come and go</a:t>
-            </a:r>
-          </a:p>
-          <a:p>
-            <a:r>
-              <a:rPr lang="en-US" dirty="0"/>
-              <a:t>The data you entered are on them</a:t>
-            </a:r>
-          </a:p>
-          <a:p>
-            <a:r>
-              <a:rPr lang="en-US" dirty="0"/>
-              <a:t>Pay attention to ratings and escrow</a:t>
-            </a:r>
+          <a:bodyPr>
+            <a:normAutofit/>
+          </a:bodyPr>
+          <a:lstStyle/>
+          <a:p>
+            <a:r>
+              <a:rPr lang="en-US" dirty="0"/>
+              <a:t>Was shut down after a law enforcement action as a part of Operation Bayonet </a:t>
+            </a:r>
+          </a:p>
+          <a:p>
+            <a:r>
+              <a:rPr lang="en-US" dirty="0"/>
+              <a:t>The alleged founder, Alexandre </a:t>
+            </a:r>
+            <a:r>
+              <a:rPr lang="en-US" dirty="0" err="1"/>
+              <a:t>Cazes</a:t>
+            </a:r>
+            <a:r>
+              <a:rPr lang="en-US" dirty="0"/>
+              <a:t>, a Canadian citizen was found dead in his cell in Thailand several days after his arrest; suicide is suspected</a:t>
+            </a:r>
+          </a:p>
+        </p:txBody>
+      </p:sp>
+      <p:sp>
+        <p:nvSpPr>
+          <p:cNvPr id="4" name="Date Placeholder 3">
+            <a:extLst>
+              <a:ext uri="{FF2B5EF4-FFF2-40B4-BE49-F238E27FC236}">
+                <a16:creationId xmlns:a16="http://schemas.microsoft.com/office/drawing/2014/main" id="{35B7221C-0575-95E4-EC69-E20019468F61}"/>
+              </a:ext>
+            </a:extLst>
+          </p:cNvPr>
+          <p:cNvSpPr>
+            <a:spLocks noGrp="1"/>
+          </p:cNvSpPr>
+          <p:nvPr>
+            <p:ph type="dt" sz="half" idx="10"/>
+          </p:nvPr>
+        </p:nvSpPr>
+        <p:spPr>
+          <a:xfrm>
+            <a:off x="3304538" y="4731545"/>
+            <a:ext cx="876866" cy="364068"/>
+          </a:xfrm>
+          <a:prstGeom prst="rect">
+            <a:avLst/>
+          </a:prstGeom>
+        </p:spPr>
+        <p:txBody>
+          <a:bodyPr vert="horz" lIns="91440" tIns="45720" rIns="91440" bIns="45720" rtlCol="0" anchor="ctr"/>
+          <a:lstStyle>
+            <a:defPPr>
+              <a:defRPr lang="en-US"/>
+            </a:defPPr>
+            <a:lvl1pPr marL="0" algn="l" defTabSz="914400" rtl="0" eaLnBrk="1" latinLnBrk="0" hangingPunct="1">
+              <a:defRPr sz="1200" kern="1200">
+                <a:solidFill>
+                  <a:schemeClr val="tx1">
+                    <a:tint val="75000"/>
+                  </a:schemeClr>
+                </a:solidFill>
+                <a:latin typeface="+mn-lt"/>
+                <a:ea typeface="+mn-ea"/>
+                <a:cs typeface="+mn-cs"/>
+              </a:defRPr>
+            </a:lvl1pPr>
+            <a:lvl2pPr marL="457200" algn="l" defTabSz="914400" rtl="0" eaLnBrk="1" latinLnBrk="0" hangingPunct="1">
+              <a:defRPr sz="1800" kern="1200">
+                <a:solidFill>
+                  <a:schemeClr val="tx1"/>
+                </a:solidFill>
+                <a:latin typeface="+mn-lt"/>
+                <a:ea typeface="+mn-ea"/>
+                <a:cs typeface="+mn-cs"/>
+              </a:defRPr>
+            </a:lvl2pPr>
+            <a:lvl3pPr marL="914400" algn="l" defTabSz="914400" rtl="0" eaLnBrk="1" latinLnBrk="0" hangingPunct="1">
+              <a:defRPr sz="1800" kern="1200">
+                <a:solidFill>
+                  <a:schemeClr val="tx1"/>
+                </a:solidFill>
+                <a:latin typeface="+mn-lt"/>
+                <a:ea typeface="+mn-ea"/>
+                <a:cs typeface="+mn-cs"/>
+              </a:defRPr>
+            </a:lvl3pPr>
+            <a:lvl4pPr marL="1371600" algn="l" defTabSz="914400" rtl="0" eaLnBrk="1" latinLnBrk="0" hangingPunct="1">
+              <a:defRPr sz="1800" kern="1200">
+                <a:solidFill>
+                  <a:schemeClr val="tx1"/>
+                </a:solidFill>
+                <a:latin typeface="+mn-lt"/>
+                <a:ea typeface="+mn-ea"/>
+                <a:cs typeface="+mn-cs"/>
+              </a:defRPr>
+            </a:lvl4pPr>
+            <a:lvl5pPr marL="1828800" algn="l" defTabSz="914400" rtl="0" eaLnBrk="1" latinLnBrk="0" hangingPunct="1">
+              <a:defRPr sz="1800" kern="1200">
+                <a:solidFill>
+                  <a:schemeClr val="tx1"/>
+                </a:solidFill>
+                <a:latin typeface="+mn-lt"/>
+                <a:ea typeface="+mn-ea"/>
+                <a:cs typeface="+mn-cs"/>
+              </a:defRPr>
+            </a:lvl5pPr>
+            <a:lvl6pPr marL="2286000" algn="l" defTabSz="914400" rtl="0" eaLnBrk="1" latinLnBrk="0" hangingPunct="1">
+              <a:defRPr sz="1800" kern="1200">
+                <a:solidFill>
+                  <a:schemeClr val="tx1"/>
+                </a:solidFill>
+                <a:latin typeface="+mn-lt"/>
+                <a:ea typeface="+mn-ea"/>
+                <a:cs typeface="+mn-cs"/>
+              </a:defRPr>
+            </a:lvl6pPr>
+            <a:lvl7pPr marL="2743200" algn="l" defTabSz="914400" rtl="0" eaLnBrk="1" latinLnBrk="0" hangingPunct="1">
+              <a:defRPr sz="1800" kern="1200">
+                <a:solidFill>
+                  <a:schemeClr val="tx1"/>
+                </a:solidFill>
+                <a:latin typeface="+mn-lt"/>
+                <a:ea typeface="+mn-ea"/>
+                <a:cs typeface="+mn-cs"/>
+              </a:defRPr>
+            </a:lvl7pPr>
+            <a:lvl8pPr marL="3200400" algn="l" defTabSz="914400" rtl="0" eaLnBrk="1" latinLnBrk="0" hangingPunct="1">
+              <a:defRPr sz="1800" kern="1200">
+                <a:solidFill>
+                  <a:schemeClr val="tx1"/>
+                </a:solidFill>
+                <a:latin typeface="+mn-lt"/>
+                <a:ea typeface="+mn-ea"/>
+                <a:cs typeface="+mn-cs"/>
+              </a:defRPr>
+            </a:lvl8pPr>
+            <a:lvl9pPr marL="3657600" algn="l" defTabSz="914400" rtl="0" eaLnBrk="1" latinLnBrk="0" hangingPunct="1">
+              <a:defRPr sz="1800" kern="1200">
+                <a:solidFill>
+                  <a:schemeClr val="tx1"/>
+                </a:solidFill>
+                <a:latin typeface="+mn-lt"/>
+                <a:ea typeface="+mn-ea"/>
+                <a:cs typeface="+mn-cs"/>
+              </a:defRPr>
+            </a:lvl9pPr>
+          </a:lstStyle>
+          <a:p>
+            <a:fld id="{076C055C-C494-6642-84CA-3BAE009353A7}" type="datetime1">
+              <a:rPr lang="en-US" smtClean="0"/>
+              <a:pPr/>
+              <a:t>11/13/25</a:t>
+            </a:fld>
+            <a:endParaRPr lang="en-US"/>
           </a:p>
         </p:txBody>
       </p:sp>
@@ -25288,7 +25494,7 @@
           <p:cNvPr id="5" name="Footer Placeholder 4">
             <a:extLst>
               <a:ext uri="{FF2B5EF4-FFF2-40B4-BE49-F238E27FC236}">
-                <a16:creationId xmlns:a16="http://schemas.microsoft.com/office/drawing/2014/main" id="{03687F16-B204-69BE-CC84-2D5293B3FA0D}"/>
+                <a16:creationId xmlns:a16="http://schemas.microsoft.com/office/drawing/2014/main" id="{9568750B-DBD6-701F-7DD3-6297A32C1993}"/>
               </a:ext>
             </a:extLst>
           </p:cNvPr>
@@ -25316,7 +25522,7 @@
           <p:cNvPr id="6" name="Slide Number Placeholder 5">
             <a:extLst>
               <a:ext uri="{FF2B5EF4-FFF2-40B4-BE49-F238E27FC236}">
-                <a16:creationId xmlns:a16="http://schemas.microsoft.com/office/drawing/2014/main" id="{61B5FBCA-7987-3F9D-981B-3F704BDDCDF3}"/>
+                <a16:creationId xmlns:a16="http://schemas.microsoft.com/office/drawing/2014/main" id="{5FC15FAE-9B4F-5D7F-8BDF-1288523F9546}"/>
               </a:ext>
             </a:extLst>
           </p:cNvPr>
@@ -25348,7 +25554,7 @@
     </p:spTree>
     <p:extLst>
       <p:ext uri="{BB962C8B-B14F-4D97-AF65-F5344CB8AC3E}">
-        <p14:creationId xmlns:p14="http://schemas.microsoft.com/office/powerpoint/2010/main" val="2639975345"/>
+        <p14:creationId xmlns:p14="http://schemas.microsoft.com/office/powerpoint/2010/main" val="2114566517"/>
       </p:ext>
     </p:extLst>
   </p:cSld>
@@ -25389,10 +25595,10 @@
       </p:grpSpPr>
       <p:sp>
         <p:nvSpPr>
-          <p:cNvPr id="5" name="Title 4">
-            <a:extLst>
-              <a:ext uri="{FF2B5EF4-FFF2-40B4-BE49-F238E27FC236}">
-                <a16:creationId xmlns:a16="http://schemas.microsoft.com/office/drawing/2014/main" id="{23DBD660-8B58-6BF8-A6E2-5F1ADA20CA2F}"/>
+          <p:cNvPr id="2" name="Title 1">
+            <a:extLst>
+              <a:ext uri="{FF2B5EF4-FFF2-40B4-BE49-F238E27FC236}">
+                <a16:creationId xmlns:a16="http://schemas.microsoft.com/office/drawing/2014/main" id="{6A4CC3D1-6D56-DC4B-9451-C402626E921E}"/>
               </a:ext>
             </a:extLst>
           </p:cNvPr>
@@ -25410,17 +25616,17 @@
           <a:p>
             <a:r>
               <a:rPr lang="en-US" dirty="0"/>
-              <a:t>The Size of TOR</a:t>
-            </a:r>
-          </a:p>
-        </p:txBody>
-      </p:sp>
-      <p:sp>
-        <p:nvSpPr>
-          <p:cNvPr id="6" name="Content Placeholder 5">
-            <a:extLst>
-              <a:ext uri="{FF2B5EF4-FFF2-40B4-BE49-F238E27FC236}">
-                <a16:creationId xmlns:a16="http://schemas.microsoft.com/office/drawing/2014/main" id="{FA745E7C-D734-39E6-D2ED-83203BD034AA}"/>
+              <a:t>Trust No One</a:t>
+            </a:r>
+          </a:p>
+        </p:txBody>
+      </p:sp>
+      <p:sp>
+        <p:nvSpPr>
+          <p:cNvPr id="3" name="Text Placeholder 2">
+            <a:extLst>
+              <a:ext uri="{FF2B5EF4-FFF2-40B4-BE49-F238E27FC236}">
+                <a16:creationId xmlns:a16="http://schemas.microsoft.com/office/drawing/2014/main" id="{EBCF600F-D788-1642-8C1D-FB4AD83B7C1B}"/>
               </a:ext>
             </a:extLst>
           </p:cNvPr>
@@ -25437,24 +25643,30 @@
           <a:lstStyle/>
           <a:p>
             <a:r>
-              <a:rPr lang="en-US" dirty="0">
-                <a:hlinkClick r:id="rId2"/>
-              </a:rPr>
-              <a:t>https://metrics.torproject.org</a:t>
-            </a:r>
-            <a:r>
-              <a:rPr lang="en-US" dirty="0"/>
-              <a:t> </a:t>
-            </a:r>
-          </a:p>
-        </p:txBody>
-      </p:sp>
-      <p:sp>
-        <p:nvSpPr>
-          <p:cNvPr id="3" name="Footer Placeholder 2">
-            <a:extLst>
-              <a:ext uri="{FF2B5EF4-FFF2-40B4-BE49-F238E27FC236}">
-                <a16:creationId xmlns:a16="http://schemas.microsoft.com/office/drawing/2014/main" id="{BD8A4732-B730-0FF3-0CB7-7CB83C4B050F}"/>
+              <a:rPr lang="en-US" dirty="0"/>
+              <a:t>Sites come and go</a:t>
+            </a:r>
+          </a:p>
+          <a:p>
+            <a:r>
+              <a:rPr lang="en-US" dirty="0"/>
+              <a:t>The data you entered are on them</a:t>
+            </a:r>
+          </a:p>
+          <a:p>
+            <a:r>
+              <a:rPr lang="en-US" dirty="0"/>
+              <a:t>Pay attention to ratings and escrow</a:t>
+            </a:r>
+          </a:p>
+        </p:txBody>
+      </p:sp>
+      <p:sp>
+        <p:nvSpPr>
+          <p:cNvPr id="5" name="Footer Placeholder 4">
+            <a:extLst>
+              <a:ext uri="{FF2B5EF4-FFF2-40B4-BE49-F238E27FC236}">
+                <a16:creationId xmlns:a16="http://schemas.microsoft.com/office/drawing/2014/main" id="{03687F16-B204-69BE-CC84-2D5293B3FA0D}"/>
               </a:ext>
             </a:extLst>
           </p:cNvPr>
@@ -25479,10 +25691,10 @@
       </p:sp>
       <p:sp>
         <p:nvSpPr>
-          <p:cNvPr id="4" name="Slide Number Placeholder 3">
-            <a:extLst>
-              <a:ext uri="{FF2B5EF4-FFF2-40B4-BE49-F238E27FC236}">
-                <a16:creationId xmlns:a16="http://schemas.microsoft.com/office/drawing/2014/main" id="{717E64B0-B167-9F4B-09D3-21A2D71FC2C4}"/>
+          <p:cNvPr id="6" name="Slide Number Placeholder 5">
+            <a:extLst>
+              <a:ext uri="{FF2B5EF4-FFF2-40B4-BE49-F238E27FC236}">
+                <a16:creationId xmlns:a16="http://schemas.microsoft.com/office/drawing/2014/main" id="{61B5FBCA-7987-3F9D-981B-3F704BDDCDF3}"/>
               </a:ext>
             </a:extLst>
           </p:cNvPr>
@@ -25514,7 +25726,7 @@
     </p:spTree>
     <p:extLst>
       <p:ext uri="{BB962C8B-B14F-4D97-AF65-F5344CB8AC3E}">
-        <p14:creationId xmlns:p14="http://schemas.microsoft.com/office/powerpoint/2010/main" val="3938760703"/>
+        <p14:creationId xmlns:p14="http://schemas.microsoft.com/office/powerpoint/2010/main" val="2639975345"/>
       </p:ext>
     </p:extLst>
   </p:cSld>
@@ -25523,12 +25735,12 @@
   </p:clrMapOvr>
   <mc:AlternateContent xmlns:mc="http://schemas.openxmlformats.org/markup-compatibility/2006" xmlns:p14="http://schemas.microsoft.com/office/powerpoint/2010/main">
     <mc:Choice Requires="p14">
-      <p:transition spd="slow" p14:dur="1200">
-        <p14:prism/>
+      <p:transition spd="slow" p14:dur="1400">
+        <p14:ripple/>
       </p:transition>
     </mc:Choice>
     <mc:Fallback xmlns="">
-      <p:transition xmlns:p14="http://schemas.microsoft.com/office/powerpoint/2010/main" spd="slow">
+      <p:transition spd="slow">
         <p:fade/>
       </p:transition>
     </mc:Fallback>
@@ -25555,10 +25767,10 @@
       </p:grpSpPr>
       <p:sp>
         <p:nvSpPr>
-          <p:cNvPr id="2" name="Title 1">
-            <a:extLst>
-              <a:ext uri="{FF2B5EF4-FFF2-40B4-BE49-F238E27FC236}">
-                <a16:creationId xmlns:a16="http://schemas.microsoft.com/office/drawing/2014/main" id="{20E949E2-8F91-A5DA-0739-EC5D4C0AE6AD}"/>
+          <p:cNvPr id="5" name="Title 4">
+            <a:extLst>
+              <a:ext uri="{FF2B5EF4-FFF2-40B4-BE49-F238E27FC236}">
+                <a16:creationId xmlns:a16="http://schemas.microsoft.com/office/drawing/2014/main" id="{23DBD660-8B58-6BF8-A6E2-5F1ADA20CA2F}"/>
               </a:ext>
             </a:extLst>
           </p:cNvPr>
@@ -25571,24 +25783,22 @@
         </p:nvSpPr>
         <p:spPr/>
         <p:txBody>
-          <a:bodyPr>
-            <a:normAutofit/>
-          </a:bodyPr>
-          <a:lstStyle/>
-          <a:p>
-            <a:r>
-              <a:rPr lang="en-US" dirty="0"/>
-              <a:t>Exercise Caution</a:t>
-            </a:r>
-          </a:p>
-        </p:txBody>
-      </p:sp>
-      <p:sp>
-        <p:nvSpPr>
-          <p:cNvPr id="3" name="Content Placeholder 2">
-            <a:extLst>
-              <a:ext uri="{FF2B5EF4-FFF2-40B4-BE49-F238E27FC236}">
-                <a16:creationId xmlns:a16="http://schemas.microsoft.com/office/drawing/2014/main" id="{C498A9F3-2F50-717C-53DA-2CDBBA80A5F4}"/>
+          <a:bodyPr/>
+          <a:lstStyle/>
+          <a:p>
+            <a:r>
+              <a:rPr lang="en-US" dirty="0"/>
+              <a:t>The Size of TOR</a:t>
+            </a:r>
+          </a:p>
+        </p:txBody>
+      </p:sp>
+      <p:sp>
+        <p:nvSpPr>
+          <p:cNvPr id="6" name="Content Placeholder 5">
+            <a:extLst>
+              <a:ext uri="{FF2B5EF4-FFF2-40B4-BE49-F238E27FC236}">
+                <a16:creationId xmlns:a16="http://schemas.microsoft.com/office/drawing/2014/main" id="{FA745E7C-D734-39E6-D2ED-83203BD034AA}"/>
               </a:ext>
             </a:extLst>
           </p:cNvPr>
@@ -25601,49 +25811,28 @@
         </p:nvSpPr>
         <p:spPr/>
         <p:txBody>
-          <a:bodyPr>
-            <a:normAutofit/>
-          </a:bodyPr>
-          <a:lstStyle/>
-          <a:p>
-            <a:r>
-              <a:rPr lang="en-US" dirty="0"/>
-              <a:t>Most sites have illicit content</a:t>
-            </a:r>
-          </a:p>
-          <a:p>
-            <a:pPr lvl="1"/>
-            <a:r>
-              <a:rPr lang="en-US" dirty="0"/>
-              <a:t>You can’t, in general, be tracked</a:t>
-            </a:r>
-          </a:p>
-          <a:p>
-            <a:r>
-              <a:rPr lang="en-US" dirty="0"/>
-              <a:t>Can contain web bugs</a:t>
-            </a:r>
-          </a:p>
-          <a:p>
-            <a:r>
-              <a:rPr lang="en-US" dirty="0"/>
-              <a:t>May place illegal images in browser cache</a:t>
-            </a:r>
-          </a:p>
-          <a:p>
-            <a:r>
-              <a:rPr lang="en-US" dirty="0"/>
-              <a:t>You are legally liable for your actions</a:t>
-            </a:r>
-          </a:p>
-        </p:txBody>
-      </p:sp>
-      <p:sp>
-        <p:nvSpPr>
-          <p:cNvPr id="4" name="Footer Placeholder 3">
-            <a:extLst>
-              <a:ext uri="{FF2B5EF4-FFF2-40B4-BE49-F238E27FC236}">
-                <a16:creationId xmlns:a16="http://schemas.microsoft.com/office/drawing/2014/main" id="{F1C7C4A8-9620-6A9E-CF1B-9231B8BC5A43}"/>
+          <a:bodyPr/>
+          <a:lstStyle/>
+          <a:p>
+            <a:r>
+              <a:rPr lang="en-US" dirty="0">
+                <a:hlinkClick r:id="rId2"/>
+              </a:rPr>
+              <a:t>https://metrics.torproject.org</a:t>
+            </a:r>
+            <a:r>
+              <a:rPr lang="en-US" dirty="0"/>
+              <a:t> </a:t>
+            </a:r>
+          </a:p>
+        </p:txBody>
+      </p:sp>
+      <p:sp>
+        <p:nvSpPr>
+          <p:cNvPr id="3" name="Footer Placeholder 2">
+            <a:extLst>
+              <a:ext uri="{FF2B5EF4-FFF2-40B4-BE49-F238E27FC236}">
+                <a16:creationId xmlns:a16="http://schemas.microsoft.com/office/drawing/2014/main" id="{BD8A4732-B730-0FF3-0CB7-7CB83C4B050F}"/>
               </a:ext>
             </a:extLst>
           </p:cNvPr>
@@ -25661,17 +25850,17 @@
           <a:p>
             <a:r>
               <a:rPr lang="en-US"/>
-              <a:t>© Steve Beaty and others as cited</a:t>
-            </a:r>
-          </a:p>
-        </p:txBody>
-      </p:sp>
-      <p:sp>
-        <p:nvSpPr>
-          <p:cNvPr id="5" name="Slide Number Placeholder 4">
-            <a:extLst>
-              <a:ext uri="{FF2B5EF4-FFF2-40B4-BE49-F238E27FC236}">
-                <a16:creationId xmlns:a16="http://schemas.microsoft.com/office/drawing/2014/main" id="{E5CE0A58-800B-A013-746E-EDFE9BA82BE0}"/>
+              <a:t>© Steve Beaty and other as cited</a:t>
+            </a:r>
+          </a:p>
+        </p:txBody>
+      </p:sp>
+      <p:sp>
+        <p:nvSpPr>
+          <p:cNvPr id="4" name="Slide Number Placeholder 3">
+            <a:extLst>
+              <a:ext uri="{FF2B5EF4-FFF2-40B4-BE49-F238E27FC236}">
+                <a16:creationId xmlns:a16="http://schemas.microsoft.com/office/drawing/2014/main" id="{717E64B0-B167-9F4B-09D3-21A2D71FC2C4}"/>
               </a:ext>
             </a:extLst>
           </p:cNvPr>
@@ -25687,7 +25876,12 @@
           <a:bodyPr/>
           <a:lstStyle/>
           <a:p>
-            <a:fld id="{AFE08FFA-7F03-3A4E-B3F8-2C550F8B5FDD}" type="slidenum">
+            <a:pPr>
+              <a:defRPr>
+                <a:effectLst/>
+              </a:defRPr>
+            </a:pPr>
+            <a:fld id="{86CB4B4D-7CA3-9044-876B-883B54F8677D}" type="slidenum">
               <a:rPr lang="en-US" smtClean="0"/>
               <a:t>93</a:t>
             </a:fld>
@@ -25698,7 +25892,7 @@
     </p:spTree>
     <p:extLst>
       <p:ext uri="{BB962C8B-B14F-4D97-AF65-F5344CB8AC3E}">
-        <p14:creationId xmlns:p14="http://schemas.microsoft.com/office/powerpoint/2010/main" val="2163094401"/>
+        <p14:creationId xmlns:p14="http://schemas.microsoft.com/office/powerpoint/2010/main" val="3938760703"/>
       </p:ext>
     </p:extLst>
   </p:cSld>
@@ -25739,28 +25933,85 @@
       </p:grpSpPr>
       <p:sp>
         <p:nvSpPr>
-          <p:cNvPr id="6" name="Title 5">
-            <a:extLst>
-              <a:ext uri="{FF2B5EF4-FFF2-40B4-BE49-F238E27FC236}">
-                <a16:creationId xmlns:a16="http://schemas.microsoft.com/office/drawing/2014/main" id="{3DC606BE-ECC6-0C32-D3B3-43118CC40156}"/>
-              </a:ext>
-            </a:extLst>
-          </p:cNvPr>
-          <p:cNvSpPr>
-            <a:spLocks noGrp="1"/>
-          </p:cNvSpPr>
-          <p:nvPr>
-            <p:ph type="ctrTitle"/>
-          </p:nvPr>
-        </p:nvSpPr>
-        <p:spPr/>
-        <p:txBody>
-          <a:bodyPr/>
-          <a:lstStyle/>
-          <a:p>
-            <a:r>
-              <a:rPr lang="en-US" dirty="0"/>
-              <a:t>Summary</a:t>
+          <p:cNvPr id="2" name="Title 1">
+            <a:extLst>
+              <a:ext uri="{FF2B5EF4-FFF2-40B4-BE49-F238E27FC236}">
+                <a16:creationId xmlns:a16="http://schemas.microsoft.com/office/drawing/2014/main" id="{20E949E2-8F91-A5DA-0739-EC5D4C0AE6AD}"/>
+              </a:ext>
+            </a:extLst>
+          </p:cNvPr>
+          <p:cNvSpPr>
+            <a:spLocks noGrp="1"/>
+          </p:cNvSpPr>
+          <p:nvPr>
+            <p:ph type="title"/>
+          </p:nvPr>
+        </p:nvSpPr>
+        <p:spPr/>
+        <p:txBody>
+          <a:bodyPr>
+            <a:normAutofit/>
+          </a:bodyPr>
+          <a:lstStyle/>
+          <a:p>
+            <a:r>
+              <a:rPr lang="en-US" dirty="0"/>
+              <a:t>Exercise Caution</a:t>
+            </a:r>
+          </a:p>
+        </p:txBody>
+      </p:sp>
+      <p:sp>
+        <p:nvSpPr>
+          <p:cNvPr id="3" name="Content Placeholder 2">
+            <a:extLst>
+              <a:ext uri="{FF2B5EF4-FFF2-40B4-BE49-F238E27FC236}">
+                <a16:creationId xmlns:a16="http://schemas.microsoft.com/office/drawing/2014/main" id="{C498A9F3-2F50-717C-53DA-2CDBBA80A5F4}"/>
+              </a:ext>
+            </a:extLst>
+          </p:cNvPr>
+          <p:cNvSpPr>
+            <a:spLocks noGrp="1"/>
+          </p:cNvSpPr>
+          <p:nvPr>
+            <p:ph idx="1"/>
+          </p:nvPr>
+        </p:nvSpPr>
+        <p:spPr/>
+        <p:txBody>
+          <a:bodyPr>
+            <a:normAutofit/>
+          </a:bodyPr>
+          <a:lstStyle/>
+          <a:p>
+            <a:r>
+              <a:rPr lang="en-US" dirty="0"/>
+              <a:t>Most sites have illicit content</a:t>
+            </a:r>
+          </a:p>
+          <a:p>
+            <a:pPr lvl="1"/>
+            <a:r>
+              <a:rPr lang="en-US" dirty="0"/>
+              <a:t>You can’t, in general, be tracked</a:t>
+            </a:r>
+          </a:p>
+          <a:p>
+            <a:r>
+              <a:rPr lang="en-US" dirty="0"/>
+              <a:t>Can contain web bugs</a:t>
+            </a:r>
+          </a:p>
+          <a:p>
+            <a:r>
+              <a:rPr lang="en-US" dirty="0"/>
+              <a:t>May place illegal images in browser cache</a:t>
+            </a:r>
+          </a:p>
+          <a:p>
+            <a:r>
+              <a:rPr lang="en-US" dirty="0"/>
+              <a:t>You are legally liable for your actions</a:t>
             </a:r>
           </a:p>
         </p:txBody>
@@ -25770,7 +26021,7 @@
           <p:cNvPr id="4" name="Footer Placeholder 3">
             <a:extLst>
               <a:ext uri="{FF2B5EF4-FFF2-40B4-BE49-F238E27FC236}">
-                <a16:creationId xmlns:a16="http://schemas.microsoft.com/office/drawing/2014/main" id="{108C301F-4A03-3ECB-55BA-E04A707F8685}"/>
+                <a16:creationId xmlns:a16="http://schemas.microsoft.com/office/drawing/2014/main" id="{F1C7C4A8-9620-6A9E-CF1B-9231B8BC5A43}"/>
               </a:ext>
             </a:extLst>
           </p:cNvPr>
@@ -25798,7 +26049,7 @@
           <p:cNvPr id="5" name="Slide Number Placeholder 4">
             <a:extLst>
               <a:ext uri="{FF2B5EF4-FFF2-40B4-BE49-F238E27FC236}">
-                <a16:creationId xmlns:a16="http://schemas.microsoft.com/office/drawing/2014/main" id="{6F4A3CAA-D84F-11B4-AFA5-3853ED886480}"/>
+                <a16:creationId xmlns:a16="http://schemas.microsoft.com/office/drawing/2014/main" id="{E5CE0A58-800B-A013-746E-EDFE9BA82BE0}"/>
               </a:ext>
             </a:extLst>
           </p:cNvPr>
@@ -25825,7 +26076,7 @@
     </p:spTree>
     <p:extLst>
       <p:ext uri="{BB962C8B-B14F-4D97-AF65-F5344CB8AC3E}">
-        <p14:creationId xmlns:p14="http://schemas.microsoft.com/office/powerpoint/2010/main" val="1720759793"/>
+        <p14:creationId xmlns:p14="http://schemas.microsoft.com/office/powerpoint/2010/main" val="2163094401"/>
       </p:ext>
     </p:extLst>
   </p:cSld>
@@ -25866,124 +26117,38 @@
       </p:grpSpPr>
       <p:sp>
         <p:nvSpPr>
-          <p:cNvPr id="6" name="Content Placeholder 5">
-            <a:extLst>
-              <a:ext uri="{FF2B5EF4-FFF2-40B4-BE49-F238E27FC236}">
-                <a16:creationId xmlns:a16="http://schemas.microsoft.com/office/drawing/2014/main" id="{5FE3DBB0-B18A-2E09-4CF8-C5D3AB188246}"/>
-              </a:ext>
-            </a:extLst>
-          </p:cNvPr>
-          <p:cNvSpPr>
-            <a:spLocks noGrp="1"/>
-          </p:cNvSpPr>
-          <p:nvPr>
-            <p:ph idx="1"/>
-          </p:nvPr>
-        </p:nvSpPr>
-        <p:spPr/>
-        <p:txBody>
-          <a:bodyPr>
-            <a:normAutofit fontScale="92500" lnSpcReduction="20000"/>
-          </a:bodyPr>
-          <a:lstStyle/>
-          <a:p>
-            <a:r>
-              <a:rPr lang="en-US" dirty="0"/>
-              <a:t>The Landscape:</a:t>
-            </a:r>
-          </a:p>
-          <a:p>
-            <a:pPr lvl="1"/>
-            <a:r>
-              <a:rPr lang="en-US" dirty="0"/>
-              <a:t>70+ new vulnerabilities per day</a:t>
-            </a:r>
-          </a:p>
-          <a:p>
-            <a:pPr lvl="1"/>
-            <a:r>
-              <a:rPr lang="en-US" dirty="0"/>
-              <a:t>Tens of thousands of SQL and XSS exposures</a:t>
-            </a:r>
-          </a:p>
-          <a:p>
-            <a:pPr lvl="1"/>
-            <a:r>
-              <a:rPr lang="en-US" dirty="0"/>
-              <a:t>Growing attack surface (IoT devices)</a:t>
-            </a:r>
-          </a:p>
-          <a:p>
-            <a:pPr lvl="1"/>
-            <a:r>
-              <a:rPr lang="en-US" dirty="0"/>
-              <a:t>Ransomware and data breaches increasing</a:t>
-            </a:r>
-          </a:p>
-          <a:p>
-            <a:r>
-              <a:rPr lang="en-US" dirty="0"/>
-              <a:t>We must take security seriously</a:t>
-            </a:r>
-          </a:p>
-          <a:p>
-            <a:pPr lvl="1"/>
-            <a:r>
-              <a:rPr lang="en-US" dirty="0"/>
-              <a:t>Affect all us us</a:t>
-            </a:r>
-          </a:p>
-          <a:p>
-            <a:pPr lvl="1"/>
-            <a:r>
-              <a:rPr lang="en-US" dirty="0"/>
-              <a:t>And our </a:t>
-            </a:r>
-            <a:r>
-              <a:rPr lang="en-US" dirty="0" err="1"/>
-              <a:t>custormers</a:t>
-            </a:r>
-            <a:endParaRPr lang="en-US" dirty="0"/>
-          </a:p>
-          <a:p>
-            <a:endParaRPr lang="en-US" dirty="0"/>
-          </a:p>
-        </p:txBody>
-      </p:sp>
-      <p:sp>
-        <p:nvSpPr>
-          <p:cNvPr id="5" name="Title 4">
-            <a:extLst>
-              <a:ext uri="{FF2B5EF4-FFF2-40B4-BE49-F238E27FC236}">
-                <a16:creationId xmlns:a16="http://schemas.microsoft.com/office/drawing/2014/main" id="{745F8254-F712-C100-5A7D-B3416AFEDED5}"/>
-              </a:ext>
-            </a:extLst>
-          </p:cNvPr>
-          <p:cNvSpPr>
-            <a:spLocks noGrp="1"/>
-          </p:cNvSpPr>
-          <p:nvPr>
-            <p:ph type="title"/>
-          </p:nvPr>
-        </p:nvSpPr>
-        <p:spPr/>
-        <p:txBody>
-          <a:bodyPr/>
-          <a:lstStyle/>
-          <a:p>
-            <a:r>
-              <a:rPr lang="en-US" dirty="0"/>
-              <a:t>Security</a:t>
-            </a:r>
-          </a:p>
-        </p:txBody>
-      </p:sp>
-      <p:sp>
-        <p:nvSpPr>
-          <p:cNvPr id="3" name="Footer Placeholder 2">
-            <a:extLst>
-              <a:ext uri="{FF2B5EF4-FFF2-40B4-BE49-F238E27FC236}">
-                <a16:creationId xmlns:a16="http://schemas.microsoft.com/office/drawing/2014/main" id="{E8C64865-B191-2738-1D22-00BA6CA03172}"/>
+          <p:cNvPr id="6" name="Title 5">
+            <a:extLst>
+              <a:ext uri="{FF2B5EF4-FFF2-40B4-BE49-F238E27FC236}">
+                <a16:creationId xmlns:a16="http://schemas.microsoft.com/office/drawing/2014/main" id="{3DC606BE-ECC6-0C32-D3B3-43118CC40156}"/>
+              </a:ext>
+            </a:extLst>
+          </p:cNvPr>
+          <p:cNvSpPr>
+            <a:spLocks noGrp="1"/>
+          </p:cNvSpPr>
+          <p:nvPr>
+            <p:ph type="ctrTitle"/>
+          </p:nvPr>
+        </p:nvSpPr>
+        <p:spPr/>
+        <p:txBody>
+          <a:bodyPr/>
+          <a:lstStyle/>
+          <a:p>
+            <a:r>
+              <a:rPr lang="en-US" dirty="0"/>
+              <a:t>Summary</a:t>
+            </a:r>
+          </a:p>
+        </p:txBody>
+      </p:sp>
+      <p:sp>
+        <p:nvSpPr>
+          <p:cNvPr id="4" name="Footer Placeholder 3">
+            <a:extLst>
+              <a:ext uri="{FF2B5EF4-FFF2-40B4-BE49-F238E27FC236}">
+                <a16:creationId xmlns:a16="http://schemas.microsoft.com/office/drawing/2014/main" id="{108C301F-4A03-3ECB-55BA-E04A707F8685}"/>
               </a:ext>
             </a:extLst>
           </p:cNvPr>
@@ -26008,10 +26173,10 @@
       </p:sp>
       <p:sp>
         <p:nvSpPr>
-          <p:cNvPr id="4" name="Slide Number Placeholder 3">
-            <a:extLst>
-              <a:ext uri="{FF2B5EF4-FFF2-40B4-BE49-F238E27FC236}">
-                <a16:creationId xmlns:a16="http://schemas.microsoft.com/office/drawing/2014/main" id="{DC2244CE-ACB2-1C84-C698-EF0138C62603}"/>
+          <p:cNvPr id="5" name="Slide Number Placeholder 4">
+            <a:extLst>
+              <a:ext uri="{FF2B5EF4-FFF2-40B4-BE49-F238E27FC236}">
+                <a16:creationId xmlns:a16="http://schemas.microsoft.com/office/drawing/2014/main" id="{6F4A3CAA-D84F-11B4-AFA5-3853ED886480}"/>
               </a:ext>
             </a:extLst>
           </p:cNvPr>
@@ -26038,7 +26203,7 @@
     </p:spTree>
     <p:extLst>
       <p:ext uri="{BB962C8B-B14F-4D97-AF65-F5344CB8AC3E}">
-        <p14:creationId xmlns:p14="http://schemas.microsoft.com/office/powerpoint/2010/main" val="828587990"/>
+        <p14:creationId xmlns:p14="http://schemas.microsoft.com/office/powerpoint/2010/main" val="1720759793"/>
       </p:ext>
     </p:extLst>
   </p:cSld>
@@ -26079,10 +26244,10 @@
       </p:grpSpPr>
       <p:sp>
         <p:nvSpPr>
-          <p:cNvPr id="2" name="Content Placeholder 1">
-            <a:extLst>
-              <a:ext uri="{FF2B5EF4-FFF2-40B4-BE49-F238E27FC236}">
-                <a16:creationId xmlns:a16="http://schemas.microsoft.com/office/drawing/2014/main" id="{C91FF63C-0A2C-36A6-5BA9-5E9EE9AEDFD3}"/>
+          <p:cNvPr id="6" name="Content Placeholder 5">
+            <a:extLst>
+              <a:ext uri="{FF2B5EF4-FFF2-40B4-BE49-F238E27FC236}">
+                <a16:creationId xmlns:a16="http://schemas.microsoft.com/office/drawing/2014/main" id="{5FE3DBB0-B18A-2E09-4CF8-C5D3AB188246}"/>
               </a:ext>
             </a:extLst>
           </p:cNvPr>
@@ -26102,65 +26267,73 @@
           <a:p>
             <a:r>
               <a:rPr lang="en-US" dirty="0"/>
-              <a:t>Active Record Encryption</a:t>
+              <a:t>The Landscape:</a:t>
             </a:r>
           </a:p>
           <a:p>
             <a:pPr lvl="1"/>
             <a:r>
               <a:rPr lang="en-US" dirty="0"/>
-              <a:t>Non-deterministic: More secure, can't search</a:t>
+              <a:t>70+ new vulnerabilities per day</a:t>
             </a:r>
           </a:p>
           <a:p>
             <a:pPr lvl="1"/>
             <a:r>
               <a:rPr lang="en-US" dirty="0"/>
-              <a:t>Deterministic: Less secure, searchable</a:t>
+              <a:t>Tens of thousands of SQL and XSS exposures</a:t>
             </a:r>
           </a:p>
           <a:p>
             <a:pPr lvl="1"/>
             <a:r>
               <a:rPr lang="en-US" dirty="0"/>
-              <a:t>Protects data when exfiltrated</a:t>
-            </a:r>
-          </a:p>
-          <a:p>
-            <a:r>
-              <a:rPr lang="en-US" dirty="0"/>
-              <a:t>HTTPS</a:t>
+              <a:t>Growing attack surface (IoT devices)</a:t>
             </a:r>
           </a:p>
           <a:p>
             <a:pPr lvl="1"/>
             <a:r>
               <a:rPr lang="en-US" dirty="0"/>
-              <a:t>Encrypts data in transit</a:t>
+              <a:t>Ransomware and data breaches increasing</a:t>
+            </a:r>
+          </a:p>
+          <a:p>
+            <a:r>
+              <a:rPr lang="en-US" dirty="0"/>
+              <a:t>We must take security seriously</a:t>
             </a:r>
           </a:p>
           <a:p>
             <a:pPr lvl="1"/>
             <a:r>
               <a:rPr lang="en-US" dirty="0"/>
-              <a:t>Use Let's Encrypt for free certificates</a:t>
+              <a:t>Affect all us us</a:t>
             </a:r>
           </a:p>
           <a:p>
             <a:pPr lvl="1"/>
             <a:r>
               <a:rPr lang="en-US" dirty="0"/>
-              <a:t>Never deploy without HTTPS</a:t>
-            </a:r>
-          </a:p>
-        </p:txBody>
-      </p:sp>
-      <p:sp>
-        <p:nvSpPr>
-          <p:cNvPr id="3" name="Title 2">
-            <a:extLst>
-              <a:ext uri="{FF2B5EF4-FFF2-40B4-BE49-F238E27FC236}">
-                <a16:creationId xmlns:a16="http://schemas.microsoft.com/office/drawing/2014/main" id="{4285F971-1BC3-181D-BD20-855ED32F59E4}"/>
+              <a:t>And our </a:t>
+            </a:r>
+            <a:r>
+              <a:rPr lang="en-US" dirty="0" err="1"/>
+              <a:t>custormers</a:t>
+            </a:r>
+            <a:endParaRPr lang="en-US" dirty="0"/>
+          </a:p>
+          <a:p>
+            <a:endParaRPr lang="en-US" dirty="0"/>
+          </a:p>
+        </p:txBody>
+      </p:sp>
+      <p:sp>
+        <p:nvSpPr>
+          <p:cNvPr id="5" name="Title 4">
+            <a:extLst>
+              <a:ext uri="{FF2B5EF4-FFF2-40B4-BE49-F238E27FC236}">
+                <a16:creationId xmlns:a16="http://schemas.microsoft.com/office/drawing/2014/main" id="{745F8254-F712-C100-5A7D-B3416AFEDED5}"/>
               </a:ext>
             </a:extLst>
           </p:cNvPr>
@@ -26178,17 +26351,17 @@
           <a:p>
             <a:r>
               <a:rPr lang="en-US" dirty="0"/>
-              <a:t>Encryption</a:t>
-            </a:r>
-          </a:p>
-        </p:txBody>
-      </p:sp>
-      <p:sp>
-        <p:nvSpPr>
-          <p:cNvPr id="4" name="Footer Placeholder 3">
-            <a:extLst>
-              <a:ext uri="{FF2B5EF4-FFF2-40B4-BE49-F238E27FC236}">
-                <a16:creationId xmlns:a16="http://schemas.microsoft.com/office/drawing/2014/main" id="{12815090-C44D-72DB-6ABC-9F05D5DF60FE}"/>
+              <a:t>Security</a:t>
+            </a:r>
+          </a:p>
+        </p:txBody>
+      </p:sp>
+      <p:sp>
+        <p:nvSpPr>
+          <p:cNvPr id="3" name="Footer Placeholder 2">
+            <a:extLst>
+              <a:ext uri="{FF2B5EF4-FFF2-40B4-BE49-F238E27FC236}">
+                <a16:creationId xmlns:a16="http://schemas.microsoft.com/office/drawing/2014/main" id="{E8C64865-B191-2738-1D22-00BA6CA03172}"/>
               </a:ext>
             </a:extLst>
           </p:cNvPr>
@@ -26213,10 +26386,10 @@
       </p:sp>
       <p:sp>
         <p:nvSpPr>
-          <p:cNvPr id="5" name="Slide Number Placeholder 4">
-            <a:extLst>
-              <a:ext uri="{FF2B5EF4-FFF2-40B4-BE49-F238E27FC236}">
-                <a16:creationId xmlns:a16="http://schemas.microsoft.com/office/drawing/2014/main" id="{ED60593E-A356-0CC9-26FA-4F490F479EBD}"/>
+          <p:cNvPr id="4" name="Slide Number Placeholder 3">
+            <a:extLst>
+              <a:ext uri="{FF2B5EF4-FFF2-40B4-BE49-F238E27FC236}">
+                <a16:creationId xmlns:a16="http://schemas.microsoft.com/office/drawing/2014/main" id="{DC2244CE-ACB2-1C84-C698-EF0138C62603}"/>
               </a:ext>
             </a:extLst>
           </p:cNvPr>
@@ -26243,7 +26416,7 @@
     </p:spTree>
     <p:extLst>
       <p:ext uri="{BB962C8B-B14F-4D97-AF65-F5344CB8AC3E}">
-        <p14:creationId xmlns:p14="http://schemas.microsoft.com/office/powerpoint/2010/main" val="1154993586"/>
+        <p14:creationId xmlns:p14="http://schemas.microsoft.com/office/powerpoint/2010/main" val="828587990"/>
       </p:ext>
     </p:extLst>
   </p:cSld>
@@ -26287,7 +26460,7 @@
           <p:cNvPr id="2" name="Content Placeholder 1">
             <a:extLst>
               <a:ext uri="{FF2B5EF4-FFF2-40B4-BE49-F238E27FC236}">
-                <a16:creationId xmlns:a16="http://schemas.microsoft.com/office/drawing/2014/main" id="{30BFBC1A-91CF-4063-E805-526AC7D457D9}"/>
+                <a16:creationId xmlns:a16="http://schemas.microsoft.com/office/drawing/2014/main" id="{C91FF63C-0A2C-36A6-5BA9-5E9EE9AEDFD3}"/>
               </a:ext>
             </a:extLst>
           </p:cNvPr>
@@ -26301,54 +26474,61 @@
         <p:spPr/>
         <p:txBody>
           <a:bodyPr>
-            <a:normAutofit fontScale="92500" lnSpcReduction="10000"/>
+            <a:normAutofit fontScale="92500" lnSpcReduction="20000"/>
           </a:bodyPr>
           <a:lstStyle/>
           <a:p>
             <a:r>
               <a:rPr lang="en-US" dirty="0"/>
-              <a:t>Authentication</a:t>
+              <a:t>Active Record Encryption</a:t>
             </a:r>
           </a:p>
           <a:p>
             <a:pPr lvl="1"/>
             <a:r>
               <a:rPr lang="en-US" dirty="0"/>
-              <a:t>Prove who you are</a:t>
+              <a:t>Non-deterministic: More secure, can't search</a:t>
             </a:r>
           </a:p>
           <a:p>
             <a:pPr lvl="1"/>
             <a:r>
               <a:rPr lang="en-US" dirty="0"/>
-              <a:t>MFA for stronger security</a:t>
+              <a:t>Deterministic: Less secure, searchable</a:t>
             </a:r>
           </a:p>
           <a:p>
             <a:pPr lvl="1"/>
             <a:r>
               <a:rPr lang="en-US" dirty="0"/>
-              <a:t>Use external authenticators when possible</a:t>
-            </a:r>
-          </a:p>
-          <a:p>
-            <a:r>
-              <a:rPr lang="en-US" dirty="0"/>
-              <a:t>Authorization</a:t>
+              <a:t>Protects data when exfiltrated</a:t>
+            </a:r>
+          </a:p>
+          <a:p>
+            <a:r>
+              <a:rPr lang="en-US" dirty="0"/>
+              <a:t>HTTPS</a:t>
             </a:r>
           </a:p>
           <a:p>
             <a:pPr lvl="1"/>
             <a:r>
               <a:rPr lang="en-US" dirty="0"/>
-              <a:t>Control what users can do</a:t>
+              <a:t>Encrypts data in transit</a:t>
             </a:r>
           </a:p>
           <a:p>
             <a:pPr lvl="1"/>
             <a:r>
               <a:rPr lang="en-US" dirty="0"/>
-              <a:t>Ability-based permissions</a:t>
+              <a:t>Use Let's Encrypt for free certificates</a:t>
+            </a:r>
+          </a:p>
+          <a:p>
+            <a:pPr lvl="1"/>
+            <a:r>
+              <a:rPr lang="en-US" dirty="0"/>
+              <a:t>Never deploy without HTTPS</a:t>
             </a:r>
           </a:p>
         </p:txBody>
@@ -26358,7 +26538,7 @@
           <p:cNvPr id="3" name="Title 2">
             <a:extLst>
               <a:ext uri="{FF2B5EF4-FFF2-40B4-BE49-F238E27FC236}">
-                <a16:creationId xmlns:a16="http://schemas.microsoft.com/office/drawing/2014/main" id="{CF811477-062E-0412-6F1C-1F24ECA154BC}"/>
+                <a16:creationId xmlns:a16="http://schemas.microsoft.com/office/drawing/2014/main" id="{4285F971-1BC3-181D-BD20-855ED32F59E4}"/>
               </a:ext>
             </a:extLst>
           </p:cNvPr>
@@ -26371,14 +26551,12 @@
         </p:nvSpPr>
         <p:spPr/>
         <p:txBody>
-          <a:bodyPr>
-            <a:normAutofit/>
-          </a:bodyPr>
-          <a:lstStyle/>
-          <a:p>
-            <a:r>
-              <a:rPr lang="en-US" dirty="0"/>
-              <a:t>Authentication &amp; Authorization</a:t>
+          <a:bodyPr/>
+          <a:lstStyle/>
+          <a:p>
+            <a:r>
+              <a:rPr lang="en-US" dirty="0"/>
+              <a:t>Encryption</a:t>
             </a:r>
           </a:p>
         </p:txBody>
@@ -26388,7 +26566,7 @@
           <p:cNvPr id="4" name="Footer Placeholder 3">
             <a:extLst>
               <a:ext uri="{FF2B5EF4-FFF2-40B4-BE49-F238E27FC236}">
-                <a16:creationId xmlns:a16="http://schemas.microsoft.com/office/drawing/2014/main" id="{E7C99793-263C-8C6D-B2EC-C284E7F6DE49}"/>
+                <a16:creationId xmlns:a16="http://schemas.microsoft.com/office/drawing/2014/main" id="{12815090-C44D-72DB-6ABC-9F05D5DF60FE}"/>
               </a:ext>
             </a:extLst>
           </p:cNvPr>
@@ -26416,7 +26594,7 @@
           <p:cNvPr id="5" name="Slide Number Placeholder 4">
             <a:extLst>
               <a:ext uri="{FF2B5EF4-FFF2-40B4-BE49-F238E27FC236}">
-                <a16:creationId xmlns:a16="http://schemas.microsoft.com/office/drawing/2014/main" id="{7FF4D633-43B3-A109-5BF2-3C4AF51098D7}"/>
+                <a16:creationId xmlns:a16="http://schemas.microsoft.com/office/drawing/2014/main" id="{ED60593E-A356-0CC9-26FA-4F490F479EBD}"/>
               </a:ext>
             </a:extLst>
           </p:cNvPr>
@@ -26443,7 +26621,7 @@
     </p:spTree>
     <p:extLst>
       <p:ext uri="{BB962C8B-B14F-4D97-AF65-F5344CB8AC3E}">
-        <p14:creationId xmlns:p14="http://schemas.microsoft.com/office/powerpoint/2010/main" val="2240984413"/>
+        <p14:creationId xmlns:p14="http://schemas.microsoft.com/office/powerpoint/2010/main" val="1154993586"/>
       </p:ext>
     </p:extLst>
   </p:cSld>
@@ -26487,7 +26665,7 @@
           <p:cNvPr id="2" name="Content Placeholder 1">
             <a:extLst>
               <a:ext uri="{FF2B5EF4-FFF2-40B4-BE49-F238E27FC236}">
-                <a16:creationId xmlns:a16="http://schemas.microsoft.com/office/drawing/2014/main" id="{4B4F9001-9D73-6C7C-78AB-49FF82FD9F6A}"/>
+                <a16:creationId xmlns:a16="http://schemas.microsoft.com/office/drawing/2014/main" id="{30BFBC1A-91CF-4063-E805-526AC7D457D9}"/>
               </a:ext>
             </a:extLst>
           </p:cNvPr>
@@ -26501,84 +26679,55 @@
         <p:spPr/>
         <p:txBody>
           <a:bodyPr>
-            <a:normAutofit fontScale="70000" lnSpcReduction="20000"/>
+            <a:normAutofit fontScale="92500" lnSpcReduction="10000"/>
           </a:bodyPr>
           <a:lstStyle/>
           <a:p>
             <a:r>
               <a:rPr lang="en-US" dirty="0"/>
-              <a:t>SQL Injection</a:t>
+              <a:t>Authentication</a:t>
             </a:r>
           </a:p>
           <a:p>
             <a:pPr lvl="1"/>
             <a:r>
               <a:rPr lang="en-US" dirty="0"/>
-              <a:t>Use `?` placeholders in queries</a:t>
+              <a:t>Prove who you are</a:t>
             </a:r>
           </a:p>
           <a:p>
             <a:pPr lvl="1"/>
             <a:r>
               <a:rPr lang="en-US" dirty="0"/>
-              <a:t>Never interpolate user input directly</a:t>
-            </a:r>
-          </a:p>
-          <a:p>
-            <a:r>
-              <a:rPr lang="en-US" dirty="0"/>
-              <a:t>XSS</a:t>
+              <a:t>MFA for stronger security</a:t>
             </a:r>
           </a:p>
           <a:p>
             <a:pPr lvl="1"/>
             <a:r>
               <a:rPr lang="en-US" dirty="0"/>
-              <a:t>Rails escapes by default</a:t>
+              <a:t>Use external authenticators when possible</a:t>
+            </a:r>
+          </a:p>
+          <a:p>
+            <a:r>
+              <a:rPr lang="en-US" dirty="0"/>
+              <a:t>Authorization</a:t>
             </a:r>
           </a:p>
           <a:p>
             <a:pPr lvl="1"/>
             <a:r>
               <a:rPr lang="en-US" dirty="0"/>
-              <a:t>Still stored in database</a:t>
+              <a:t>Control what users can do</a:t>
             </a:r>
           </a:p>
           <a:p>
             <a:pPr lvl="1"/>
             <a:r>
               <a:rPr lang="en-US" dirty="0"/>
-              <a:t>Don't use ‘&lt;%==‘, ‘</a:t>
-            </a:r>
-            <a:r>
-              <a:rPr lang="en-US" dirty="0" err="1"/>
-              <a:t>html_safe</a:t>
-            </a:r>
-            <a:r>
-              <a:rPr lang="en-US" dirty="0"/>
-              <a:t>’, or ‘raw’ unnecessarily</a:t>
-            </a:r>
-          </a:p>
-          <a:p>
-            <a:r>
-              <a:rPr lang="en-US" dirty="0"/>
-              <a:t>CSRF</a:t>
-            </a:r>
-          </a:p>
-          <a:p>
-            <a:r>
-              <a:rPr lang="en-US" dirty="0"/>
-              <a:t>- Rails includes authenticity tokens</a:t>
-            </a:r>
-          </a:p>
-          <a:p>
-            <a:r>
-              <a:rPr lang="en-US" dirty="0"/>
-              <a:t>- Protects POST/PUT/PATCH/DELETE</a:t>
-            </a:r>
-          </a:p>
-          <a:p>
-            <a:endParaRPr lang="en-US" dirty="0"/>
+              <a:t>Ability-based permissions</a:t>
+            </a:r>
           </a:p>
         </p:txBody>
       </p:sp>
@@ -26587,7 +26736,7 @@
           <p:cNvPr id="3" name="Title 2">
             <a:extLst>
               <a:ext uri="{FF2B5EF4-FFF2-40B4-BE49-F238E27FC236}">
-                <a16:creationId xmlns:a16="http://schemas.microsoft.com/office/drawing/2014/main" id="{1299498E-AFDC-3322-5E4D-CACB001A38A5}"/>
+                <a16:creationId xmlns:a16="http://schemas.microsoft.com/office/drawing/2014/main" id="{CF811477-062E-0412-6F1C-1F24ECA154BC}"/>
               </a:ext>
             </a:extLst>
           </p:cNvPr>
@@ -26607,7 +26756,7 @@
           <a:p>
             <a:r>
               <a:rPr lang="en-US" dirty="0"/>
-              <a:t>Injection Prevention</a:t>
+              <a:t>Authentication &amp; Authorization</a:t>
             </a:r>
           </a:p>
         </p:txBody>
@@ -26617,7 +26766,7 @@
           <p:cNvPr id="4" name="Footer Placeholder 3">
             <a:extLst>
               <a:ext uri="{FF2B5EF4-FFF2-40B4-BE49-F238E27FC236}">
-                <a16:creationId xmlns:a16="http://schemas.microsoft.com/office/drawing/2014/main" id="{7DD7C141-CD1E-17D0-B15C-209A27DC7233}"/>
+                <a16:creationId xmlns:a16="http://schemas.microsoft.com/office/drawing/2014/main" id="{E7C99793-263C-8C6D-B2EC-C284E7F6DE49}"/>
               </a:ext>
             </a:extLst>
           </p:cNvPr>
@@ -26645,7 +26794,7 @@
           <p:cNvPr id="5" name="Slide Number Placeholder 4">
             <a:extLst>
               <a:ext uri="{FF2B5EF4-FFF2-40B4-BE49-F238E27FC236}">
-                <a16:creationId xmlns:a16="http://schemas.microsoft.com/office/drawing/2014/main" id="{6F92EA33-FB1F-DD20-7FA4-E7F002DD6E9A}"/>
+                <a16:creationId xmlns:a16="http://schemas.microsoft.com/office/drawing/2014/main" id="{7FF4D633-43B3-A109-5BF2-3C4AF51098D7}"/>
               </a:ext>
             </a:extLst>
           </p:cNvPr>
@@ -26672,7 +26821,7 @@
     </p:spTree>
     <p:extLst>
       <p:ext uri="{BB962C8B-B14F-4D97-AF65-F5344CB8AC3E}">
-        <p14:creationId xmlns:p14="http://schemas.microsoft.com/office/powerpoint/2010/main" val="3853448910"/>
+        <p14:creationId xmlns:p14="http://schemas.microsoft.com/office/powerpoint/2010/main" val="2240984413"/>
       </p:ext>
     </p:extLst>
   </p:cSld>
@@ -26716,7 +26865,7 @@
           <p:cNvPr id="2" name="Content Placeholder 1">
             <a:extLst>
               <a:ext uri="{FF2B5EF4-FFF2-40B4-BE49-F238E27FC236}">
-                <a16:creationId xmlns:a16="http://schemas.microsoft.com/office/drawing/2014/main" id="{539AD933-415C-BC12-7194-AF4F151BD834}"/>
+                <a16:creationId xmlns:a16="http://schemas.microsoft.com/office/drawing/2014/main" id="{4B4F9001-9D73-6C7C-78AB-49FF82FD9F6A}"/>
               </a:ext>
             </a:extLst>
           </p:cNvPr>
@@ -26730,54 +26879,80 @@
         <p:spPr/>
         <p:txBody>
           <a:bodyPr>
-            <a:normAutofit fontScale="92500" lnSpcReduction="10000"/>
+            <a:normAutofit fontScale="70000" lnSpcReduction="20000"/>
           </a:bodyPr>
           <a:lstStyle/>
           <a:p>
             <a:r>
               <a:rPr lang="en-US" dirty="0"/>
-              <a:t>Same-Origin Policy:</a:t>
+              <a:t>SQL Injection</a:t>
             </a:r>
           </a:p>
           <a:p>
             <a:pPr lvl="1"/>
             <a:r>
               <a:rPr lang="en-US" dirty="0"/>
-              <a:t>Browsers restrict cross-origin scripts</a:t>
+              <a:t>Use `?` placeholders in queries</a:t>
             </a:r>
           </a:p>
           <a:p>
             <a:pPr lvl="1"/>
             <a:r>
               <a:rPr lang="en-US" dirty="0"/>
-              <a:t>Necessary for security</a:t>
-            </a:r>
-          </a:p>
-          <a:p>
-            <a:r>
-              <a:rPr lang="en-US" dirty="0"/>
-              <a:t>CORS</a:t>
+              <a:t>Never interpolate user input directly</a:t>
+            </a:r>
+          </a:p>
+          <a:p>
+            <a:r>
+              <a:rPr lang="en-US" dirty="0"/>
+              <a:t>XSS</a:t>
             </a:r>
           </a:p>
           <a:p>
             <a:pPr lvl="1"/>
             <a:r>
               <a:rPr lang="en-US" dirty="0"/>
-              <a:t>Allow controlled cross-origin access</a:t>
+              <a:t>Rails escapes by default</a:t>
             </a:r>
           </a:p>
           <a:p>
             <a:pPr lvl="1"/>
             <a:r>
               <a:rPr lang="en-US" dirty="0"/>
-              <a:t>Don't wildcard origins</a:t>
+              <a:t>Still stored in database</a:t>
             </a:r>
           </a:p>
           <a:p>
             <a:pPr lvl="1"/>
             <a:r>
               <a:rPr lang="en-US" dirty="0"/>
-              <a:t>Specify exact trusted sources</a:t>
+              <a:t>Don't use ‘&lt;%==‘, ‘</a:t>
+            </a:r>
+            <a:r>
+              <a:rPr lang="en-US" dirty="0" err="1"/>
+              <a:t>html_safe</a:t>
+            </a:r>
+            <a:r>
+              <a:rPr lang="en-US" dirty="0"/>
+              <a:t>’, or ‘raw’ unnecessarily</a:t>
+            </a:r>
+          </a:p>
+          <a:p>
+            <a:r>
+              <a:rPr lang="en-US" dirty="0"/>
+              <a:t>CSRF</a:t>
+            </a:r>
+          </a:p>
+          <a:p>
+            <a:r>
+              <a:rPr lang="en-US" dirty="0"/>
+              <a:t>- Rails includes authenticity tokens</a:t>
+            </a:r>
+          </a:p>
+          <a:p>
+            <a:r>
+              <a:rPr lang="en-US" dirty="0"/>
+              <a:t>- Protects POST/PUT/PATCH/DELETE</a:t>
             </a:r>
           </a:p>
           <a:p>
@@ -26790,7 +26965,7 @@
           <p:cNvPr id="3" name="Title 2">
             <a:extLst>
               <a:ext uri="{FF2B5EF4-FFF2-40B4-BE49-F238E27FC236}">
-                <a16:creationId xmlns:a16="http://schemas.microsoft.com/office/drawing/2014/main" id="{E084D952-9CFB-7FEB-46E1-CF7129B39071}"/>
+                <a16:creationId xmlns:a16="http://schemas.microsoft.com/office/drawing/2014/main" id="{1299498E-AFDC-3322-5E4D-CACB001A38A5}"/>
               </a:ext>
             </a:extLst>
           </p:cNvPr>
@@ -26810,7 +26985,7 @@
           <a:p>
             <a:r>
               <a:rPr lang="en-US" dirty="0"/>
-              <a:t>Browser Security</a:t>
+              <a:t>Injection Prevention</a:t>
             </a:r>
           </a:p>
         </p:txBody>
@@ -26820,7 +26995,7 @@
           <p:cNvPr id="4" name="Footer Placeholder 3">
             <a:extLst>
               <a:ext uri="{FF2B5EF4-FFF2-40B4-BE49-F238E27FC236}">
-                <a16:creationId xmlns:a16="http://schemas.microsoft.com/office/drawing/2014/main" id="{9556E719-F53E-EBDE-AD78-B8F88A8943AA}"/>
+                <a16:creationId xmlns:a16="http://schemas.microsoft.com/office/drawing/2014/main" id="{7DD7C141-CD1E-17D0-B15C-209A27DC7233}"/>
               </a:ext>
             </a:extLst>
           </p:cNvPr>
@@ -26848,7 +27023,7 @@
           <p:cNvPr id="5" name="Slide Number Placeholder 4">
             <a:extLst>
               <a:ext uri="{FF2B5EF4-FFF2-40B4-BE49-F238E27FC236}">
-                <a16:creationId xmlns:a16="http://schemas.microsoft.com/office/drawing/2014/main" id="{26519438-BB23-8D54-3D24-15E82183909C}"/>
+                <a16:creationId xmlns:a16="http://schemas.microsoft.com/office/drawing/2014/main" id="{6F92EA33-FB1F-DD20-7FA4-E7F002DD6E9A}"/>
               </a:ext>
             </a:extLst>
           </p:cNvPr>
@@ -26875,7 +27050,7 @@
     </p:spTree>
     <p:extLst>
       <p:ext uri="{BB962C8B-B14F-4D97-AF65-F5344CB8AC3E}">
-        <p14:creationId xmlns:p14="http://schemas.microsoft.com/office/powerpoint/2010/main" val="1419615532"/>
+        <p14:creationId xmlns:p14="http://schemas.microsoft.com/office/powerpoint/2010/main" val="3853448910"/>
       </p:ext>
     </p:extLst>
   </p:cSld>
